--- a/Steganography/Project template .pptx
+++ b/Steganography/Project template .pptx
@@ -20,7 +20,7 @@
     <p:sldId id="266" r:id="rId15"/>
   </p:sldIdLst>
   <p:sldSz cx="12192000" cy="6858000"/>
-  <p:notesSz cx="7559675" cy="10691812"/>
+  <p:notesSz cx="7772400" cy="10058400"/>
 </p:presentation>
 </file>
 
@@ -76,19 +76,28 @@
         <p:spPr>
           <a:xfrm>
             <a:off x="576000" y="712800"/>
-            <a:ext cx="11028960" cy="625320"/>
-          </a:xfrm>
-          <a:prstGeom prst="rect">
-            <a:avLst/>
-          </a:prstGeom>
+            <a:ext cx="11028600" cy="625320"/>
+          </a:xfrm>
+          <a:prstGeom prst="rect">
+            <a:avLst/>
+          </a:prstGeom>
+          <a:noFill/>
+          <a:ln w="0">
+            <a:noFill/>
+          </a:ln>
         </p:spPr>
         <p:txBody>
           <a:bodyPr lIns="0" rIns="0" tIns="0" bIns="0" anchor="ctr">
             <a:noAutofit/>
           </a:bodyPr>
           <a:p>
-            <a:pPr algn="ctr"/>
-            <a:endParaRPr b="0" lang="en-IN" sz="4400" spc="-1" strike="noStrike">
+            <a:pPr indent="0" algn="ctr">
+              <a:buNone/>
+            </a:pPr>
+            <a:endParaRPr b="0" lang="en-US" sz="4400" spc="-1" strike="noStrike">
+              <a:solidFill>
+                <a:srgbClr val="000000"/>
+              </a:solidFill>
               <a:latin typeface="Arial"/>
             </a:endParaRPr>
           </a:p>
@@ -101,7 +110,7 @@
             <a:spLocks noGrp="1"/>
           </p:cNvSpPr>
           <p:nvPr>
-            <p:ph type="body"/>
+            <p:ph/>
           </p:nvPr>
         </p:nvSpPr>
         <p:spPr>
@@ -112,13 +121,26 @@
           <a:prstGeom prst="rect">
             <a:avLst/>
           </a:prstGeom>
-        </p:spPr>
-        <p:txBody>
-          <a:bodyPr lIns="0" rIns="0" tIns="0" bIns="0">
+          <a:noFill/>
+          <a:ln w="0">
+            <a:noFill/>
+          </a:ln>
+        </p:spPr>
+        <p:txBody>
+          <a:bodyPr lIns="0" rIns="0" tIns="0" bIns="0" anchor="t">
             <a:normAutofit/>
           </a:bodyPr>
           <a:p>
-            <a:endParaRPr b="0" lang="en-IN" sz="3200" spc="-1" strike="noStrike">
+            <a:pPr indent="0">
+              <a:spcBef>
+                <a:spcPts val="1417"/>
+              </a:spcBef>
+              <a:buNone/>
+            </a:pPr>
+            <a:endParaRPr b="0" lang="en-US" sz="3200" spc="-1" strike="noStrike">
+              <a:solidFill>
+                <a:srgbClr val="000000"/>
+              </a:solidFill>
               <a:latin typeface="Arial"/>
             </a:endParaRPr>
           </a:p>
@@ -131,7 +153,7 @@
             <a:spLocks noGrp="1"/>
           </p:cNvSpPr>
           <p:nvPr>
-            <p:ph type="body"/>
+            <p:ph/>
           </p:nvPr>
         </p:nvSpPr>
         <p:spPr>
@@ -142,13 +164,26 @@
           <a:prstGeom prst="rect">
             <a:avLst/>
           </a:prstGeom>
-        </p:spPr>
-        <p:txBody>
-          <a:bodyPr lIns="0" rIns="0" tIns="0" bIns="0">
+          <a:noFill/>
+          <a:ln w="0">
+            <a:noFill/>
+          </a:ln>
+        </p:spPr>
+        <p:txBody>
+          <a:bodyPr lIns="0" rIns="0" tIns="0" bIns="0" anchor="t">
             <a:normAutofit/>
           </a:bodyPr>
           <a:p>
-            <a:endParaRPr b="0" lang="en-IN" sz="3200" spc="-1" strike="noStrike">
+            <a:pPr indent="0">
+              <a:spcBef>
+                <a:spcPts val="1417"/>
+              </a:spcBef>
+              <a:buNone/>
+            </a:pPr>
+            <a:endParaRPr b="0" lang="en-US" sz="3200" spc="-1" strike="noStrike">
+              <a:solidFill>
+                <a:srgbClr val="000000"/>
+              </a:solidFill>
               <a:latin typeface="Arial"/>
             </a:endParaRPr>
           </a:p>
@@ -189,19 +224,28 @@
         <p:spPr>
           <a:xfrm>
             <a:off x="576000" y="712800"/>
-            <a:ext cx="11028960" cy="625320"/>
-          </a:xfrm>
-          <a:prstGeom prst="rect">
-            <a:avLst/>
-          </a:prstGeom>
+            <a:ext cx="11028600" cy="625320"/>
+          </a:xfrm>
+          <a:prstGeom prst="rect">
+            <a:avLst/>
+          </a:prstGeom>
+          <a:noFill/>
+          <a:ln w="0">
+            <a:noFill/>
+          </a:ln>
         </p:spPr>
         <p:txBody>
           <a:bodyPr lIns="0" rIns="0" tIns="0" bIns="0" anchor="ctr">
             <a:noAutofit/>
           </a:bodyPr>
           <a:p>
-            <a:pPr algn="ctr"/>
-            <a:endParaRPr b="0" lang="en-IN" sz="4400" spc="-1" strike="noStrike">
+            <a:pPr indent="0" algn="ctr">
+              <a:buNone/>
+            </a:pPr>
+            <a:endParaRPr b="0" lang="en-US" sz="4400" spc="-1" strike="noStrike">
+              <a:solidFill>
+                <a:srgbClr val="000000"/>
+              </a:solidFill>
               <a:latin typeface="Arial"/>
             </a:endParaRPr>
           </a:p>
@@ -214,7 +258,7 @@
             <a:spLocks noGrp="1"/>
           </p:cNvSpPr>
           <p:nvPr>
-            <p:ph type="body"/>
+            <p:ph/>
           </p:nvPr>
         </p:nvSpPr>
         <p:spPr>
@@ -225,13 +269,26 @@
           <a:prstGeom prst="rect">
             <a:avLst/>
           </a:prstGeom>
-        </p:spPr>
-        <p:txBody>
-          <a:bodyPr lIns="0" rIns="0" tIns="0" bIns="0">
+          <a:noFill/>
+          <a:ln w="0">
+            <a:noFill/>
+          </a:ln>
+        </p:spPr>
+        <p:txBody>
+          <a:bodyPr lIns="0" rIns="0" tIns="0" bIns="0" anchor="t">
             <a:normAutofit/>
           </a:bodyPr>
           <a:p>
-            <a:endParaRPr b="0" lang="en-IN" sz="3200" spc="-1" strike="noStrike">
+            <a:pPr indent="0">
+              <a:spcBef>
+                <a:spcPts val="1417"/>
+              </a:spcBef>
+              <a:buNone/>
+            </a:pPr>
+            <a:endParaRPr b="0" lang="en-US" sz="3200" spc="-1" strike="noStrike">
+              <a:solidFill>
+                <a:srgbClr val="000000"/>
+              </a:solidFill>
               <a:latin typeface="Arial"/>
             </a:endParaRPr>
           </a:p>
@@ -244,7 +301,7 @@
             <a:spLocks noGrp="1"/>
           </p:cNvSpPr>
           <p:nvPr>
-            <p:ph type="body"/>
+            <p:ph/>
           </p:nvPr>
         </p:nvSpPr>
         <p:spPr>
@@ -255,13 +312,26 @@
           <a:prstGeom prst="rect">
             <a:avLst/>
           </a:prstGeom>
-        </p:spPr>
-        <p:txBody>
-          <a:bodyPr lIns="0" rIns="0" tIns="0" bIns="0">
+          <a:noFill/>
+          <a:ln w="0">
+            <a:noFill/>
+          </a:ln>
+        </p:spPr>
+        <p:txBody>
+          <a:bodyPr lIns="0" rIns="0" tIns="0" bIns="0" anchor="t">
             <a:normAutofit/>
           </a:bodyPr>
           <a:p>
-            <a:endParaRPr b="0" lang="en-IN" sz="3200" spc="-1" strike="noStrike">
+            <a:pPr indent="0">
+              <a:spcBef>
+                <a:spcPts val="1417"/>
+              </a:spcBef>
+              <a:buNone/>
+            </a:pPr>
+            <a:endParaRPr b="0" lang="en-US" sz="3200" spc="-1" strike="noStrike">
+              <a:solidFill>
+                <a:srgbClr val="000000"/>
+              </a:solidFill>
               <a:latin typeface="Arial"/>
             </a:endParaRPr>
           </a:p>
@@ -274,7 +344,7 @@
             <a:spLocks noGrp="1"/>
           </p:cNvSpPr>
           <p:nvPr>
-            <p:ph type="body"/>
+            <p:ph/>
           </p:nvPr>
         </p:nvSpPr>
         <p:spPr>
@@ -285,13 +355,26 @@
           <a:prstGeom prst="rect">
             <a:avLst/>
           </a:prstGeom>
-        </p:spPr>
-        <p:txBody>
-          <a:bodyPr lIns="0" rIns="0" tIns="0" bIns="0">
+          <a:noFill/>
+          <a:ln w="0">
+            <a:noFill/>
+          </a:ln>
+        </p:spPr>
+        <p:txBody>
+          <a:bodyPr lIns="0" rIns="0" tIns="0" bIns="0" anchor="t">
             <a:normAutofit/>
           </a:bodyPr>
           <a:p>
-            <a:endParaRPr b="0" lang="en-IN" sz="3200" spc="-1" strike="noStrike">
+            <a:pPr indent="0">
+              <a:spcBef>
+                <a:spcPts val="1417"/>
+              </a:spcBef>
+              <a:buNone/>
+            </a:pPr>
+            <a:endParaRPr b="0" lang="en-US" sz="3200" spc="-1" strike="noStrike">
+              <a:solidFill>
+                <a:srgbClr val="000000"/>
+              </a:solidFill>
               <a:latin typeface="Arial"/>
             </a:endParaRPr>
           </a:p>
@@ -304,7 +387,7 @@
             <a:spLocks noGrp="1"/>
           </p:cNvSpPr>
           <p:nvPr>
-            <p:ph type="body"/>
+            <p:ph/>
           </p:nvPr>
         </p:nvSpPr>
         <p:spPr>
@@ -315,13 +398,26 @@
           <a:prstGeom prst="rect">
             <a:avLst/>
           </a:prstGeom>
-        </p:spPr>
-        <p:txBody>
-          <a:bodyPr lIns="0" rIns="0" tIns="0" bIns="0">
+          <a:noFill/>
+          <a:ln w="0">
+            <a:noFill/>
+          </a:ln>
+        </p:spPr>
+        <p:txBody>
+          <a:bodyPr lIns="0" rIns="0" tIns="0" bIns="0" anchor="t">
             <a:normAutofit/>
           </a:bodyPr>
           <a:p>
-            <a:endParaRPr b="0" lang="en-IN" sz="3200" spc="-1" strike="noStrike">
+            <a:pPr indent="0">
+              <a:spcBef>
+                <a:spcPts val="1417"/>
+              </a:spcBef>
+              <a:buNone/>
+            </a:pPr>
+            <a:endParaRPr b="0" lang="en-US" sz="3200" spc="-1" strike="noStrike">
+              <a:solidFill>
+                <a:srgbClr val="000000"/>
+              </a:solidFill>
               <a:latin typeface="Arial"/>
             </a:endParaRPr>
           </a:p>
@@ -362,19 +458,28 @@
         <p:spPr>
           <a:xfrm>
             <a:off x="576000" y="712800"/>
-            <a:ext cx="11028960" cy="625320"/>
-          </a:xfrm>
-          <a:prstGeom prst="rect">
-            <a:avLst/>
-          </a:prstGeom>
+            <a:ext cx="11028600" cy="625320"/>
+          </a:xfrm>
+          <a:prstGeom prst="rect">
+            <a:avLst/>
+          </a:prstGeom>
+          <a:noFill/>
+          <a:ln w="0">
+            <a:noFill/>
+          </a:ln>
         </p:spPr>
         <p:txBody>
           <a:bodyPr lIns="0" rIns="0" tIns="0" bIns="0" anchor="ctr">
             <a:noAutofit/>
           </a:bodyPr>
           <a:p>
-            <a:pPr algn="ctr"/>
-            <a:endParaRPr b="0" lang="en-IN" sz="4400" spc="-1" strike="noStrike">
+            <a:pPr indent="0" algn="ctr">
+              <a:buNone/>
+            </a:pPr>
+            <a:endParaRPr b="0" lang="en-US" sz="4400" spc="-1" strike="noStrike">
+              <a:solidFill>
+                <a:srgbClr val="000000"/>
+              </a:solidFill>
               <a:latin typeface="Arial"/>
             </a:endParaRPr>
           </a:p>
@@ -387,7 +492,7 @@
             <a:spLocks noGrp="1"/>
           </p:cNvSpPr>
           <p:nvPr>
-            <p:ph type="body"/>
+            <p:ph/>
           </p:nvPr>
         </p:nvSpPr>
         <p:spPr>
@@ -398,13 +503,26 @@
           <a:prstGeom prst="rect">
             <a:avLst/>
           </a:prstGeom>
-        </p:spPr>
-        <p:txBody>
-          <a:bodyPr lIns="0" rIns="0" tIns="0" bIns="0">
+          <a:noFill/>
+          <a:ln w="0">
+            <a:noFill/>
+          </a:ln>
+        </p:spPr>
+        <p:txBody>
+          <a:bodyPr lIns="0" rIns="0" tIns="0" bIns="0" anchor="t">
             <a:normAutofit/>
           </a:bodyPr>
           <a:p>
-            <a:endParaRPr b="0" lang="en-IN" sz="3200" spc="-1" strike="noStrike">
+            <a:pPr indent="0">
+              <a:spcBef>
+                <a:spcPts val="1417"/>
+              </a:spcBef>
+              <a:buNone/>
+            </a:pPr>
+            <a:endParaRPr b="0" lang="en-US" sz="3200" spc="-1" strike="noStrike">
+              <a:solidFill>
+                <a:srgbClr val="000000"/>
+              </a:solidFill>
               <a:latin typeface="Arial"/>
             </a:endParaRPr>
           </a:p>
@@ -417,7 +535,7 @@
             <a:spLocks noGrp="1"/>
           </p:cNvSpPr>
           <p:nvPr>
-            <p:ph type="body"/>
+            <p:ph/>
           </p:nvPr>
         </p:nvSpPr>
         <p:spPr>
@@ -428,13 +546,26 @@
           <a:prstGeom prst="rect">
             <a:avLst/>
           </a:prstGeom>
-        </p:spPr>
-        <p:txBody>
-          <a:bodyPr lIns="0" rIns="0" tIns="0" bIns="0">
+          <a:noFill/>
+          <a:ln w="0">
+            <a:noFill/>
+          </a:ln>
+        </p:spPr>
+        <p:txBody>
+          <a:bodyPr lIns="0" rIns="0" tIns="0" bIns="0" anchor="t">
             <a:normAutofit/>
           </a:bodyPr>
           <a:p>
-            <a:endParaRPr b="0" lang="en-IN" sz="3200" spc="-1" strike="noStrike">
+            <a:pPr indent="0">
+              <a:spcBef>
+                <a:spcPts val="1417"/>
+              </a:spcBef>
+              <a:buNone/>
+            </a:pPr>
+            <a:endParaRPr b="0" lang="en-US" sz="3200" spc="-1" strike="noStrike">
+              <a:solidFill>
+                <a:srgbClr val="000000"/>
+              </a:solidFill>
               <a:latin typeface="Arial"/>
             </a:endParaRPr>
           </a:p>
@@ -447,7 +578,7 @@
             <a:spLocks noGrp="1"/>
           </p:cNvSpPr>
           <p:nvPr>
-            <p:ph type="body"/>
+            <p:ph/>
           </p:nvPr>
         </p:nvSpPr>
         <p:spPr>
@@ -458,13 +589,26 @@
           <a:prstGeom prst="rect">
             <a:avLst/>
           </a:prstGeom>
-        </p:spPr>
-        <p:txBody>
-          <a:bodyPr lIns="0" rIns="0" tIns="0" bIns="0">
+          <a:noFill/>
+          <a:ln w="0">
+            <a:noFill/>
+          </a:ln>
+        </p:spPr>
+        <p:txBody>
+          <a:bodyPr lIns="0" rIns="0" tIns="0" bIns="0" anchor="t">
             <a:normAutofit/>
           </a:bodyPr>
           <a:p>
-            <a:endParaRPr b="0" lang="en-IN" sz="3200" spc="-1" strike="noStrike">
+            <a:pPr indent="0">
+              <a:spcBef>
+                <a:spcPts val="1417"/>
+              </a:spcBef>
+              <a:buNone/>
+            </a:pPr>
+            <a:endParaRPr b="0" lang="en-US" sz="3200" spc="-1" strike="noStrike">
+              <a:solidFill>
+                <a:srgbClr val="000000"/>
+              </a:solidFill>
               <a:latin typeface="Arial"/>
             </a:endParaRPr>
           </a:p>
@@ -477,7 +621,7 @@
             <a:spLocks noGrp="1"/>
           </p:cNvSpPr>
           <p:nvPr>
-            <p:ph type="body"/>
+            <p:ph/>
           </p:nvPr>
         </p:nvSpPr>
         <p:spPr>
@@ -488,13 +632,26 @@
           <a:prstGeom prst="rect">
             <a:avLst/>
           </a:prstGeom>
-        </p:spPr>
-        <p:txBody>
-          <a:bodyPr lIns="0" rIns="0" tIns="0" bIns="0">
+          <a:noFill/>
+          <a:ln w="0">
+            <a:noFill/>
+          </a:ln>
+        </p:spPr>
+        <p:txBody>
+          <a:bodyPr lIns="0" rIns="0" tIns="0" bIns="0" anchor="t">
             <a:normAutofit/>
           </a:bodyPr>
           <a:p>
-            <a:endParaRPr b="0" lang="en-IN" sz="3200" spc="-1" strike="noStrike">
+            <a:pPr indent="0">
+              <a:spcBef>
+                <a:spcPts val="1417"/>
+              </a:spcBef>
+              <a:buNone/>
+            </a:pPr>
+            <a:endParaRPr b="0" lang="en-US" sz="3200" spc="-1" strike="noStrike">
+              <a:solidFill>
+                <a:srgbClr val="000000"/>
+              </a:solidFill>
               <a:latin typeface="Arial"/>
             </a:endParaRPr>
           </a:p>
@@ -507,7 +664,7 @@
             <a:spLocks noGrp="1"/>
           </p:cNvSpPr>
           <p:nvPr>
-            <p:ph type="body"/>
+            <p:ph/>
           </p:nvPr>
         </p:nvSpPr>
         <p:spPr>
@@ -518,13 +675,26 @@
           <a:prstGeom prst="rect">
             <a:avLst/>
           </a:prstGeom>
-        </p:spPr>
-        <p:txBody>
-          <a:bodyPr lIns="0" rIns="0" tIns="0" bIns="0">
+          <a:noFill/>
+          <a:ln w="0">
+            <a:noFill/>
+          </a:ln>
+        </p:spPr>
+        <p:txBody>
+          <a:bodyPr lIns="0" rIns="0" tIns="0" bIns="0" anchor="t">
             <a:normAutofit/>
           </a:bodyPr>
           <a:p>
-            <a:endParaRPr b="0" lang="en-IN" sz="3200" spc="-1" strike="noStrike">
+            <a:pPr indent="0">
+              <a:spcBef>
+                <a:spcPts val="1417"/>
+              </a:spcBef>
+              <a:buNone/>
+            </a:pPr>
+            <a:endParaRPr b="0" lang="en-US" sz="3200" spc="-1" strike="noStrike">
+              <a:solidFill>
+                <a:srgbClr val="000000"/>
+              </a:solidFill>
               <a:latin typeface="Arial"/>
             </a:endParaRPr>
           </a:p>
@@ -537,7 +707,7 @@
             <a:spLocks noGrp="1"/>
           </p:cNvSpPr>
           <p:nvPr>
-            <p:ph type="body"/>
+            <p:ph/>
           </p:nvPr>
         </p:nvSpPr>
         <p:spPr>
@@ -548,13 +718,26 @@
           <a:prstGeom prst="rect">
             <a:avLst/>
           </a:prstGeom>
-        </p:spPr>
-        <p:txBody>
-          <a:bodyPr lIns="0" rIns="0" tIns="0" bIns="0">
+          <a:noFill/>
+          <a:ln w="0">
+            <a:noFill/>
+          </a:ln>
+        </p:spPr>
+        <p:txBody>
+          <a:bodyPr lIns="0" rIns="0" tIns="0" bIns="0" anchor="t">
             <a:normAutofit/>
           </a:bodyPr>
           <a:p>
-            <a:endParaRPr b="0" lang="en-IN" sz="3200" spc="-1" strike="noStrike">
+            <a:pPr indent="0">
+              <a:spcBef>
+                <a:spcPts val="1417"/>
+              </a:spcBef>
+              <a:buNone/>
+            </a:pPr>
+            <a:endParaRPr b="0" lang="en-US" sz="3200" spc="-1" strike="noStrike">
+              <a:solidFill>
+                <a:srgbClr val="000000"/>
+              </a:solidFill>
               <a:latin typeface="Arial"/>
             </a:endParaRPr>
           </a:p>
@@ -617,19 +800,28 @@
         <p:spPr>
           <a:xfrm>
             <a:off x="576000" y="712800"/>
-            <a:ext cx="11028960" cy="625320"/>
-          </a:xfrm>
-          <a:prstGeom prst="rect">
-            <a:avLst/>
-          </a:prstGeom>
+            <a:ext cx="11028600" cy="625320"/>
+          </a:xfrm>
+          <a:prstGeom prst="rect">
+            <a:avLst/>
+          </a:prstGeom>
+          <a:noFill/>
+          <a:ln w="0">
+            <a:noFill/>
+          </a:ln>
         </p:spPr>
         <p:txBody>
           <a:bodyPr lIns="0" rIns="0" tIns="0" bIns="0" anchor="ctr">
             <a:noAutofit/>
           </a:bodyPr>
           <a:p>
-            <a:pPr algn="ctr"/>
-            <a:endParaRPr b="0" lang="en-IN" sz="4400" spc="-1" strike="noStrike">
+            <a:pPr indent="0" algn="ctr">
+              <a:buNone/>
+            </a:pPr>
+            <a:endParaRPr b="0" lang="en-US" sz="4400" spc="-1" strike="noStrike">
+              <a:solidFill>
+                <a:srgbClr val="000000"/>
+              </a:solidFill>
               <a:latin typeface="Arial"/>
             </a:endParaRPr>
           </a:p>
@@ -653,14 +845,23 @@
           <a:prstGeom prst="rect">
             <a:avLst/>
           </a:prstGeom>
+          <a:noFill/>
+          <a:ln w="0">
+            <a:noFill/>
+          </a:ln>
         </p:spPr>
         <p:txBody>
           <a:bodyPr lIns="0" rIns="0" tIns="0" bIns="0" anchor="ctr">
             <a:noAutofit/>
           </a:bodyPr>
           <a:p>
-            <a:pPr algn="ctr"/>
-            <a:endParaRPr b="0" lang="en-IN" sz="3200" spc="-1" strike="noStrike">
+            <a:pPr indent="0" algn="ctr">
+              <a:buNone/>
+            </a:pPr>
+            <a:endParaRPr b="0" lang="en-US" sz="3200" spc="-1" strike="noStrike">
+              <a:solidFill>
+                <a:srgbClr val="000000"/>
+              </a:solidFill>
               <a:latin typeface="Arial"/>
             </a:endParaRPr>
           </a:p>
@@ -701,19 +902,28 @@
         <p:spPr>
           <a:xfrm>
             <a:off x="576000" y="712800"/>
-            <a:ext cx="11028960" cy="625320"/>
-          </a:xfrm>
-          <a:prstGeom prst="rect">
-            <a:avLst/>
-          </a:prstGeom>
+            <a:ext cx="11028600" cy="625320"/>
+          </a:xfrm>
+          <a:prstGeom prst="rect">
+            <a:avLst/>
+          </a:prstGeom>
+          <a:noFill/>
+          <a:ln w="0">
+            <a:noFill/>
+          </a:ln>
         </p:spPr>
         <p:txBody>
           <a:bodyPr lIns="0" rIns="0" tIns="0" bIns="0" anchor="ctr">
             <a:noAutofit/>
           </a:bodyPr>
           <a:p>
-            <a:pPr algn="ctr"/>
-            <a:endParaRPr b="0" lang="en-IN" sz="4400" spc="-1" strike="noStrike">
+            <a:pPr indent="0" algn="ctr">
+              <a:buNone/>
+            </a:pPr>
+            <a:endParaRPr b="0" lang="en-US" sz="4400" spc="-1" strike="noStrike">
+              <a:solidFill>
+                <a:srgbClr val="000000"/>
+              </a:solidFill>
               <a:latin typeface="Arial"/>
             </a:endParaRPr>
           </a:p>
@@ -726,7 +936,7 @@
             <a:spLocks noGrp="1"/>
           </p:cNvSpPr>
           <p:nvPr>
-            <p:ph type="body"/>
+            <p:ph/>
           </p:nvPr>
         </p:nvSpPr>
         <p:spPr>
@@ -737,13 +947,26 @@
           <a:prstGeom prst="rect">
             <a:avLst/>
           </a:prstGeom>
-        </p:spPr>
-        <p:txBody>
-          <a:bodyPr lIns="0" rIns="0" tIns="0" bIns="0">
+          <a:noFill/>
+          <a:ln w="0">
+            <a:noFill/>
+          </a:ln>
+        </p:spPr>
+        <p:txBody>
+          <a:bodyPr lIns="0" rIns="0" tIns="0" bIns="0" anchor="t">
             <a:normAutofit/>
           </a:bodyPr>
           <a:p>
-            <a:endParaRPr b="0" lang="en-IN" sz="3200" spc="-1" strike="noStrike">
+            <a:pPr indent="0">
+              <a:spcBef>
+                <a:spcPts val="1417"/>
+              </a:spcBef>
+              <a:buNone/>
+            </a:pPr>
+            <a:endParaRPr b="0" lang="en-US" sz="3200" spc="-1" strike="noStrike">
+              <a:solidFill>
+                <a:srgbClr val="000000"/>
+              </a:solidFill>
               <a:latin typeface="Arial"/>
             </a:endParaRPr>
           </a:p>
@@ -784,19 +1007,28 @@
         <p:spPr>
           <a:xfrm>
             <a:off x="576000" y="712800"/>
-            <a:ext cx="11028960" cy="625320"/>
-          </a:xfrm>
-          <a:prstGeom prst="rect">
-            <a:avLst/>
-          </a:prstGeom>
+            <a:ext cx="11028600" cy="625320"/>
+          </a:xfrm>
+          <a:prstGeom prst="rect">
+            <a:avLst/>
+          </a:prstGeom>
+          <a:noFill/>
+          <a:ln w="0">
+            <a:noFill/>
+          </a:ln>
         </p:spPr>
         <p:txBody>
           <a:bodyPr lIns="0" rIns="0" tIns="0" bIns="0" anchor="ctr">
             <a:noAutofit/>
           </a:bodyPr>
           <a:p>
-            <a:pPr algn="ctr"/>
-            <a:endParaRPr b="0" lang="en-IN" sz="4400" spc="-1" strike="noStrike">
+            <a:pPr indent="0" algn="ctr">
+              <a:buNone/>
+            </a:pPr>
+            <a:endParaRPr b="0" lang="en-US" sz="4400" spc="-1" strike="noStrike">
+              <a:solidFill>
+                <a:srgbClr val="000000"/>
+              </a:solidFill>
               <a:latin typeface="Arial"/>
             </a:endParaRPr>
           </a:p>
@@ -809,7 +1041,7 @@
             <a:spLocks noGrp="1"/>
           </p:cNvSpPr>
           <p:nvPr>
-            <p:ph type="body"/>
+            <p:ph/>
           </p:nvPr>
         </p:nvSpPr>
         <p:spPr>
@@ -820,13 +1052,26 @@
           <a:prstGeom prst="rect">
             <a:avLst/>
           </a:prstGeom>
-        </p:spPr>
-        <p:txBody>
-          <a:bodyPr lIns="0" rIns="0" tIns="0" bIns="0">
+          <a:noFill/>
+          <a:ln w="0">
+            <a:noFill/>
+          </a:ln>
+        </p:spPr>
+        <p:txBody>
+          <a:bodyPr lIns="0" rIns="0" tIns="0" bIns="0" anchor="t">
             <a:normAutofit/>
           </a:bodyPr>
           <a:p>
-            <a:endParaRPr b="0" lang="en-IN" sz="3200" spc="-1" strike="noStrike">
+            <a:pPr indent="0">
+              <a:spcBef>
+                <a:spcPts val="1417"/>
+              </a:spcBef>
+              <a:buNone/>
+            </a:pPr>
+            <a:endParaRPr b="0" lang="en-US" sz="3200" spc="-1" strike="noStrike">
+              <a:solidFill>
+                <a:srgbClr val="000000"/>
+              </a:solidFill>
               <a:latin typeface="Arial"/>
             </a:endParaRPr>
           </a:p>
@@ -839,7 +1084,7 @@
             <a:spLocks noGrp="1"/>
           </p:cNvSpPr>
           <p:nvPr>
-            <p:ph type="body"/>
+            <p:ph/>
           </p:nvPr>
         </p:nvSpPr>
         <p:spPr>
@@ -850,13 +1095,26 @@
           <a:prstGeom prst="rect">
             <a:avLst/>
           </a:prstGeom>
-        </p:spPr>
-        <p:txBody>
-          <a:bodyPr lIns="0" rIns="0" tIns="0" bIns="0">
+          <a:noFill/>
+          <a:ln w="0">
+            <a:noFill/>
+          </a:ln>
+        </p:spPr>
+        <p:txBody>
+          <a:bodyPr lIns="0" rIns="0" tIns="0" bIns="0" anchor="t">
             <a:normAutofit/>
           </a:bodyPr>
           <a:p>
-            <a:endParaRPr b="0" lang="en-IN" sz="3200" spc="-1" strike="noStrike">
+            <a:pPr indent="0">
+              <a:spcBef>
+                <a:spcPts val="1417"/>
+              </a:spcBef>
+              <a:buNone/>
+            </a:pPr>
+            <a:endParaRPr b="0" lang="en-US" sz="3200" spc="-1" strike="noStrike">
+              <a:solidFill>
+                <a:srgbClr val="000000"/>
+              </a:solidFill>
               <a:latin typeface="Arial"/>
             </a:endParaRPr>
           </a:p>
@@ -897,19 +1155,28 @@
         <p:spPr>
           <a:xfrm>
             <a:off x="576000" y="712800"/>
-            <a:ext cx="11028960" cy="625320"/>
-          </a:xfrm>
-          <a:prstGeom prst="rect">
-            <a:avLst/>
-          </a:prstGeom>
+            <a:ext cx="11028600" cy="625320"/>
+          </a:xfrm>
+          <a:prstGeom prst="rect">
+            <a:avLst/>
+          </a:prstGeom>
+          <a:noFill/>
+          <a:ln w="0">
+            <a:noFill/>
+          </a:ln>
         </p:spPr>
         <p:txBody>
           <a:bodyPr lIns="0" rIns="0" tIns="0" bIns="0" anchor="ctr">
             <a:noAutofit/>
           </a:bodyPr>
           <a:p>
-            <a:pPr algn="ctr"/>
-            <a:endParaRPr b="0" lang="en-IN" sz="4400" spc="-1" strike="noStrike">
+            <a:pPr indent="0" algn="ctr">
+              <a:buNone/>
+            </a:pPr>
+            <a:endParaRPr b="0" lang="en-US" sz="4400" spc="-1" strike="noStrike">
+              <a:solidFill>
+                <a:srgbClr val="000000"/>
+              </a:solidFill>
               <a:latin typeface="Arial"/>
             </a:endParaRPr>
           </a:p>
@@ -949,12 +1216,16 @@
         </p:nvSpPr>
         <p:spPr>
           <a:xfrm>
-            <a:off x="576000" y="729720"/>
-            <a:ext cx="11028960" cy="2743200"/>
-          </a:xfrm>
-          <a:prstGeom prst="rect">
-            <a:avLst/>
-          </a:prstGeom>
+            <a:off x="576000" y="712800"/>
+            <a:ext cx="11028600" cy="2898360"/>
+          </a:xfrm>
+          <a:prstGeom prst="rect">
+            <a:avLst/>
+          </a:prstGeom>
+          <a:noFill/>
+          <a:ln w="0">
+            <a:noFill/>
+          </a:ln>
         </p:spPr>
         <p:txBody>
           <a:bodyPr lIns="0" rIns="0" tIns="0" bIns="0" anchor="ctr">
@@ -962,7 +1233,10 @@
           </a:bodyPr>
           <a:p>
             <a:pPr algn="ctr"/>
-            <a:endParaRPr b="0" lang="en-IN" sz="3200" spc="-1" strike="noStrike">
+            <a:endParaRPr b="0" lang="en-US" sz="3200" spc="-1" strike="noStrike">
+              <a:solidFill>
+                <a:srgbClr val="000000"/>
+              </a:solidFill>
               <a:latin typeface="Arial"/>
             </a:endParaRPr>
           </a:p>
@@ -1003,19 +1277,28 @@
         <p:spPr>
           <a:xfrm>
             <a:off x="576000" y="712800"/>
-            <a:ext cx="11028960" cy="625320"/>
-          </a:xfrm>
-          <a:prstGeom prst="rect">
-            <a:avLst/>
-          </a:prstGeom>
+            <a:ext cx="11028600" cy="625320"/>
+          </a:xfrm>
+          <a:prstGeom prst="rect">
+            <a:avLst/>
+          </a:prstGeom>
+          <a:noFill/>
+          <a:ln w="0">
+            <a:noFill/>
+          </a:ln>
         </p:spPr>
         <p:txBody>
           <a:bodyPr lIns="0" rIns="0" tIns="0" bIns="0" anchor="ctr">
             <a:noAutofit/>
           </a:bodyPr>
           <a:p>
-            <a:pPr algn="ctr"/>
-            <a:endParaRPr b="0" lang="en-IN" sz="4400" spc="-1" strike="noStrike">
+            <a:pPr indent="0" algn="ctr">
+              <a:buNone/>
+            </a:pPr>
+            <a:endParaRPr b="0" lang="en-US" sz="4400" spc="-1" strike="noStrike">
+              <a:solidFill>
+                <a:srgbClr val="000000"/>
+              </a:solidFill>
               <a:latin typeface="Arial"/>
             </a:endParaRPr>
           </a:p>
@@ -1028,7 +1311,7 @@
             <a:spLocks noGrp="1"/>
           </p:cNvSpPr>
           <p:nvPr>
-            <p:ph type="body"/>
+            <p:ph/>
           </p:nvPr>
         </p:nvSpPr>
         <p:spPr>
@@ -1039,13 +1322,26 @@
           <a:prstGeom prst="rect">
             <a:avLst/>
           </a:prstGeom>
-        </p:spPr>
-        <p:txBody>
-          <a:bodyPr lIns="0" rIns="0" tIns="0" bIns="0">
+          <a:noFill/>
+          <a:ln w="0">
+            <a:noFill/>
+          </a:ln>
+        </p:spPr>
+        <p:txBody>
+          <a:bodyPr lIns="0" rIns="0" tIns="0" bIns="0" anchor="t">
             <a:normAutofit/>
           </a:bodyPr>
           <a:p>
-            <a:endParaRPr b="0" lang="en-IN" sz="3200" spc="-1" strike="noStrike">
+            <a:pPr indent="0">
+              <a:spcBef>
+                <a:spcPts val="1417"/>
+              </a:spcBef>
+              <a:buNone/>
+            </a:pPr>
+            <a:endParaRPr b="0" lang="en-US" sz="3200" spc="-1" strike="noStrike">
+              <a:solidFill>
+                <a:srgbClr val="000000"/>
+              </a:solidFill>
               <a:latin typeface="Arial"/>
             </a:endParaRPr>
           </a:p>
@@ -1058,7 +1354,7 @@
             <a:spLocks noGrp="1"/>
           </p:cNvSpPr>
           <p:nvPr>
-            <p:ph type="body"/>
+            <p:ph/>
           </p:nvPr>
         </p:nvSpPr>
         <p:spPr>
@@ -1069,13 +1365,26 @@
           <a:prstGeom prst="rect">
             <a:avLst/>
           </a:prstGeom>
-        </p:spPr>
-        <p:txBody>
-          <a:bodyPr lIns="0" rIns="0" tIns="0" bIns="0">
+          <a:noFill/>
+          <a:ln w="0">
+            <a:noFill/>
+          </a:ln>
+        </p:spPr>
+        <p:txBody>
+          <a:bodyPr lIns="0" rIns="0" tIns="0" bIns="0" anchor="t">
             <a:normAutofit/>
           </a:bodyPr>
           <a:p>
-            <a:endParaRPr b="0" lang="en-IN" sz="3200" spc="-1" strike="noStrike">
+            <a:pPr indent="0">
+              <a:spcBef>
+                <a:spcPts val="1417"/>
+              </a:spcBef>
+              <a:buNone/>
+            </a:pPr>
+            <a:endParaRPr b="0" lang="en-US" sz="3200" spc="-1" strike="noStrike">
+              <a:solidFill>
+                <a:srgbClr val="000000"/>
+              </a:solidFill>
               <a:latin typeface="Arial"/>
             </a:endParaRPr>
           </a:p>
@@ -1088,7 +1397,7 @@
             <a:spLocks noGrp="1"/>
           </p:cNvSpPr>
           <p:nvPr>
-            <p:ph type="body"/>
+            <p:ph/>
           </p:nvPr>
         </p:nvSpPr>
         <p:spPr>
@@ -1099,13 +1408,26 @@
           <a:prstGeom prst="rect">
             <a:avLst/>
           </a:prstGeom>
-        </p:spPr>
-        <p:txBody>
-          <a:bodyPr lIns="0" rIns="0" tIns="0" bIns="0">
+          <a:noFill/>
+          <a:ln w="0">
+            <a:noFill/>
+          </a:ln>
+        </p:spPr>
+        <p:txBody>
+          <a:bodyPr lIns="0" rIns="0" tIns="0" bIns="0" anchor="t">
             <a:normAutofit/>
           </a:bodyPr>
           <a:p>
-            <a:endParaRPr b="0" lang="en-IN" sz="3200" spc="-1" strike="noStrike">
+            <a:pPr indent="0">
+              <a:spcBef>
+                <a:spcPts val="1417"/>
+              </a:spcBef>
+              <a:buNone/>
+            </a:pPr>
+            <a:endParaRPr b="0" lang="en-US" sz="3200" spc="-1" strike="noStrike">
+              <a:solidFill>
+                <a:srgbClr val="000000"/>
+              </a:solidFill>
               <a:latin typeface="Arial"/>
             </a:endParaRPr>
           </a:p>
@@ -1146,19 +1468,28 @@
         <p:spPr>
           <a:xfrm>
             <a:off x="576000" y="712800"/>
-            <a:ext cx="11028960" cy="625320"/>
-          </a:xfrm>
-          <a:prstGeom prst="rect">
-            <a:avLst/>
-          </a:prstGeom>
+            <a:ext cx="11028600" cy="625320"/>
+          </a:xfrm>
+          <a:prstGeom prst="rect">
+            <a:avLst/>
+          </a:prstGeom>
+          <a:noFill/>
+          <a:ln w="0">
+            <a:noFill/>
+          </a:ln>
         </p:spPr>
         <p:txBody>
           <a:bodyPr lIns="0" rIns="0" tIns="0" bIns="0" anchor="ctr">
             <a:noAutofit/>
           </a:bodyPr>
           <a:p>
-            <a:pPr algn="ctr"/>
-            <a:endParaRPr b="0" lang="en-IN" sz="4400" spc="-1" strike="noStrike">
+            <a:pPr indent="0" algn="ctr">
+              <a:buNone/>
+            </a:pPr>
+            <a:endParaRPr b="0" lang="en-US" sz="4400" spc="-1" strike="noStrike">
+              <a:solidFill>
+                <a:srgbClr val="000000"/>
+              </a:solidFill>
               <a:latin typeface="Arial"/>
             </a:endParaRPr>
           </a:p>
@@ -1182,14 +1513,23 @@
           <a:prstGeom prst="rect">
             <a:avLst/>
           </a:prstGeom>
+          <a:noFill/>
+          <a:ln w="0">
+            <a:noFill/>
+          </a:ln>
         </p:spPr>
         <p:txBody>
           <a:bodyPr lIns="0" rIns="0" tIns="0" bIns="0" anchor="ctr">
             <a:noAutofit/>
           </a:bodyPr>
           <a:p>
-            <a:pPr algn="ctr"/>
-            <a:endParaRPr b="0" lang="en-IN" sz="3200" spc="-1" strike="noStrike">
+            <a:pPr indent="0" algn="ctr">
+              <a:buNone/>
+            </a:pPr>
+            <a:endParaRPr b="0" lang="en-US" sz="3200" spc="-1" strike="noStrike">
+              <a:solidFill>
+                <a:srgbClr val="000000"/>
+              </a:solidFill>
               <a:latin typeface="Arial"/>
             </a:endParaRPr>
           </a:p>
@@ -1230,19 +1570,28 @@
         <p:spPr>
           <a:xfrm>
             <a:off x="576000" y="712800"/>
-            <a:ext cx="11028960" cy="625320"/>
-          </a:xfrm>
-          <a:prstGeom prst="rect">
-            <a:avLst/>
-          </a:prstGeom>
+            <a:ext cx="11028600" cy="625320"/>
+          </a:xfrm>
+          <a:prstGeom prst="rect">
+            <a:avLst/>
+          </a:prstGeom>
+          <a:noFill/>
+          <a:ln w="0">
+            <a:noFill/>
+          </a:ln>
         </p:spPr>
         <p:txBody>
           <a:bodyPr lIns="0" rIns="0" tIns="0" bIns="0" anchor="ctr">
             <a:noAutofit/>
           </a:bodyPr>
           <a:p>
-            <a:pPr algn="ctr"/>
-            <a:endParaRPr b="0" lang="en-IN" sz="4400" spc="-1" strike="noStrike">
+            <a:pPr indent="0" algn="ctr">
+              <a:buNone/>
+            </a:pPr>
+            <a:endParaRPr b="0" lang="en-US" sz="4400" spc="-1" strike="noStrike">
+              <a:solidFill>
+                <a:srgbClr val="000000"/>
+              </a:solidFill>
               <a:latin typeface="Arial"/>
             </a:endParaRPr>
           </a:p>
@@ -1255,7 +1604,7 @@
             <a:spLocks noGrp="1"/>
           </p:cNvSpPr>
           <p:nvPr>
-            <p:ph type="body"/>
+            <p:ph/>
           </p:nvPr>
         </p:nvSpPr>
         <p:spPr>
@@ -1266,13 +1615,26 @@
           <a:prstGeom prst="rect">
             <a:avLst/>
           </a:prstGeom>
-        </p:spPr>
-        <p:txBody>
-          <a:bodyPr lIns="0" rIns="0" tIns="0" bIns="0">
+          <a:noFill/>
+          <a:ln w="0">
+            <a:noFill/>
+          </a:ln>
+        </p:spPr>
+        <p:txBody>
+          <a:bodyPr lIns="0" rIns="0" tIns="0" bIns="0" anchor="t">
             <a:normAutofit/>
           </a:bodyPr>
           <a:p>
-            <a:endParaRPr b="0" lang="en-IN" sz="3200" spc="-1" strike="noStrike">
+            <a:pPr indent="0">
+              <a:spcBef>
+                <a:spcPts val="1417"/>
+              </a:spcBef>
+              <a:buNone/>
+            </a:pPr>
+            <a:endParaRPr b="0" lang="en-US" sz="3200" spc="-1" strike="noStrike">
+              <a:solidFill>
+                <a:srgbClr val="000000"/>
+              </a:solidFill>
               <a:latin typeface="Arial"/>
             </a:endParaRPr>
           </a:p>
@@ -1285,7 +1647,7 @@
             <a:spLocks noGrp="1"/>
           </p:cNvSpPr>
           <p:nvPr>
-            <p:ph type="body"/>
+            <p:ph/>
           </p:nvPr>
         </p:nvSpPr>
         <p:spPr>
@@ -1296,13 +1658,26 @@
           <a:prstGeom prst="rect">
             <a:avLst/>
           </a:prstGeom>
-        </p:spPr>
-        <p:txBody>
-          <a:bodyPr lIns="0" rIns="0" tIns="0" bIns="0">
+          <a:noFill/>
+          <a:ln w="0">
+            <a:noFill/>
+          </a:ln>
+        </p:spPr>
+        <p:txBody>
+          <a:bodyPr lIns="0" rIns="0" tIns="0" bIns="0" anchor="t">
             <a:normAutofit/>
           </a:bodyPr>
           <a:p>
-            <a:endParaRPr b="0" lang="en-IN" sz="3200" spc="-1" strike="noStrike">
+            <a:pPr indent="0">
+              <a:spcBef>
+                <a:spcPts val="1417"/>
+              </a:spcBef>
+              <a:buNone/>
+            </a:pPr>
+            <a:endParaRPr b="0" lang="en-US" sz="3200" spc="-1" strike="noStrike">
+              <a:solidFill>
+                <a:srgbClr val="000000"/>
+              </a:solidFill>
               <a:latin typeface="Arial"/>
             </a:endParaRPr>
           </a:p>
@@ -1315,7 +1690,7 @@
             <a:spLocks noGrp="1"/>
           </p:cNvSpPr>
           <p:nvPr>
-            <p:ph type="body"/>
+            <p:ph/>
           </p:nvPr>
         </p:nvSpPr>
         <p:spPr>
@@ -1326,13 +1701,26 @@
           <a:prstGeom prst="rect">
             <a:avLst/>
           </a:prstGeom>
-        </p:spPr>
-        <p:txBody>
-          <a:bodyPr lIns="0" rIns="0" tIns="0" bIns="0">
+          <a:noFill/>
+          <a:ln w="0">
+            <a:noFill/>
+          </a:ln>
+        </p:spPr>
+        <p:txBody>
+          <a:bodyPr lIns="0" rIns="0" tIns="0" bIns="0" anchor="t">
             <a:normAutofit/>
           </a:bodyPr>
           <a:p>
-            <a:endParaRPr b="0" lang="en-IN" sz="3200" spc="-1" strike="noStrike">
+            <a:pPr indent="0">
+              <a:spcBef>
+                <a:spcPts val="1417"/>
+              </a:spcBef>
+              <a:buNone/>
+            </a:pPr>
+            <a:endParaRPr b="0" lang="en-US" sz="3200" spc="-1" strike="noStrike">
+              <a:solidFill>
+                <a:srgbClr val="000000"/>
+              </a:solidFill>
               <a:latin typeface="Arial"/>
             </a:endParaRPr>
           </a:p>
@@ -1373,19 +1761,28 @@
         <p:spPr>
           <a:xfrm>
             <a:off x="576000" y="712800"/>
-            <a:ext cx="11028960" cy="625320"/>
-          </a:xfrm>
-          <a:prstGeom prst="rect">
-            <a:avLst/>
-          </a:prstGeom>
+            <a:ext cx="11028600" cy="625320"/>
+          </a:xfrm>
+          <a:prstGeom prst="rect">
+            <a:avLst/>
+          </a:prstGeom>
+          <a:noFill/>
+          <a:ln w="0">
+            <a:noFill/>
+          </a:ln>
         </p:spPr>
         <p:txBody>
           <a:bodyPr lIns="0" rIns="0" tIns="0" bIns="0" anchor="ctr">
             <a:noAutofit/>
           </a:bodyPr>
           <a:p>
-            <a:pPr algn="ctr"/>
-            <a:endParaRPr b="0" lang="en-IN" sz="4400" spc="-1" strike="noStrike">
+            <a:pPr indent="0" algn="ctr">
+              <a:buNone/>
+            </a:pPr>
+            <a:endParaRPr b="0" lang="en-US" sz="4400" spc="-1" strike="noStrike">
+              <a:solidFill>
+                <a:srgbClr val="000000"/>
+              </a:solidFill>
               <a:latin typeface="Arial"/>
             </a:endParaRPr>
           </a:p>
@@ -1398,7 +1795,7 @@
             <a:spLocks noGrp="1"/>
           </p:cNvSpPr>
           <p:nvPr>
-            <p:ph type="body"/>
+            <p:ph/>
           </p:nvPr>
         </p:nvSpPr>
         <p:spPr>
@@ -1409,13 +1806,26 @@
           <a:prstGeom prst="rect">
             <a:avLst/>
           </a:prstGeom>
-        </p:spPr>
-        <p:txBody>
-          <a:bodyPr lIns="0" rIns="0" tIns="0" bIns="0">
+          <a:noFill/>
+          <a:ln w="0">
+            <a:noFill/>
+          </a:ln>
+        </p:spPr>
+        <p:txBody>
+          <a:bodyPr lIns="0" rIns="0" tIns="0" bIns="0" anchor="t">
             <a:normAutofit/>
           </a:bodyPr>
           <a:p>
-            <a:endParaRPr b="0" lang="en-IN" sz="3200" spc="-1" strike="noStrike">
+            <a:pPr indent="0">
+              <a:spcBef>
+                <a:spcPts val="1417"/>
+              </a:spcBef>
+              <a:buNone/>
+            </a:pPr>
+            <a:endParaRPr b="0" lang="en-US" sz="3200" spc="-1" strike="noStrike">
+              <a:solidFill>
+                <a:srgbClr val="000000"/>
+              </a:solidFill>
               <a:latin typeface="Arial"/>
             </a:endParaRPr>
           </a:p>
@@ -1428,7 +1838,7 @@
             <a:spLocks noGrp="1"/>
           </p:cNvSpPr>
           <p:nvPr>
-            <p:ph type="body"/>
+            <p:ph/>
           </p:nvPr>
         </p:nvSpPr>
         <p:spPr>
@@ -1439,13 +1849,26 @@
           <a:prstGeom prst="rect">
             <a:avLst/>
           </a:prstGeom>
-        </p:spPr>
-        <p:txBody>
-          <a:bodyPr lIns="0" rIns="0" tIns="0" bIns="0">
+          <a:noFill/>
+          <a:ln w="0">
+            <a:noFill/>
+          </a:ln>
+        </p:spPr>
+        <p:txBody>
+          <a:bodyPr lIns="0" rIns="0" tIns="0" bIns="0" anchor="t">
             <a:normAutofit/>
           </a:bodyPr>
           <a:p>
-            <a:endParaRPr b="0" lang="en-IN" sz="3200" spc="-1" strike="noStrike">
+            <a:pPr indent="0">
+              <a:spcBef>
+                <a:spcPts val="1417"/>
+              </a:spcBef>
+              <a:buNone/>
+            </a:pPr>
+            <a:endParaRPr b="0" lang="en-US" sz="3200" spc="-1" strike="noStrike">
+              <a:solidFill>
+                <a:srgbClr val="000000"/>
+              </a:solidFill>
               <a:latin typeface="Arial"/>
             </a:endParaRPr>
           </a:p>
@@ -1458,7 +1881,7 @@
             <a:spLocks noGrp="1"/>
           </p:cNvSpPr>
           <p:nvPr>
-            <p:ph type="body"/>
+            <p:ph/>
           </p:nvPr>
         </p:nvSpPr>
         <p:spPr>
@@ -1469,13 +1892,26 @@
           <a:prstGeom prst="rect">
             <a:avLst/>
           </a:prstGeom>
-        </p:spPr>
-        <p:txBody>
-          <a:bodyPr lIns="0" rIns="0" tIns="0" bIns="0">
+          <a:noFill/>
+          <a:ln w="0">
+            <a:noFill/>
+          </a:ln>
+        </p:spPr>
+        <p:txBody>
+          <a:bodyPr lIns="0" rIns="0" tIns="0" bIns="0" anchor="t">
             <a:normAutofit/>
           </a:bodyPr>
           <a:p>
-            <a:endParaRPr b="0" lang="en-IN" sz="3200" spc="-1" strike="noStrike">
+            <a:pPr indent="0">
+              <a:spcBef>
+                <a:spcPts val="1417"/>
+              </a:spcBef>
+              <a:buNone/>
+            </a:pPr>
+            <a:endParaRPr b="0" lang="en-US" sz="3200" spc="-1" strike="noStrike">
+              <a:solidFill>
+                <a:srgbClr val="000000"/>
+              </a:solidFill>
               <a:latin typeface="Arial"/>
             </a:endParaRPr>
           </a:p>
@@ -1516,19 +1952,28 @@
         <p:spPr>
           <a:xfrm>
             <a:off x="576000" y="712800"/>
-            <a:ext cx="11028960" cy="625320"/>
-          </a:xfrm>
-          <a:prstGeom prst="rect">
-            <a:avLst/>
-          </a:prstGeom>
+            <a:ext cx="11028600" cy="625320"/>
+          </a:xfrm>
+          <a:prstGeom prst="rect">
+            <a:avLst/>
+          </a:prstGeom>
+          <a:noFill/>
+          <a:ln w="0">
+            <a:noFill/>
+          </a:ln>
         </p:spPr>
         <p:txBody>
           <a:bodyPr lIns="0" rIns="0" tIns="0" bIns="0" anchor="ctr">
             <a:noAutofit/>
           </a:bodyPr>
           <a:p>
-            <a:pPr algn="ctr"/>
-            <a:endParaRPr b="0" lang="en-IN" sz="4400" spc="-1" strike="noStrike">
+            <a:pPr indent="0" algn="ctr">
+              <a:buNone/>
+            </a:pPr>
+            <a:endParaRPr b="0" lang="en-US" sz="4400" spc="-1" strike="noStrike">
+              <a:solidFill>
+                <a:srgbClr val="000000"/>
+              </a:solidFill>
               <a:latin typeface="Arial"/>
             </a:endParaRPr>
           </a:p>
@@ -1541,7 +1986,7 @@
             <a:spLocks noGrp="1"/>
           </p:cNvSpPr>
           <p:nvPr>
-            <p:ph type="body"/>
+            <p:ph/>
           </p:nvPr>
         </p:nvSpPr>
         <p:spPr>
@@ -1552,13 +1997,26 @@
           <a:prstGeom prst="rect">
             <a:avLst/>
           </a:prstGeom>
-        </p:spPr>
-        <p:txBody>
-          <a:bodyPr lIns="0" rIns="0" tIns="0" bIns="0">
+          <a:noFill/>
+          <a:ln w="0">
+            <a:noFill/>
+          </a:ln>
+        </p:spPr>
+        <p:txBody>
+          <a:bodyPr lIns="0" rIns="0" tIns="0" bIns="0" anchor="t">
             <a:normAutofit/>
           </a:bodyPr>
           <a:p>
-            <a:endParaRPr b="0" lang="en-IN" sz="3200" spc="-1" strike="noStrike">
+            <a:pPr indent="0">
+              <a:spcBef>
+                <a:spcPts val="1417"/>
+              </a:spcBef>
+              <a:buNone/>
+            </a:pPr>
+            <a:endParaRPr b="0" lang="en-US" sz="3200" spc="-1" strike="noStrike">
+              <a:solidFill>
+                <a:srgbClr val="000000"/>
+              </a:solidFill>
               <a:latin typeface="Arial"/>
             </a:endParaRPr>
           </a:p>
@@ -1571,7 +2029,7 @@
             <a:spLocks noGrp="1"/>
           </p:cNvSpPr>
           <p:nvPr>
-            <p:ph type="body"/>
+            <p:ph/>
           </p:nvPr>
         </p:nvSpPr>
         <p:spPr>
@@ -1582,13 +2040,26 @@
           <a:prstGeom prst="rect">
             <a:avLst/>
           </a:prstGeom>
-        </p:spPr>
-        <p:txBody>
-          <a:bodyPr lIns="0" rIns="0" tIns="0" bIns="0">
+          <a:noFill/>
+          <a:ln w="0">
+            <a:noFill/>
+          </a:ln>
+        </p:spPr>
+        <p:txBody>
+          <a:bodyPr lIns="0" rIns="0" tIns="0" bIns="0" anchor="t">
             <a:normAutofit/>
           </a:bodyPr>
           <a:p>
-            <a:endParaRPr b="0" lang="en-IN" sz="3200" spc="-1" strike="noStrike">
+            <a:pPr indent="0">
+              <a:spcBef>
+                <a:spcPts val="1417"/>
+              </a:spcBef>
+              <a:buNone/>
+            </a:pPr>
+            <a:endParaRPr b="0" lang="en-US" sz="3200" spc="-1" strike="noStrike">
+              <a:solidFill>
+                <a:srgbClr val="000000"/>
+              </a:solidFill>
               <a:latin typeface="Arial"/>
             </a:endParaRPr>
           </a:p>
@@ -1629,19 +2100,28 @@
         <p:spPr>
           <a:xfrm>
             <a:off x="576000" y="712800"/>
-            <a:ext cx="11028960" cy="625320"/>
-          </a:xfrm>
-          <a:prstGeom prst="rect">
-            <a:avLst/>
-          </a:prstGeom>
+            <a:ext cx="11028600" cy="625320"/>
+          </a:xfrm>
+          <a:prstGeom prst="rect">
+            <a:avLst/>
+          </a:prstGeom>
+          <a:noFill/>
+          <a:ln w="0">
+            <a:noFill/>
+          </a:ln>
         </p:spPr>
         <p:txBody>
           <a:bodyPr lIns="0" rIns="0" tIns="0" bIns="0" anchor="ctr">
             <a:noAutofit/>
           </a:bodyPr>
           <a:p>
-            <a:pPr algn="ctr"/>
-            <a:endParaRPr b="0" lang="en-IN" sz="4400" spc="-1" strike="noStrike">
+            <a:pPr indent="0" algn="ctr">
+              <a:buNone/>
+            </a:pPr>
+            <a:endParaRPr b="0" lang="en-US" sz="4400" spc="-1" strike="noStrike">
+              <a:solidFill>
+                <a:srgbClr val="000000"/>
+              </a:solidFill>
               <a:latin typeface="Arial"/>
             </a:endParaRPr>
           </a:p>
@@ -1654,7 +2134,7 @@
             <a:spLocks noGrp="1"/>
           </p:cNvSpPr>
           <p:nvPr>
-            <p:ph type="body"/>
+            <p:ph/>
           </p:nvPr>
         </p:nvSpPr>
         <p:spPr>
@@ -1665,13 +2145,26 @@
           <a:prstGeom prst="rect">
             <a:avLst/>
           </a:prstGeom>
-        </p:spPr>
-        <p:txBody>
-          <a:bodyPr lIns="0" rIns="0" tIns="0" bIns="0">
+          <a:noFill/>
+          <a:ln w="0">
+            <a:noFill/>
+          </a:ln>
+        </p:spPr>
+        <p:txBody>
+          <a:bodyPr lIns="0" rIns="0" tIns="0" bIns="0" anchor="t">
             <a:normAutofit/>
           </a:bodyPr>
           <a:p>
-            <a:endParaRPr b="0" lang="en-IN" sz="3200" spc="-1" strike="noStrike">
+            <a:pPr indent="0">
+              <a:spcBef>
+                <a:spcPts val="1417"/>
+              </a:spcBef>
+              <a:buNone/>
+            </a:pPr>
+            <a:endParaRPr b="0" lang="en-US" sz="3200" spc="-1" strike="noStrike">
+              <a:solidFill>
+                <a:srgbClr val="000000"/>
+              </a:solidFill>
               <a:latin typeface="Arial"/>
             </a:endParaRPr>
           </a:p>
@@ -1684,7 +2177,7 @@
             <a:spLocks noGrp="1"/>
           </p:cNvSpPr>
           <p:nvPr>
-            <p:ph type="body"/>
+            <p:ph/>
           </p:nvPr>
         </p:nvSpPr>
         <p:spPr>
@@ -1695,13 +2188,26 @@
           <a:prstGeom prst="rect">
             <a:avLst/>
           </a:prstGeom>
-        </p:spPr>
-        <p:txBody>
-          <a:bodyPr lIns="0" rIns="0" tIns="0" bIns="0">
+          <a:noFill/>
+          <a:ln w="0">
+            <a:noFill/>
+          </a:ln>
+        </p:spPr>
+        <p:txBody>
+          <a:bodyPr lIns="0" rIns="0" tIns="0" bIns="0" anchor="t">
             <a:normAutofit/>
           </a:bodyPr>
           <a:p>
-            <a:endParaRPr b="0" lang="en-IN" sz="3200" spc="-1" strike="noStrike">
+            <a:pPr indent="0">
+              <a:spcBef>
+                <a:spcPts val="1417"/>
+              </a:spcBef>
+              <a:buNone/>
+            </a:pPr>
+            <a:endParaRPr b="0" lang="en-US" sz="3200" spc="-1" strike="noStrike">
+              <a:solidFill>
+                <a:srgbClr val="000000"/>
+              </a:solidFill>
               <a:latin typeface="Arial"/>
             </a:endParaRPr>
           </a:p>
@@ -1714,7 +2220,7 @@
             <a:spLocks noGrp="1"/>
           </p:cNvSpPr>
           <p:nvPr>
-            <p:ph type="body"/>
+            <p:ph/>
           </p:nvPr>
         </p:nvSpPr>
         <p:spPr>
@@ -1725,13 +2231,26 @@
           <a:prstGeom prst="rect">
             <a:avLst/>
           </a:prstGeom>
-        </p:spPr>
-        <p:txBody>
-          <a:bodyPr lIns="0" rIns="0" tIns="0" bIns="0">
+          <a:noFill/>
+          <a:ln w="0">
+            <a:noFill/>
+          </a:ln>
+        </p:spPr>
+        <p:txBody>
+          <a:bodyPr lIns="0" rIns="0" tIns="0" bIns="0" anchor="t">
             <a:normAutofit/>
           </a:bodyPr>
           <a:p>
-            <a:endParaRPr b="0" lang="en-IN" sz="3200" spc="-1" strike="noStrike">
+            <a:pPr indent="0">
+              <a:spcBef>
+                <a:spcPts val="1417"/>
+              </a:spcBef>
+              <a:buNone/>
+            </a:pPr>
+            <a:endParaRPr b="0" lang="en-US" sz="3200" spc="-1" strike="noStrike">
+              <a:solidFill>
+                <a:srgbClr val="000000"/>
+              </a:solidFill>
               <a:latin typeface="Arial"/>
             </a:endParaRPr>
           </a:p>
@@ -1744,7 +2263,7 @@
             <a:spLocks noGrp="1"/>
           </p:cNvSpPr>
           <p:nvPr>
-            <p:ph type="body"/>
+            <p:ph/>
           </p:nvPr>
         </p:nvSpPr>
         <p:spPr>
@@ -1755,13 +2274,26 @@
           <a:prstGeom prst="rect">
             <a:avLst/>
           </a:prstGeom>
-        </p:spPr>
-        <p:txBody>
-          <a:bodyPr lIns="0" rIns="0" tIns="0" bIns="0">
+          <a:noFill/>
+          <a:ln w="0">
+            <a:noFill/>
+          </a:ln>
+        </p:spPr>
+        <p:txBody>
+          <a:bodyPr lIns="0" rIns="0" tIns="0" bIns="0" anchor="t">
             <a:normAutofit/>
           </a:bodyPr>
           <a:p>
-            <a:endParaRPr b="0" lang="en-IN" sz="3200" spc="-1" strike="noStrike">
+            <a:pPr indent="0">
+              <a:spcBef>
+                <a:spcPts val="1417"/>
+              </a:spcBef>
+              <a:buNone/>
+            </a:pPr>
+            <a:endParaRPr b="0" lang="en-US" sz="3200" spc="-1" strike="noStrike">
+              <a:solidFill>
+                <a:srgbClr val="000000"/>
+              </a:solidFill>
               <a:latin typeface="Arial"/>
             </a:endParaRPr>
           </a:p>
@@ -1802,19 +2334,28 @@
         <p:spPr>
           <a:xfrm>
             <a:off x="576000" y="712800"/>
-            <a:ext cx="11028960" cy="625320"/>
-          </a:xfrm>
-          <a:prstGeom prst="rect">
-            <a:avLst/>
-          </a:prstGeom>
+            <a:ext cx="11028600" cy="625320"/>
+          </a:xfrm>
+          <a:prstGeom prst="rect">
+            <a:avLst/>
+          </a:prstGeom>
+          <a:noFill/>
+          <a:ln w="0">
+            <a:noFill/>
+          </a:ln>
         </p:spPr>
         <p:txBody>
           <a:bodyPr lIns="0" rIns="0" tIns="0" bIns="0" anchor="ctr">
             <a:noAutofit/>
           </a:bodyPr>
           <a:p>
-            <a:pPr algn="ctr"/>
-            <a:endParaRPr b="0" lang="en-IN" sz="4400" spc="-1" strike="noStrike">
+            <a:pPr indent="0" algn="ctr">
+              <a:buNone/>
+            </a:pPr>
+            <a:endParaRPr b="0" lang="en-US" sz="4400" spc="-1" strike="noStrike">
+              <a:solidFill>
+                <a:srgbClr val="000000"/>
+              </a:solidFill>
               <a:latin typeface="Arial"/>
             </a:endParaRPr>
           </a:p>
@@ -1827,7 +2368,7 @@
             <a:spLocks noGrp="1"/>
           </p:cNvSpPr>
           <p:nvPr>
-            <p:ph type="body"/>
+            <p:ph/>
           </p:nvPr>
         </p:nvSpPr>
         <p:spPr>
@@ -1838,13 +2379,26 @@
           <a:prstGeom prst="rect">
             <a:avLst/>
           </a:prstGeom>
-        </p:spPr>
-        <p:txBody>
-          <a:bodyPr lIns="0" rIns="0" tIns="0" bIns="0">
+          <a:noFill/>
+          <a:ln w="0">
+            <a:noFill/>
+          </a:ln>
+        </p:spPr>
+        <p:txBody>
+          <a:bodyPr lIns="0" rIns="0" tIns="0" bIns="0" anchor="t">
             <a:normAutofit/>
           </a:bodyPr>
           <a:p>
-            <a:endParaRPr b="0" lang="en-IN" sz="3200" spc="-1" strike="noStrike">
+            <a:pPr indent="0">
+              <a:spcBef>
+                <a:spcPts val="1417"/>
+              </a:spcBef>
+              <a:buNone/>
+            </a:pPr>
+            <a:endParaRPr b="0" lang="en-US" sz="3200" spc="-1" strike="noStrike">
+              <a:solidFill>
+                <a:srgbClr val="000000"/>
+              </a:solidFill>
               <a:latin typeface="Arial"/>
             </a:endParaRPr>
           </a:p>
@@ -1857,7 +2411,7 @@
             <a:spLocks noGrp="1"/>
           </p:cNvSpPr>
           <p:nvPr>
-            <p:ph type="body"/>
+            <p:ph/>
           </p:nvPr>
         </p:nvSpPr>
         <p:spPr>
@@ -1868,13 +2422,26 @@
           <a:prstGeom prst="rect">
             <a:avLst/>
           </a:prstGeom>
-        </p:spPr>
-        <p:txBody>
-          <a:bodyPr lIns="0" rIns="0" tIns="0" bIns="0">
+          <a:noFill/>
+          <a:ln w="0">
+            <a:noFill/>
+          </a:ln>
+        </p:spPr>
+        <p:txBody>
+          <a:bodyPr lIns="0" rIns="0" tIns="0" bIns="0" anchor="t">
             <a:normAutofit/>
           </a:bodyPr>
           <a:p>
-            <a:endParaRPr b="0" lang="en-IN" sz="3200" spc="-1" strike="noStrike">
+            <a:pPr indent="0">
+              <a:spcBef>
+                <a:spcPts val="1417"/>
+              </a:spcBef>
+              <a:buNone/>
+            </a:pPr>
+            <a:endParaRPr b="0" lang="en-US" sz="3200" spc="-1" strike="noStrike">
+              <a:solidFill>
+                <a:srgbClr val="000000"/>
+              </a:solidFill>
               <a:latin typeface="Arial"/>
             </a:endParaRPr>
           </a:p>
@@ -1887,7 +2454,7 @@
             <a:spLocks noGrp="1"/>
           </p:cNvSpPr>
           <p:nvPr>
-            <p:ph type="body"/>
+            <p:ph/>
           </p:nvPr>
         </p:nvSpPr>
         <p:spPr>
@@ -1898,13 +2465,26 @@
           <a:prstGeom prst="rect">
             <a:avLst/>
           </a:prstGeom>
-        </p:spPr>
-        <p:txBody>
-          <a:bodyPr lIns="0" rIns="0" tIns="0" bIns="0">
+          <a:noFill/>
+          <a:ln w="0">
+            <a:noFill/>
+          </a:ln>
+        </p:spPr>
+        <p:txBody>
+          <a:bodyPr lIns="0" rIns="0" tIns="0" bIns="0" anchor="t">
             <a:normAutofit/>
           </a:bodyPr>
           <a:p>
-            <a:endParaRPr b="0" lang="en-IN" sz="3200" spc="-1" strike="noStrike">
+            <a:pPr indent="0">
+              <a:spcBef>
+                <a:spcPts val="1417"/>
+              </a:spcBef>
+              <a:buNone/>
+            </a:pPr>
+            <a:endParaRPr b="0" lang="en-US" sz="3200" spc="-1" strike="noStrike">
+              <a:solidFill>
+                <a:srgbClr val="000000"/>
+              </a:solidFill>
               <a:latin typeface="Arial"/>
             </a:endParaRPr>
           </a:p>
@@ -1917,7 +2497,7 @@
             <a:spLocks noGrp="1"/>
           </p:cNvSpPr>
           <p:nvPr>
-            <p:ph type="body"/>
+            <p:ph/>
           </p:nvPr>
         </p:nvSpPr>
         <p:spPr>
@@ -1928,13 +2508,26 @@
           <a:prstGeom prst="rect">
             <a:avLst/>
           </a:prstGeom>
-        </p:spPr>
-        <p:txBody>
-          <a:bodyPr lIns="0" rIns="0" tIns="0" bIns="0">
+          <a:noFill/>
+          <a:ln w="0">
+            <a:noFill/>
+          </a:ln>
+        </p:spPr>
+        <p:txBody>
+          <a:bodyPr lIns="0" rIns="0" tIns="0" bIns="0" anchor="t">
             <a:normAutofit/>
           </a:bodyPr>
           <a:p>
-            <a:endParaRPr b="0" lang="en-IN" sz="3200" spc="-1" strike="noStrike">
+            <a:pPr indent="0">
+              <a:spcBef>
+                <a:spcPts val="1417"/>
+              </a:spcBef>
+              <a:buNone/>
+            </a:pPr>
+            <a:endParaRPr b="0" lang="en-US" sz="3200" spc="-1" strike="noStrike">
+              <a:solidFill>
+                <a:srgbClr val="000000"/>
+              </a:solidFill>
               <a:latin typeface="Arial"/>
             </a:endParaRPr>
           </a:p>
@@ -1947,7 +2540,7 @@
             <a:spLocks noGrp="1"/>
           </p:cNvSpPr>
           <p:nvPr>
-            <p:ph type="body"/>
+            <p:ph/>
           </p:nvPr>
         </p:nvSpPr>
         <p:spPr>
@@ -1958,13 +2551,26 @@
           <a:prstGeom prst="rect">
             <a:avLst/>
           </a:prstGeom>
-        </p:spPr>
-        <p:txBody>
-          <a:bodyPr lIns="0" rIns="0" tIns="0" bIns="0">
+          <a:noFill/>
+          <a:ln w="0">
+            <a:noFill/>
+          </a:ln>
+        </p:spPr>
+        <p:txBody>
+          <a:bodyPr lIns="0" rIns="0" tIns="0" bIns="0" anchor="t">
             <a:normAutofit/>
           </a:bodyPr>
           <a:p>
-            <a:endParaRPr b="0" lang="en-IN" sz="3200" spc="-1" strike="noStrike">
+            <a:pPr indent="0">
+              <a:spcBef>
+                <a:spcPts val="1417"/>
+              </a:spcBef>
+              <a:buNone/>
+            </a:pPr>
+            <a:endParaRPr b="0" lang="en-US" sz="3200" spc="-1" strike="noStrike">
+              <a:solidFill>
+                <a:srgbClr val="000000"/>
+              </a:solidFill>
               <a:latin typeface="Arial"/>
             </a:endParaRPr>
           </a:p>
@@ -1977,7 +2583,7 @@
             <a:spLocks noGrp="1"/>
           </p:cNvSpPr>
           <p:nvPr>
-            <p:ph type="body"/>
+            <p:ph/>
           </p:nvPr>
         </p:nvSpPr>
         <p:spPr>
@@ -1988,13 +2594,26 @@
           <a:prstGeom prst="rect">
             <a:avLst/>
           </a:prstGeom>
-        </p:spPr>
-        <p:txBody>
-          <a:bodyPr lIns="0" rIns="0" tIns="0" bIns="0">
+          <a:noFill/>
+          <a:ln w="0">
+            <a:noFill/>
+          </a:ln>
+        </p:spPr>
+        <p:txBody>
+          <a:bodyPr lIns="0" rIns="0" tIns="0" bIns="0" anchor="t">
             <a:normAutofit/>
           </a:bodyPr>
           <a:p>
-            <a:endParaRPr b="0" lang="en-IN" sz="3200" spc="-1" strike="noStrike">
+            <a:pPr indent="0">
+              <a:spcBef>
+                <a:spcPts val="1417"/>
+              </a:spcBef>
+              <a:buNone/>
+            </a:pPr>
+            <a:endParaRPr b="0" lang="en-US" sz="3200" spc="-1" strike="noStrike">
+              <a:solidFill>
+                <a:srgbClr val="000000"/>
+              </a:solidFill>
               <a:latin typeface="Arial"/>
             </a:endParaRPr>
           </a:p>
@@ -2057,19 +2676,28 @@
         <p:spPr>
           <a:xfrm>
             <a:off x="576000" y="712800"/>
-            <a:ext cx="11028960" cy="625320"/>
-          </a:xfrm>
-          <a:prstGeom prst="rect">
-            <a:avLst/>
-          </a:prstGeom>
+            <a:ext cx="11028600" cy="625320"/>
+          </a:xfrm>
+          <a:prstGeom prst="rect">
+            <a:avLst/>
+          </a:prstGeom>
+          <a:noFill/>
+          <a:ln w="0">
+            <a:noFill/>
+          </a:ln>
         </p:spPr>
         <p:txBody>
           <a:bodyPr lIns="0" rIns="0" tIns="0" bIns="0" anchor="ctr">
             <a:noAutofit/>
           </a:bodyPr>
           <a:p>
-            <a:pPr algn="ctr"/>
-            <a:endParaRPr b="0" lang="en-IN" sz="4400" spc="-1" strike="noStrike">
+            <a:pPr indent="0" algn="ctr">
+              <a:buNone/>
+            </a:pPr>
+            <a:endParaRPr b="0" lang="en-US" sz="4400" spc="-1" strike="noStrike">
+              <a:solidFill>
+                <a:srgbClr val="000000"/>
+              </a:solidFill>
               <a:latin typeface="Arial"/>
             </a:endParaRPr>
           </a:p>
@@ -2093,14 +2721,23 @@
           <a:prstGeom prst="rect">
             <a:avLst/>
           </a:prstGeom>
+          <a:noFill/>
+          <a:ln w="0">
+            <a:noFill/>
+          </a:ln>
         </p:spPr>
         <p:txBody>
           <a:bodyPr lIns="0" rIns="0" tIns="0" bIns="0" anchor="ctr">
             <a:noAutofit/>
           </a:bodyPr>
           <a:p>
-            <a:pPr algn="ctr"/>
-            <a:endParaRPr b="0" lang="en-IN" sz="3200" spc="-1" strike="noStrike">
+            <a:pPr indent="0" algn="ctr">
+              <a:buNone/>
+            </a:pPr>
+            <a:endParaRPr b="0" lang="en-US" sz="3200" spc="-1" strike="noStrike">
+              <a:solidFill>
+                <a:srgbClr val="000000"/>
+              </a:solidFill>
               <a:latin typeface="Arial"/>
             </a:endParaRPr>
           </a:p>
@@ -2141,19 +2778,28 @@
         <p:spPr>
           <a:xfrm>
             <a:off x="576000" y="712800"/>
-            <a:ext cx="11028960" cy="625320"/>
-          </a:xfrm>
-          <a:prstGeom prst="rect">
-            <a:avLst/>
-          </a:prstGeom>
+            <a:ext cx="11028600" cy="625320"/>
+          </a:xfrm>
+          <a:prstGeom prst="rect">
+            <a:avLst/>
+          </a:prstGeom>
+          <a:noFill/>
+          <a:ln w="0">
+            <a:noFill/>
+          </a:ln>
         </p:spPr>
         <p:txBody>
           <a:bodyPr lIns="0" rIns="0" tIns="0" bIns="0" anchor="ctr">
             <a:noAutofit/>
           </a:bodyPr>
           <a:p>
-            <a:pPr algn="ctr"/>
-            <a:endParaRPr b="0" lang="en-IN" sz="4400" spc="-1" strike="noStrike">
+            <a:pPr indent="0" algn="ctr">
+              <a:buNone/>
+            </a:pPr>
+            <a:endParaRPr b="0" lang="en-US" sz="4400" spc="-1" strike="noStrike">
+              <a:solidFill>
+                <a:srgbClr val="000000"/>
+              </a:solidFill>
               <a:latin typeface="Arial"/>
             </a:endParaRPr>
           </a:p>
@@ -2166,7 +2812,7 @@
             <a:spLocks noGrp="1"/>
           </p:cNvSpPr>
           <p:nvPr>
-            <p:ph type="body"/>
+            <p:ph/>
           </p:nvPr>
         </p:nvSpPr>
         <p:spPr>
@@ -2177,13 +2823,26 @@
           <a:prstGeom prst="rect">
             <a:avLst/>
           </a:prstGeom>
-        </p:spPr>
-        <p:txBody>
-          <a:bodyPr lIns="0" rIns="0" tIns="0" bIns="0">
+          <a:noFill/>
+          <a:ln w="0">
+            <a:noFill/>
+          </a:ln>
+        </p:spPr>
+        <p:txBody>
+          <a:bodyPr lIns="0" rIns="0" tIns="0" bIns="0" anchor="t">
             <a:normAutofit/>
           </a:bodyPr>
           <a:p>
-            <a:endParaRPr b="0" lang="en-IN" sz="3200" spc="-1" strike="noStrike">
+            <a:pPr indent="0">
+              <a:spcBef>
+                <a:spcPts val="1417"/>
+              </a:spcBef>
+              <a:buNone/>
+            </a:pPr>
+            <a:endParaRPr b="0" lang="en-US" sz="3200" spc="-1" strike="noStrike">
+              <a:solidFill>
+                <a:srgbClr val="000000"/>
+              </a:solidFill>
               <a:latin typeface="Arial"/>
             </a:endParaRPr>
           </a:p>
@@ -2224,19 +2883,28 @@
         <p:spPr>
           <a:xfrm>
             <a:off x="576000" y="712800"/>
-            <a:ext cx="11028960" cy="625320"/>
-          </a:xfrm>
-          <a:prstGeom prst="rect">
-            <a:avLst/>
-          </a:prstGeom>
+            <a:ext cx="11028600" cy="625320"/>
+          </a:xfrm>
+          <a:prstGeom prst="rect">
+            <a:avLst/>
+          </a:prstGeom>
+          <a:noFill/>
+          <a:ln w="0">
+            <a:noFill/>
+          </a:ln>
         </p:spPr>
         <p:txBody>
           <a:bodyPr lIns="0" rIns="0" tIns="0" bIns="0" anchor="ctr">
             <a:noAutofit/>
           </a:bodyPr>
           <a:p>
-            <a:pPr algn="ctr"/>
-            <a:endParaRPr b="0" lang="en-IN" sz="4400" spc="-1" strike="noStrike">
+            <a:pPr indent="0" algn="ctr">
+              <a:buNone/>
+            </a:pPr>
+            <a:endParaRPr b="0" lang="en-US" sz="4400" spc="-1" strike="noStrike">
+              <a:solidFill>
+                <a:srgbClr val="000000"/>
+              </a:solidFill>
               <a:latin typeface="Arial"/>
             </a:endParaRPr>
           </a:p>
@@ -2249,7 +2917,7 @@
             <a:spLocks noGrp="1"/>
           </p:cNvSpPr>
           <p:nvPr>
-            <p:ph type="body"/>
+            <p:ph/>
           </p:nvPr>
         </p:nvSpPr>
         <p:spPr>
@@ -2260,13 +2928,26 @@
           <a:prstGeom prst="rect">
             <a:avLst/>
           </a:prstGeom>
-        </p:spPr>
-        <p:txBody>
-          <a:bodyPr lIns="0" rIns="0" tIns="0" bIns="0">
+          <a:noFill/>
+          <a:ln w="0">
+            <a:noFill/>
+          </a:ln>
+        </p:spPr>
+        <p:txBody>
+          <a:bodyPr lIns="0" rIns="0" tIns="0" bIns="0" anchor="t">
             <a:normAutofit/>
           </a:bodyPr>
           <a:p>
-            <a:endParaRPr b="0" lang="en-IN" sz="3200" spc="-1" strike="noStrike">
+            <a:pPr indent="0">
+              <a:spcBef>
+                <a:spcPts val="1417"/>
+              </a:spcBef>
+              <a:buNone/>
+            </a:pPr>
+            <a:endParaRPr b="0" lang="en-US" sz="3200" spc="-1" strike="noStrike">
+              <a:solidFill>
+                <a:srgbClr val="000000"/>
+              </a:solidFill>
               <a:latin typeface="Arial"/>
             </a:endParaRPr>
           </a:p>
@@ -2279,7 +2960,7 @@
             <a:spLocks noGrp="1"/>
           </p:cNvSpPr>
           <p:nvPr>
-            <p:ph type="body"/>
+            <p:ph/>
           </p:nvPr>
         </p:nvSpPr>
         <p:spPr>
@@ -2290,13 +2971,26 @@
           <a:prstGeom prst="rect">
             <a:avLst/>
           </a:prstGeom>
-        </p:spPr>
-        <p:txBody>
-          <a:bodyPr lIns="0" rIns="0" tIns="0" bIns="0">
+          <a:noFill/>
+          <a:ln w="0">
+            <a:noFill/>
+          </a:ln>
+        </p:spPr>
+        <p:txBody>
+          <a:bodyPr lIns="0" rIns="0" tIns="0" bIns="0" anchor="t">
             <a:normAutofit/>
           </a:bodyPr>
           <a:p>
-            <a:endParaRPr b="0" lang="en-IN" sz="3200" spc="-1" strike="noStrike">
+            <a:pPr indent="0">
+              <a:spcBef>
+                <a:spcPts val="1417"/>
+              </a:spcBef>
+              <a:buNone/>
+            </a:pPr>
+            <a:endParaRPr b="0" lang="en-US" sz="3200" spc="-1" strike="noStrike">
+              <a:solidFill>
+                <a:srgbClr val="000000"/>
+              </a:solidFill>
               <a:latin typeface="Arial"/>
             </a:endParaRPr>
           </a:p>
@@ -2337,19 +3031,28 @@
         <p:spPr>
           <a:xfrm>
             <a:off x="576000" y="712800"/>
-            <a:ext cx="11028960" cy="625320"/>
-          </a:xfrm>
-          <a:prstGeom prst="rect">
-            <a:avLst/>
-          </a:prstGeom>
+            <a:ext cx="11028600" cy="625320"/>
+          </a:xfrm>
+          <a:prstGeom prst="rect">
+            <a:avLst/>
+          </a:prstGeom>
+          <a:noFill/>
+          <a:ln w="0">
+            <a:noFill/>
+          </a:ln>
         </p:spPr>
         <p:txBody>
           <a:bodyPr lIns="0" rIns="0" tIns="0" bIns="0" anchor="ctr">
             <a:noAutofit/>
           </a:bodyPr>
           <a:p>
-            <a:pPr algn="ctr"/>
-            <a:endParaRPr b="0" lang="en-IN" sz="4400" spc="-1" strike="noStrike">
+            <a:pPr indent="0" algn="ctr">
+              <a:buNone/>
+            </a:pPr>
+            <a:endParaRPr b="0" lang="en-US" sz="4400" spc="-1" strike="noStrike">
+              <a:solidFill>
+                <a:srgbClr val="000000"/>
+              </a:solidFill>
               <a:latin typeface="Arial"/>
             </a:endParaRPr>
           </a:p>
@@ -2390,19 +3093,28 @@
         <p:spPr>
           <a:xfrm>
             <a:off x="576000" y="712800"/>
-            <a:ext cx="11028960" cy="625320"/>
-          </a:xfrm>
-          <a:prstGeom prst="rect">
-            <a:avLst/>
-          </a:prstGeom>
+            <a:ext cx="11028600" cy="625320"/>
+          </a:xfrm>
+          <a:prstGeom prst="rect">
+            <a:avLst/>
+          </a:prstGeom>
+          <a:noFill/>
+          <a:ln w="0">
+            <a:noFill/>
+          </a:ln>
         </p:spPr>
         <p:txBody>
           <a:bodyPr lIns="0" rIns="0" tIns="0" bIns="0" anchor="ctr">
             <a:noAutofit/>
           </a:bodyPr>
           <a:p>
-            <a:pPr algn="ctr"/>
-            <a:endParaRPr b="0" lang="en-IN" sz="4400" spc="-1" strike="noStrike">
+            <a:pPr indent="0" algn="ctr">
+              <a:buNone/>
+            </a:pPr>
+            <a:endParaRPr b="0" lang="en-US" sz="4400" spc="-1" strike="noStrike">
+              <a:solidFill>
+                <a:srgbClr val="000000"/>
+              </a:solidFill>
               <a:latin typeface="Arial"/>
             </a:endParaRPr>
           </a:p>
@@ -2415,7 +3127,7 @@
             <a:spLocks noGrp="1"/>
           </p:cNvSpPr>
           <p:nvPr>
-            <p:ph type="body"/>
+            <p:ph/>
           </p:nvPr>
         </p:nvSpPr>
         <p:spPr>
@@ -2426,13 +3138,26 @@
           <a:prstGeom prst="rect">
             <a:avLst/>
           </a:prstGeom>
-        </p:spPr>
-        <p:txBody>
-          <a:bodyPr lIns="0" rIns="0" tIns="0" bIns="0">
+          <a:noFill/>
+          <a:ln w="0">
+            <a:noFill/>
+          </a:ln>
+        </p:spPr>
+        <p:txBody>
+          <a:bodyPr lIns="0" rIns="0" tIns="0" bIns="0" anchor="t">
             <a:normAutofit/>
           </a:bodyPr>
           <a:p>
-            <a:endParaRPr b="0" lang="en-IN" sz="3200" spc="-1" strike="noStrike">
+            <a:pPr indent="0">
+              <a:spcBef>
+                <a:spcPts val="1417"/>
+              </a:spcBef>
+              <a:buNone/>
+            </a:pPr>
+            <a:endParaRPr b="0" lang="en-US" sz="3200" spc="-1" strike="noStrike">
+              <a:solidFill>
+                <a:srgbClr val="000000"/>
+              </a:solidFill>
               <a:latin typeface="Arial"/>
             </a:endParaRPr>
           </a:p>
@@ -2472,12 +3197,16 @@
         </p:nvSpPr>
         <p:spPr>
           <a:xfrm>
-            <a:off x="576000" y="729720"/>
-            <a:ext cx="11028960" cy="2743200"/>
-          </a:xfrm>
-          <a:prstGeom prst="rect">
-            <a:avLst/>
-          </a:prstGeom>
+            <a:off x="576000" y="712800"/>
+            <a:ext cx="11028600" cy="2898360"/>
+          </a:xfrm>
+          <a:prstGeom prst="rect">
+            <a:avLst/>
+          </a:prstGeom>
+          <a:noFill/>
+          <a:ln w="0">
+            <a:noFill/>
+          </a:ln>
         </p:spPr>
         <p:txBody>
           <a:bodyPr lIns="0" rIns="0" tIns="0" bIns="0" anchor="ctr">
@@ -2485,7 +3214,10 @@
           </a:bodyPr>
           <a:p>
             <a:pPr algn="ctr"/>
-            <a:endParaRPr b="0" lang="en-IN" sz="3200" spc="-1" strike="noStrike">
+            <a:endParaRPr b="0" lang="en-US" sz="3200" spc="-1" strike="noStrike">
+              <a:solidFill>
+                <a:srgbClr val="000000"/>
+              </a:solidFill>
               <a:latin typeface="Arial"/>
             </a:endParaRPr>
           </a:p>
@@ -2526,19 +3258,28 @@
         <p:spPr>
           <a:xfrm>
             <a:off x="576000" y="712800"/>
-            <a:ext cx="11028960" cy="625320"/>
-          </a:xfrm>
-          <a:prstGeom prst="rect">
-            <a:avLst/>
-          </a:prstGeom>
+            <a:ext cx="11028600" cy="625320"/>
+          </a:xfrm>
+          <a:prstGeom prst="rect">
+            <a:avLst/>
+          </a:prstGeom>
+          <a:noFill/>
+          <a:ln w="0">
+            <a:noFill/>
+          </a:ln>
         </p:spPr>
         <p:txBody>
           <a:bodyPr lIns="0" rIns="0" tIns="0" bIns="0" anchor="ctr">
             <a:noAutofit/>
           </a:bodyPr>
           <a:p>
-            <a:pPr algn="ctr"/>
-            <a:endParaRPr b="0" lang="en-IN" sz="4400" spc="-1" strike="noStrike">
+            <a:pPr indent="0" algn="ctr">
+              <a:buNone/>
+            </a:pPr>
+            <a:endParaRPr b="0" lang="en-US" sz="4400" spc="-1" strike="noStrike">
+              <a:solidFill>
+                <a:srgbClr val="000000"/>
+              </a:solidFill>
               <a:latin typeface="Arial"/>
             </a:endParaRPr>
           </a:p>
@@ -2551,7 +3292,7 @@
             <a:spLocks noGrp="1"/>
           </p:cNvSpPr>
           <p:nvPr>
-            <p:ph type="body"/>
+            <p:ph/>
           </p:nvPr>
         </p:nvSpPr>
         <p:spPr>
@@ -2562,13 +3303,26 @@
           <a:prstGeom prst="rect">
             <a:avLst/>
           </a:prstGeom>
-        </p:spPr>
-        <p:txBody>
-          <a:bodyPr lIns="0" rIns="0" tIns="0" bIns="0">
+          <a:noFill/>
+          <a:ln w="0">
+            <a:noFill/>
+          </a:ln>
+        </p:spPr>
+        <p:txBody>
+          <a:bodyPr lIns="0" rIns="0" tIns="0" bIns="0" anchor="t">
             <a:normAutofit/>
           </a:bodyPr>
           <a:p>
-            <a:endParaRPr b="0" lang="en-IN" sz="3200" spc="-1" strike="noStrike">
+            <a:pPr indent="0">
+              <a:spcBef>
+                <a:spcPts val="1417"/>
+              </a:spcBef>
+              <a:buNone/>
+            </a:pPr>
+            <a:endParaRPr b="0" lang="en-US" sz="3200" spc="-1" strike="noStrike">
+              <a:solidFill>
+                <a:srgbClr val="000000"/>
+              </a:solidFill>
               <a:latin typeface="Arial"/>
             </a:endParaRPr>
           </a:p>
@@ -2581,7 +3335,7 @@
             <a:spLocks noGrp="1"/>
           </p:cNvSpPr>
           <p:nvPr>
-            <p:ph type="body"/>
+            <p:ph/>
           </p:nvPr>
         </p:nvSpPr>
         <p:spPr>
@@ -2592,13 +3346,26 @@
           <a:prstGeom prst="rect">
             <a:avLst/>
           </a:prstGeom>
-        </p:spPr>
-        <p:txBody>
-          <a:bodyPr lIns="0" rIns="0" tIns="0" bIns="0">
+          <a:noFill/>
+          <a:ln w="0">
+            <a:noFill/>
+          </a:ln>
+        </p:spPr>
+        <p:txBody>
+          <a:bodyPr lIns="0" rIns="0" tIns="0" bIns="0" anchor="t">
             <a:normAutofit/>
           </a:bodyPr>
           <a:p>
-            <a:endParaRPr b="0" lang="en-IN" sz="3200" spc="-1" strike="noStrike">
+            <a:pPr indent="0">
+              <a:spcBef>
+                <a:spcPts val="1417"/>
+              </a:spcBef>
+              <a:buNone/>
+            </a:pPr>
+            <a:endParaRPr b="0" lang="en-US" sz="3200" spc="-1" strike="noStrike">
+              <a:solidFill>
+                <a:srgbClr val="000000"/>
+              </a:solidFill>
               <a:latin typeface="Arial"/>
             </a:endParaRPr>
           </a:p>
@@ -2611,7 +3378,7 @@
             <a:spLocks noGrp="1"/>
           </p:cNvSpPr>
           <p:nvPr>
-            <p:ph type="body"/>
+            <p:ph/>
           </p:nvPr>
         </p:nvSpPr>
         <p:spPr>
@@ -2622,13 +3389,26 @@
           <a:prstGeom prst="rect">
             <a:avLst/>
           </a:prstGeom>
-        </p:spPr>
-        <p:txBody>
-          <a:bodyPr lIns="0" rIns="0" tIns="0" bIns="0">
+          <a:noFill/>
+          <a:ln w="0">
+            <a:noFill/>
+          </a:ln>
+        </p:spPr>
+        <p:txBody>
+          <a:bodyPr lIns="0" rIns="0" tIns="0" bIns="0" anchor="t">
             <a:normAutofit/>
           </a:bodyPr>
           <a:p>
-            <a:endParaRPr b="0" lang="en-IN" sz="3200" spc="-1" strike="noStrike">
+            <a:pPr indent="0">
+              <a:spcBef>
+                <a:spcPts val="1417"/>
+              </a:spcBef>
+              <a:buNone/>
+            </a:pPr>
+            <a:endParaRPr b="0" lang="en-US" sz="3200" spc="-1" strike="noStrike">
+              <a:solidFill>
+                <a:srgbClr val="000000"/>
+              </a:solidFill>
               <a:latin typeface="Arial"/>
             </a:endParaRPr>
           </a:p>
@@ -2669,19 +3449,28 @@
         <p:spPr>
           <a:xfrm>
             <a:off x="576000" y="712800"/>
-            <a:ext cx="11028960" cy="625320"/>
-          </a:xfrm>
-          <a:prstGeom prst="rect">
-            <a:avLst/>
-          </a:prstGeom>
+            <a:ext cx="11028600" cy="625320"/>
+          </a:xfrm>
+          <a:prstGeom prst="rect">
+            <a:avLst/>
+          </a:prstGeom>
+          <a:noFill/>
+          <a:ln w="0">
+            <a:noFill/>
+          </a:ln>
         </p:spPr>
         <p:txBody>
           <a:bodyPr lIns="0" rIns="0" tIns="0" bIns="0" anchor="ctr">
             <a:noAutofit/>
           </a:bodyPr>
           <a:p>
-            <a:pPr algn="ctr"/>
-            <a:endParaRPr b="0" lang="en-IN" sz="4400" spc="-1" strike="noStrike">
+            <a:pPr indent="0" algn="ctr">
+              <a:buNone/>
+            </a:pPr>
+            <a:endParaRPr b="0" lang="en-US" sz="4400" spc="-1" strike="noStrike">
+              <a:solidFill>
+                <a:srgbClr val="000000"/>
+              </a:solidFill>
               <a:latin typeface="Arial"/>
             </a:endParaRPr>
           </a:p>
@@ -2694,7 +3483,7 @@
             <a:spLocks noGrp="1"/>
           </p:cNvSpPr>
           <p:nvPr>
-            <p:ph type="body"/>
+            <p:ph/>
           </p:nvPr>
         </p:nvSpPr>
         <p:spPr>
@@ -2705,13 +3494,26 @@
           <a:prstGeom prst="rect">
             <a:avLst/>
           </a:prstGeom>
-        </p:spPr>
-        <p:txBody>
-          <a:bodyPr lIns="0" rIns="0" tIns="0" bIns="0">
+          <a:noFill/>
+          <a:ln w="0">
+            <a:noFill/>
+          </a:ln>
+        </p:spPr>
+        <p:txBody>
+          <a:bodyPr lIns="0" rIns="0" tIns="0" bIns="0" anchor="t">
             <a:normAutofit/>
           </a:bodyPr>
           <a:p>
-            <a:endParaRPr b="0" lang="en-IN" sz="3200" spc="-1" strike="noStrike">
+            <a:pPr indent="0">
+              <a:spcBef>
+                <a:spcPts val="1417"/>
+              </a:spcBef>
+              <a:buNone/>
+            </a:pPr>
+            <a:endParaRPr b="0" lang="en-US" sz="3200" spc="-1" strike="noStrike">
+              <a:solidFill>
+                <a:srgbClr val="000000"/>
+              </a:solidFill>
               <a:latin typeface="Arial"/>
             </a:endParaRPr>
           </a:p>
@@ -2724,7 +3526,7 @@
             <a:spLocks noGrp="1"/>
           </p:cNvSpPr>
           <p:nvPr>
-            <p:ph type="body"/>
+            <p:ph/>
           </p:nvPr>
         </p:nvSpPr>
         <p:spPr>
@@ -2735,13 +3537,26 @@
           <a:prstGeom prst="rect">
             <a:avLst/>
           </a:prstGeom>
-        </p:spPr>
-        <p:txBody>
-          <a:bodyPr lIns="0" rIns="0" tIns="0" bIns="0">
+          <a:noFill/>
+          <a:ln w="0">
+            <a:noFill/>
+          </a:ln>
+        </p:spPr>
+        <p:txBody>
+          <a:bodyPr lIns="0" rIns="0" tIns="0" bIns="0" anchor="t">
             <a:normAutofit/>
           </a:bodyPr>
           <a:p>
-            <a:endParaRPr b="0" lang="en-IN" sz="3200" spc="-1" strike="noStrike">
+            <a:pPr indent="0">
+              <a:spcBef>
+                <a:spcPts val="1417"/>
+              </a:spcBef>
+              <a:buNone/>
+            </a:pPr>
+            <a:endParaRPr b="0" lang="en-US" sz="3200" spc="-1" strike="noStrike">
+              <a:solidFill>
+                <a:srgbClr val="000000"/>
+              </a:solidFill>
               <a:latin typeface="Arial"/>
             </a:endParaRPr>
           </a:p>
@@ -2754,7 +3569,7 @@
             <a:spLocks noGrp="1"/>
           </p:cNvSpPr>
           <p:nvPr>
-            <p:ph type="body"/>
+            <p:ph/>
           </p:nvPr>
         </p:nvSpPr>
         <p:spPr>
@@ -2765,13 +3580,26 @@
           <a:prstGeom prst="rect">
             <a:avLst/>
           </a:prstGeom>
-        </p:spPr>
-        <p:txBody>
-          <a:bodyPr lIns="0" rIns="0" tIns="0" bIns="0">
+          <a:noFill/>
+          <a:ln w="0">
+            <a:noFill/>
+          </a:ln>
+        </p:spPr>
+        <p:txBody>
+          <a:bodyPr lIns="0" rIns="0" tIns="0" bIns="0" anchor="t">
             <a:normAutofit/>
           </a:bodyPr>
           <a:p>
-            <a:endParaRPr b="0" lang="en-IN" sz="3200" spc="-1" strike="noStrike">
+            <a:pPr indent="0">
+              <a:spcBef>
+                <a:spcPts val="1417"/>
+              </a:spcBef>
+              <a:buNone/>
+            </a:pPr>
+            <a:endParaRPr b="0" lang="en-US" sz="3200" spc="-1" strike="noStrike">
+              <a:solidFill>
+                <a:srgbClr val="000000"/>
+              </a:solidFill>
               <a:latin typeface="Arial"/>
             </a:endParaRPr>
           </a:p>
@@ -2812,19 +3640,28 @@
         <p:spPr>
           <a:xfrm>
             <a:off x="576000" y="712800"/>
-            <a:ext cx="11028960" cy="625320"/>
-          </a:xfrm>
-          <a:prstGeom prst="rect">
-            <a:avLst/>
-          </a:prstGeom>
+            <a:ext cx="11028600" cy="625320"/>
+          </a:xfrm>
+          <a:prstGeom prst="rect">
+            <a:avLst/>
+          </a:prstGeom>
+          <a:noFill/>
+          <a:ln w="0">
+            <a:noFill/>
+          </a:ln>
         </p:spPr>
         <p:txBody>
           <a:bodyPr lIns="0" rIns="0" tIns="0" bIns="0" anchor="ctr">
             <a:noAutofit/>
           </a:bodyPr>
           <a:p>
-            <a:pPr algn="ctr"/>
-            <a:endParaRPr b="0" lang="en-IN" sz="4400" spc="-1" strike="noStrike">
+            <a:pPr indent="0" algn="ctr">
+              <a:buNone/>
+            </a:pPr>
+            <a:endParaRPr b="0" lang="en-US" sz="4400" spc="-1" strike="noStrike">
+              <a:solidFill>
+                <a:srgbClr val="000000"/>
+              </a:solidFill>
               <a:latin typeface="Arial"/>
             </a:endParaRPr>
           </a:p>
@@ -2837,7 +3674,7 @@
             <a:spLocks noGrp="1"/>
           </p:cNvSpPr>
           <p:nvPr>
-            <p:ph type="body"/>
+            <p:ph/>
           </p:nvPr>
         </p:nvSpPr>
         <p:spPr>
@@ -2848,13 +3685,26 @@
           <a:prstGeom prst="rect">
             <a:avLst/>
           </a:prstGeom>
-        </p:spPr>
-        <p:txBody>
-          <a:bodyPr lIns="0" rIns="0" tIns="0" bIns="0">
+          <a:noFill/>
+          <a:ln w="0">
+            <a:noFill/>
+          </a:ln>
+        </p:spPr>
+        <p:txBody>
+          <a:bodyPr lIns="0" rIns="0" tIns="0" bIns="0" anchor="t">
             <a:normAutofit/>
           </a:bodyPr>
           <a:p>
-            <a:endParaRPr b="0" lang="en-IN" sz="3200" spc="-1" strike="noStrike">
+            <a:pPr indent="0">
+              <a:spcBef>
+                <a:spcPts val="1417"/>
+              </a:spcBef>
+              <a:buNone/>
+            </a:pPr>
+            <a:endParaRPr b="0" lang="en-US" sz="3200" spc="-1" strike="noStrike">
+              <a:solidFill>
+                <a:srgbClr val="000000"/>
+              </a:solidFill>
               <a:latin typeface="Arial"/>
             </a:endParaRPr>
           </a:p>
@@ -2867,7 +3717,7 @@
             <a:spLocks noGrp="1"/>
           </p:cNvSpPr>
           <p:nvPr>
-            <p:ph type="body"/>
+            <p:ph/>
           </p:nvPr>
         </p:nvSpPr>
         <p:spPr>
@@ -2878,13 +3728,26 @@
           <a:prstGeom prst="rect">
             <a:avLst/>
           </a:prstGeom>
-        </p:spPr>
-        <p:txBody>
-          <a:bodyPr lIns="0" rIns="0" tIns="0" bIns="0">
+          <a:noFill/>
+          <a:ln w="0">
+            <a:noFill/>
+          </a:ln>
+        </p:spPr>
+        <p:txBody>
+          <a:bodyPr lIns="0" rIns="0" tIns="0" bIns="0" anchor="t">
             <a:normAutofit/>
           </a:bodyPr>
           <a:p>
-            <a:endParaRPr b="0" lang="en-IN" sz="3200" spc="-1" strike="noStrike">
+            <a:pPr indent="0">
+              <a:spcBef>
+                <a:spcPts val="1417"/>
+              </a:spcBef>
+              <a:buNone/>
+            </a:pPr>
+            <a:endParaRPr b="0" lang="en-US" sz="3200" spc="-1" strike="noStrike">
+              <a:solidFill>
+                <a:srgbClr val="000000"/>
+              </a:solidFill>
               <a:latin typeface="Arial"/>
             </a:endParaRPr>
           </a:p>
@@ -2897,7 +3760,7 @@
             <a:spLocks noGrp="1"/>
           </p:cNvSpPr>
           <p:nvPr>
-            <p:ph type="body"/>
+            <p:ph/>
           </p:nvPr>
         </p:nvSpPr>
         <p:spPr>
@@ -2908,13 +3771,26 @@
           <a:prstGeom prst="rect">
             <a:avLst/>
           </a:prstGeom>
-        </p:spPr>
-        <p:txBody>
-          <a:bodyPr lIns="0" rIns="0" tIns="0" bIns="0">
+          <a:noFill/>
+          <a:ln w="0">
+            <a:noFill/>
+          </a:ln>
+        </p:spPr>
+        <p:txBody>
+          <a:bodyPr lIns="0" rIns="0" tIns="0" bIns="0" anchor="t">
             <a:normAutofit/>
           </a:bodyPr>
           <a:p>
-            <a:endParaRPr b="0" lang="en-IN" sz="3200" spc="-1" strike="noStrike">
+            <a:pPr indent="0">
+              <a:spcBef>
+                <a:spcPts val="1417"/>
+              </a:spcBef>
+              <a:buNone/>
+            </a:pPr>
+            <a:endParaRPr b="0" lang="en-US" sz="3200" spc="-1" strike="noStrike">
+              <a:solidFill>
+                <a:srgbClr val="000000"/>
+              </a:solidFill>
               <a:latin typeface="Arial"/>
             </a:endParaRPr>
           </a:p>
@@ -2955,19 +3831,28 @@
         <p:spPr>
           <a:xfrm>
             <a:off x="576000" y="712800"/>
-            <a:ext cx="11028960" cy="625320"/>
-          </a:xfrm>
-          <a:prstGeom prst="rect">
-            <a:avLst/>
-          </a:prstGeom>
+            <a:ext cx="11028600" cy="625320"/>
+          </a:xfrm>
+          <a:prstGeom prst="rect">
+            <a:avLst/>
+          </a:prstGeom>
+          <a:noFill/>
+          <a:ln w="0">
+            <a:noFill/>
+          </a:ln>
         </p:spPr>
         <p:txBody>
           <a:bodyPr lIns="0" rIns="0" tIns="0" bIns="0" anchor="ctr">
             <a:noAutofit/>
           </a:bodyPr>
           <a:p>
-            <a:pPr algn="ctr"/>
-            <a:endParaRPr b="0" lang="en-IN" sz="4400" spc="-1" strike="noStrike">
+            <a:pPr indent="0" algn="ctr">
+              <a:buNone/>
+            </a:pPr>
+            <a:endParaRPr b="0" lang="en-US" sz="4400" spc="-1" strike="noStrike">
+              <a:solidFill>
+                <a:srgbClr val="000000"/>
+              </a:solidFill>
               <a:latin typeface="Arial"/>
             </a:endParaRPr>
           </a:p>
@@ -2980,7 +3865,7 @@
             <a:spLocks noGrp="1"/>
           </p:cNvSpPr>
           <p:nvPr>
-            <p:ph type="body"/>
+            <p:ph/>
           </p:nvPr>
         </p:nvSpPr>
         <p:spPr>
@@ -2991,13 +3876,26 @@
           <a:prstGeom prst="rect">
             <a:avLst/>
           </a:prstGeom>
-        </p:spPr>
-        <p:txBody>
-          <a:bodyPr lIns="0" rIns="0" tIns="0" bIns="0">
+          <a:noFill/>
+          <a:ln w="0">
+            <a:noFill/>
+          </a:ln>
+        </p:spPr>
+        <p:txBody>
+          <a:bodyPr lIns="0" rIns="0" tIns="0" bIns="0" anchor="t">
             <a:normAutofit/>
           </a:bodyPr>
           <a:p>
-            <a:endParaRPr b="0" lang="en-IN" sz="3200" spc="-1" strike="noStrike">
+            <a:pPr indent="0">
+              <a:spcBef>
+                <a:spcPts val="1417"/>
+              </a:spcBef>
+              <a:buNone/>
+            </a:pPr>
+            <a:endParaRPr b="0" lang="en-US" sz="3200" spc="-1" strike="noStrike">
+              <a:solidFill>
+                <a:srgbClr val="000000"/>
+              </a:solidFill>
               <a:latin typeface="Arial"/>
             </a:endParaRPr>
           </a:p>
@@ -3010,7 +3908,7 @@
             <a:spLocks noGrp="1"/>
           </p:cNvSpPr>
           <p:nvPr>
-            <p:ph type="body"/>
+            <p:ph/>
           </p:nvPr>
         </p:nvSpPr>
         <p:spPr>
@@ -3021,13 +3919,26 @@
           <a:prstGeom prst="rect">
             <a:avLst/>
           </a:prstGeom>
-        </p:spPr>
-        <p:txBody>
-          <a:bodyPr lIns="0" rIns="0" tIns="0" bIns="0">
+          <a:noFill/>
+          <a:ln w="0">
+            <a:noFill/>
+          </a:ln>
+        </p:spPr>
+        <p:txBody>
+          <a:bodyPr lIns="0" rIns="0" tIns="0" bIns="0" anchor="t">
             <a:normAutofit/>
           </a:bodyPr>
           <a:p>
-            <a:endParaRPr b="0" lang="en-IN" sz="3200" spc="-1" strike="noStrike">
+            <a:pPr indent="0">
+              <a:spcBef>
+                <a:spcPts val="1417"/>
+              </a:spcBef>
+              <a:buNone/>
+            </a:pPr>
+            <a:endParaRPr b="0" lang="en-US" sz="3200" spc="-1" strike="noStrike">
+              <a:solidFill>
+                <a:srgbClr val="000000"/>
+              </a:solidFill>
               <a:latin typeface="Arial"/>
             </a:endParaRPr>
           </a:p>
@@ -3068,19 +3979,28 @@
         <p:spPr>
           <a:xfrm>
             <a:off x="576000" y="712800"/>
-            <a:ext cx="11028960" cy="625320"/>
-          </a:xfrm>
-          <a:prstGeom prst="rect">
-            <a:avLst/>
-          </a:prstGeom>
+            <a:ext cx="11028600" cy="625320"/>
+          </a:xfrm>
+          <a:prstGeom prst="rect">
+            <a:avLst/>
+          </a:prstGeom>
+          <a:noFill/>
+          <a:ln w="0">
+            <a:noFill/>
+          </a:ln>
         </p:spPr>
         <p:txBody>
           <a:bodyPr lIns="0" rIns="0" tIns="0" bIns="0" anchor="ctr">
             <a:noAutofit/>
           </a:bodyPr>
           <a:p>
-            <a:pPr algn="ctr"/>
-            <a:endParaRPr b="0" lang="en-IN" sz="4400" spc="-1" strike="noStrike">
+            <a:pPr indent="0" algn="ctr">
+              <a:buNone/>
+            </a:pPr>
+            <a:endParaRPr b="0" lang="en-US" sz="4400" spc="-1" strike="noStrike">
+              <a:solidFill>
+                <a:srgbClr val="000000"/>
+              </a:solidFill>
               <a:latin typeface="Arial"/>
             </a:endParaRPr>
           </a:p>
@@ -3093,7 +4013,7 @@
             <a:spLocks noGrp="1"/>
           </p:cNvSpPr>
           <p:nvPr>
-            <p:ph type="body"/>
+            <p:ph/>
           </p:nvPr>
         </p:nvSpPr>
         <p:spPr>
@@ -3104,13 +4024,26 @@
           <a:prstGeom prst="rect">
             <a:avLst/>
           </a:prstGeom>
-        </p:spPr>
-        <p:txBody>
-          <a:bodyPr lIns="0" rIns="0" tIns="0" bIns="0">
+          <a:noFill/>
+          <a:ln w="0">
+            <a:noFill/>
+          </a:ln>
+        </p:spPr>
+        <p:txBody>
+          <a:bodyPr lIns="0" rIns="0" tIns="0" bIns="0" anchor="t">
             <a:normAutofit/>
           </a:bodyPr>
           <a:p>
-            <a:endParaRPr b="0" lang="en-IN" sz="3200" spc="-1" strike="noStrike">
+            <a:pPr indent="0">
+              <a:spcBef>
+                <a:spcPts val="1417"/>
+              </a:spcBef>
+              <a:buNone/>
+            </a:pPr>
+            <a:endParaRPr b="0" lang="en-US" sz="3200" spc="-1" strike="noStrike">
+              <a:solidFill>
+                <a:srgbClr val="000000"/>
+              </a:solidFill>
               <a:latin typeface="Arial"/>
             </a:endParaRPr>
           </a:p>
@@ -3123,7 +4056,7 @@
             <a:spLocks noGrp="1"/>
           </p:cNvSpPr>
           <p:nvPr>
-            <p:ph type="body"/>
+            <p:ph/>
           </p:nvPr>
         </p:nvSpPr>
         <p:spPr>
@@ -3134,13 +4067,26 @@
           <a:prstGeom prst="rect">
             <a:avLst/>
           </a:prstGeom>
-        </p:spPr>
-        <p:txBody>
-          <a:bodyPr lIns="0" rIns="0" tIns="0" bIns="0">
+          <a:noFill/>
+          <a:ln w="0">
+            <a:noFill/>
+          </a:ln>
+        </p:spPr>
+        <p:txBody>
+          <a:bodyPr lIns="0" rIns="0" tIns="0" bIns="0" anchor="t">
             <a:normAutofit/>
           </a:bodyPr>
           <a:p>
-            <a:endParaRPr b="0" lang="en-IN" sz="3200" spc="-1" strike="noStrike">
+            <a:pPr indent="0">
+              <a:spcBef>
+                <a:spcPts val="1417"/>
+              </a:spcBef>
+              <a:buNone/>
+            </a:pPr>
+            <a:endParaRPr b="0" lang="en-US" sz="3200" spc="-1" strike="noStrike">
+              <a:solidFill>
+                <a:srgbClr val="000000"/>
+              </a:solidFill>
               <a:latin typeface="Arial"/>
             </a:endParaRPr>
           </a:p>
@@ -3153,7 +4099,7 @@
             <a:spLocks noGrp="1"/>
           </p:cNvSpPr>
           <p:nvPr>
-            <p:ph type="body"/>
+            <p:ph/>
           </p:nvPr>
         </p:nvSpPr>
         <p:spPr>
@@ -3164,13 +4110,26 @@
           <a:prstGeom prst="rect">
             <a:avLst/>
           </a:prstGeom>
-        </p:spPr>
-        <p:txBody>
-          <a:bodyPr lIns="0" rIns="0" tIns="0" bIns="0">
+          <a:noFill/>
+          <a:ln w="0">
+            <a:noFill/>
+          </a:ln>
+        </p:spPr>
+        <p:txBody>
+          <a:bodyPr lIns="0" rIns="0" tIns="0" bIns="0" anchor="t">
             <a:normAutofit/>
           </a:bodyPr>
           <a:p>
-            <a:endParaRPr b="0" lang="en-IN" sz="3200" spc="-1" strike="noStrike">
+            <a:pPr indent="0">
+              <a:spcBef>
+                <a:spcPts val="1417"/>
+              </a:spcBef>
+              <a:buNone/>
+            </a:pPr>
+            <a:endParaRPr b="0" lang="en-US" sz="3200" spc="-1" strike="noStrike">
+              <a:solidFill>
+                <a:srgbClr val="000000"/>
+              </a:solidFill>
               <a:latin typeface="Arial"/>
             </a:endParaRPr>
           </a:p>
@@ -3183,7 +4142,7 @@
             <a:spLocks noGrp="1"/>
           </p:cNvSpPr>
           <p:nvPr>
-            <p:ph type="body"/>
+            <p:ph/>
           </p:nvPr>
         </p:nvSpPr>
         <p:spPr>
@@ -3194,13 +4153,26 @@
           <a:prstGeom prst="rect">
             <a:avLst/>
           </a:prstGeom>
-        </p:spPr>
-        <p:txBody>
-          <a:bodyPr lIns="0" rIns="0" tIns="0" bIns="0">
+          <a:noFill/>
+          <a:ln w="0">
+            <a:noFill/>
+          </a:ln>
+        </p:spPr>
+        <p:txBody>
+          <a:bodyPr lIns="0" rIns="0" tIns="0" bIns="0" anchor="t">
             <a:normAutofit/>
           </a:bodyPr>
           <a:p>
-            <a:endParaRPr b="0" lang="en-IN" sz="3200" spc="-1" strike="noStrike">
+            <a:pPr indent="0">
+              <a:spcBef>
+                <a:spcPts val="1417"/>
+              </a:spcBef>
+              <a:buNone/>
+            </a:pPr>
+            <a:endParaRPr b="0" lang="en-US" sz="3200" spc="-1" strike="noStrike">
+              <a:solidFill>
+                <a:srgbClr val="000000"/>
+              </a:solidFill>
               <a:latin typeface="Arial"/>
             </a:endParaRPr>
           </a:p>
@@ -3241,19 +4213,28 @@
         <p:spPr>
           <a:xfrm>
             <a:off x="576000" y="712800"/>
-            <a:ext cx="11028960" cy="625320"/>
-          </a:xfrm>
-          <a:prstGeom prst="rect">
-            <a:avLst/>
-          </a:prstGeom>
+            <a:ext cx="11028600" cy="625320"/>
+          </a:xfrm>
+          <a:prstGeom prst="rect">
+            <a:avLst/>
+          </a:prstGeom>
+          <a:noFill/>
+          <a:ln w="0">
+            <a:noFill/>
+          </a:ln>
         </p:spPr>
         <p:txBody>
           <a:bodyPr lIns="0" rIns="0" tIns="0" bIns="0" anchor="ctr">
             <a:noAutofit/>
           </a:bodyPr>
           <a:p>
-            <a:pPr algn="ctr"/>
-            <a:endParaRPr b="0" lang="en-IN" sz="4400" spc="-1" strike="noStrike">
+            <a:pPr indent="0" algn="ctr">
+              <a:buNone/>
+            </a:pPr>
+            <a:endParaRPr b="0" lang="en-US" sz="4400" spc="-1" strike="noStrike">
+              <a:solidFill>
+                <a:srgbClr val="000000"/>
+              </a:solidFill>
               <a:latin typeface="Arial"/>
             </a:endParaRPr>
           </a:p>
@@ -3266,7 +4247,7 @@
             <a:spLocks noGrp="1"/>
           </p:cNvSpPr>
           <p:nvPr>
-            <p:ph type="body"/>
+            <p:ph/>
           </p:nvPr>
         </p:nvSpPr>
         <p:spPr>
@@ -3277,13 +4258,26 @@
           <a:prstGeom prst="rect">
             <a:avLst/>
           </a:prstGeom>
-        </p:spPr>
-        <p:txBody>
-          <a:bodyPr lIns="0" rIns="0" tIns="0" bIns="0">
+          <a:noFill/>
+          <a:ln w="0">
+            <a:noFill/>
+          </a:ln>
+        </p:spPr>
+        <p:txBody>
+          <a:bodyPr lIns="0" rIns="0" tIns="0" bIns="0" anchor="t">
             <a:normAutofit/>
           </a:bodyPr>
           <a:p>
-            <a:endParaRPr b="0" lang="en-IN" sz="3200" spc="-1" strike="noStrike">
+            <a:pPr indent="0">
+              <a:spcBef>
+                <a:spcPts val="1417"/>
+              </a:spcBef>
+              <a:buNone/>
+            </a:pPr>
+            <a:endParaRPr b="0" lang="en-US" sz="3200" spc="-1" strike="noStrike">
+              <a:solidFill>
+                <a:srgbClr val="000000"/>
+              </a:solidFill>
               <a:latin typeface="Arial"/>
             </a:endParaRPr>
           </a:p>
@@ -3296,7 +4290,7 @@
             <a:spLocks noGrp="1"/>
           </p:cNvSpPr>
           <p:nvPr>
-            <p:ph type="body"/>
+            <p:ph/>
           </p:nvPr>
         </p:nvSpPr>
         <p:spPr>
@@ -3307,13 +4301,26 @@
           <a:prstGeom prst="rect">
             <a:avLst/>
           </a:prstGeom>
-        </p:spPr>
-        <p:txBody>
-          <a:bodyPr lIns="0" rIns="0" tIns="0" bIns="0">
+          <a:noFill/>
+          <a:ln w="0">
+            <a:noFill/>
+          </a:ln>
+        </p:spPr>
+        <p:txBody>
+          <a:bodyPr lIns="0" rIns="0" tIns="0" bIns="0" anchor="t">
             <a:normAutofit/>
           </a:bodyPr>
           <a:p>
-            <a:endParaRPr b="0" lang="en-IN" sz="3200" spc="-1" strike="noStrike">
+            <a:pPr indent="0">
+              <a:spcBef>
+                <a:spcPts val="1417"/>
+              </a:spcBef>
+              <a:buNone/>
+            </a:pPr>
+            <a:endParaRPr b="0" lang="en-US" sz="3200" spc="-1" strike="noStrike">
+              <a:solidFill>
+                <a:srgbClr val="000000"/>
+              </a:solidFill>
               <a:latin typeface="Arial"/>
             </a:endParaRPr>
           </a:p>
@@ -3326,7 +4333,7 @@
             <a:spLocks noGrp="1"/>
           </p:cNvSpPr>
           <p:nvPr>
-            <p:ph type="body"/>
+            <p:ph/>
           </p:nvPr>
         </p:nvSpPr>
         <p:spPr>
@@ -3337,13 +4344,26 @@
           <a:prstGeom prst="rect">
             <a:avLst/>
           </a:prstGeom>
-        </p:spPr>
-        <p:txBody>
-          <a:bodyPr lIns="0" rIns="0" tIns="0" bIns="0">
+          <a:noFill/>
+          <a:ln w="0">
+            <a:noFill/>
+          </a:ln>
+        </p:spPr>
+        <p:txBody>
+          <a:bodyPr lIns="0" rIns="0" tIns="0" bIns="0" anchor="t">
             <a:normAutofit/>
           </a:bodyPr>
           <a:p>
-            <a:endParaRPr b="0" lang="en-IN" sz="3200" spc="-1" strike="noStrike">
+            <a:pPr indent="0">
+              <a:spcBef>
+                <a:spcPts val="1417"/>
+              </a:spcBef>
+              <a:buNone/>
+            </a:pPr>
+            <a:endParaRPr b="0" lang="en-US" sz="3200" spc="-1" strike="noStrike">
+              <a:solidFill>
+                <a:srgbClr val="000000"/>
+              </a:solidFill>
               <a:latin typeface="Arial"/>
             </a:endParaRPr>
           </a:p>
@@ -3356,7 +4376,7 @@
             <a:spLocks noGrp="1"/>
           </p:cNvSpPr>
           <p:nvPr>
-            <p:ph type="body"/>
+            <p:ph/>
           </p:nvPr>
         </p:nvSpPr>
         <p:spPr>
@@ -3367,13 +4387,26 @@
           <a:prstGeom prst="rect">
             <a:avLst/>
           </a:prstGeom>
-        </p:spPr>
-        <p:txBody>
-          <a:bodyPr lIns="0" rIns="0" tIns="0" bIns="0">
+          <a:noFill/>
+          <a:ln w="0">
+            <a:noFill/>
+          </a:ln>
+        </p:spPr>
+        <p:txBody>
+          <a:bodyPr lIns="0" rIns="0" tIns="0" bIns="0" anchor="t">
             <a:normAutofit/>
           </a:bodyPr>
           <a:p>
-            <a:endParaRPr b="0" lang="en-IN" sz="3200" spc="-1" strike="noStrike">
+            <a:pPr indent="0">
+              <a:spcBef>
+                <a:spcPts val="1417"/>
+              </a:spcBef>
+              <a:buNone/>
+            </a:pPr>
+            <a:endParaRPr b="0" lang="en-US" sz="3200" spc="-1" strike="noStrike">
+              <a:solidFill>
+                <a:srgbClr val="000000"/>
+              </a:solidFill>
               <a:latin typeface="Arial"/>
             </a:endParaRPr>
           </a:p>
@@ -3386,7 +4419,7 @@
             <a:spLocks noGrp="1"/>
           </p:cNvSpPr>
           <p:nvPr>
-            <p:ph type="body"/>
+            <p:ph/>
           </p:nvPr>
         </p:nvSpPr>
         <p:spPr>
@@ -3397,13 +4430,26 @@
           <a:prstGeom prst="rect">
             <a:avLst/>
           </a:prstGeom>
-        </p:spPr>
-        <p:txBody>
-          <a:bodyPr lIns="0" rIns="0" tIns="0" bIns="0">
+          <a:noFill/>
+          <a:ln w="0">
+            <a:noFill/>
+          </a:ln>
+        </p:spPr>
+        <p:txBody>
+          <a:bodyPr lIns="0" rIns="0" tIns="0" bIns="0" anchor="t">
             <a:normAutofit/>
           </a:bodyPr>
           <a:p>
-            <a:endParaRPr b="0" lang="en-IN" sz="3200" spc="-1" strike="noStrike">
+            <a:pPr indent="0">
+              <a:spcBef>
+                <a:spcPts val="1417"/>
+              </a:spcBef>
+              <a:buNone/>
+            </a:pPr>
+            <a:endParaRPr b="0" lang="en-US" sz="3200" spc="-1" strike="noStrike">
+              <a:solidFill>
+                <a:srgbClr val="000000"/>
+              </a:solidFill>
               <a:latin typeface="Arial"/>
             </a:endParaRPr>
           </a:p>
@@ -3416,7 +4462,7 @@
             <a:spLocks noGrp="1"/>
           </p:cNvSpPr>
           <p:nvPr>
-            <p:ph type="body"/>
+            <p:ph/>
           </p:nvPr>
         </p:nvSpPr>
         <p:spPr>
@@ -3427,13 +4473,26 @@
           <a:prstGeom prst="rect">
             <a:avLst/>
           </a:prstGeom>
-        </p:spPr>
-        <p:txBody>
-          <a:bodyPr lIns="0" rIns="0" tIns="0" bIns="0">
+          <a:noFill/>
+          <a:ln w="0">
+            <a:noFill/>
+          </a:ln>
+        </p:spPr>
+        <p:txBody>
+          <a:bodyPr lIns="0" rIns="0" tIns="0" bIns="0" anchor="t">
             <a:normAutofit/>
           </a:bodyPr>
           <a:p>
-            <a:endParaRPr b="0" lang="en-IN" sz="3200" spc="-1" strike="noStrike">
+            <a:pPr indent="0">
+              <a:spcBef>
+                <a:spcPts val="1417"/>
+              </a:spcBef>
+              <a:buNone/>
+            </a:pPr>
+            <a:endParaRPr b="0" lang="en-US" sz="3200" spc="-1" strike="noStrike">
+              <a:solidFill>
+                <a:srgbClr val="000000"/>
+              </a:solidFill>
               <a:latin typeface="Arial"/>
             </a:endParaRPr>
           </a:p>
@@ -3474,19 +4533,28 @@
         <p:spPr>
           <a:xfrm>
             <a:off x="576000" y="712800"/>
-            <a:ext cx="11028960" cy="625320"/>
-          </a:xfrm>
-          <a:prstGeom prst="rect">
-            <a:avLst/>
-          </a:prstGeom>
+            <a:ext cx="11028600" cy="625320"/>
+          </a:xfrm>
+          <a:prstGeom prst="rect">
+            <a:avLst/>
+          </a:prstGeom>
+          <a:noFill/>
+          <a:ln w="0">
+            <a:noFill/>
+          </a:ln>
         </p:spPr>
         <p:txBody>
           <a:bodyPr lIns="0" rIns="0" tIns="0" bIns="0" anchor="ctr">
             <a:noAutofit/>
           </a:bodyPr>
           <a:p>
-            <a:pPr algn="ctr"/>
-            <a:endParaRPr b="0" lang="en-IN" sz="4400" spc="-1" strike="noStrike">
+            <a:pPr indent="0" algn="ctr">
+              <a:buNone/>
+            </a:pPr>
+            <a:endParaRPr b="0" lang="en-US" sz="4400" spc="-1" strike="noStrike">
+              <a:solidFill>
+                <a:srgbClr val="000000"/>
+              </a:solidFill>
               <a:latin typeface="Arial"/>
             </a:endParaRPr>
           </a:p>
@@ -3499,7 +4567,7 @@
             <a:spLocks noGrp="1"/>
           </p:cNvSpPr>
           <p:nvPr>
-            <p:ph type="body"/>
+            <p:ph/>
           </p:nvPr>
         </p:nvSpPr>
         <p:spPr>
@@ -3510,13 +4578,26 @@
           <a:prstGeom prst="rect">
             <a:avLst/>
           </a:prstGeom>
-        </p:spPr>
-        <p:txBody>
-          <a:bodyPr lIns="0" rIns="0" tIns="0" bIns="0">
+          <a:noFill/>
+          <a:ln w="0">
+            <a:noFill/>
+          </a:ln>
+        </p:spPr>
+        <p:txBody>
+          <a:bodyPr lIns="0" rIns="0" tIns="0" bIns="0" anchor="t">
             <a:normAutofit/>
           </a:bodyPr>
           <a:p>
-            <a:endParaRPr b="0" lang="en-IN" sz="3200" spc="-1" strike="noStrike">
+            <a:pPr indent="0">
+              <a:spcBef>
+                <a:spcPts val="1417"/>
+              </a:spcBef>
+              <a:buNone/>
+            </a:pPr>
+            <a:endParaRPr b="0" lang="en-US" sz="3200" spc="-1" strike="noStrike">
+              <a:solidFill>
+                <a:srgbClr val="000000"/>
+              </a:solidFill>
               <a:latin typeface="Arial"/>
             </a:endParaRPr>
           </a:p>
@@ -3529,7 +4610,7 @@
             <a:spLocks noGrp="1"/>
           </p:cNvSpPr>
           <p:nvPr>
-            <p:ph type="body"/>
+            <p:ph/>
           </p:nvPr>
         </p:nvSpPr>
         <p:spPr>
@@ -3540,13 +4621,26 @@
           <a:prstGeom prst="rect">
             <a:avLst/>
           </a:prstGeom>
-        </p:spPr>
-        <p:txBody>
-          <a:bodyPr lIns="0" rIns="0" tIns="0" bIns="0">
+          <a:noFill/>
+          <a:ln w="0">
+            <a:noFill/>
+          </a:ln>
+        </p:spPr>
+        <p:txBody>
+          <a:bodyPr lIns="0" rIns="0" tIns="0" bIns="0" anchor="t">
             <a:normAutofit/>
           </a:bodyPr>
           <a:p>
-            <a:endParaRPr b="0" lang="en-IN" sz="3200" spc="-1" strike="noStrike">
+            <a:pPr indent="0">
+              <a:spcBef>
+                <a:spcPts val="1417"/>
+              </a:spcBef>
+              <a:buNone/>
+            </a:pPr>
+            <a:endParaRPr b="0" lang="en-US" sz="3200" spc="-1" strike="noStrike">
+              <a:solidFill>
+                <a:srgbClr val="000000"/>
+              </a:solidFill>
               <a:latin typeface="Arial"/>
             </a:endParaRPr>
           </a:p>
@@ -3587,19 +4681,28 @@
         <p:spPr>
           <a:xfrm>
             <a:off x="576000" y="712800"/>
-            <a:ext cx="11028960" cy="625320"/>
-          </a:xfrm>
-          <a:prstGeom prst="rect">
-            <a:avLst/>
-          </a:prstGeom>
+            <a:ext cx="11028600" cy="625320"/>
+          </a:xfrm>
+          <a:prstGeom prst="rect">
+            <a:avLst/>
+          </a:prstGeom>
+          <a:noFill/>
+          <a:ln w="0">
+            <a:noFill/>
+          </a:ln>
         </p:spPr>
         <p:txBody>
           <a:bodyPr lIns="0" rIns="0" tIns="0" bIns="0" anchor="ctr">
             <a:noAutofit/>
           </a:bodyPr>
           <a:p>
-            <a:pPr algn="ctr"/>
-            <a:endParaRPr b="0" lang="en-IN" sz="4400" spc="-1" strike="noStrike">
+            <a:pPr indent="0" algn="ctr">
+              <a:buNone/>
+            </a:pPr>
+            <a:endParaRPr b="0" lang="en-US" sz="4400" spc="-1" strike="noStrike">
+              <a:solidFill>
+                <a:srgbClr val="000000"/>
+              </a:solidFill>
               <a:latin typeface="Arial"/>
             </a:endParaRPr>
           </a:p>
@@ -3639,12 +4742,16 @@
         </p:nvSpPr>
         <p:spPr>
           <a:xfrm>
-            <a:off x="576000" y="729720"/>
-            <a:ext cx="11028960" cy="2743200"/>
-          </a:xfrm>
-          <a:prstGeom prst="rect">
-            <a:avLst/>
-          </a:prstGeom>
+            <a:off x="576000" y="712800"/>
+            <a:ext cx="11028600" cy="2898360"/>
+          </a:xfrm>
+          <a:prstGeom prst="rect">
+            <a:avLst/>
+          </a:prstGeom>
+          <a:noFill/>
+          <a:ln w="0">
+            <a:noFill/>
+          </a:ln>
         </p:spPr>
         <p:txBody>
           <a:bodyPr lIns="0" rIns="0" tIns="0" bIns="0" anchor="ctr">
@@ -3652,7 +4759,10 @@
           </a:bodyPr>
           <a:p>
             <a:pPr algn="ctr"/>
-            <a:endParaRPr b="0" lang="en-IN" sz="3200" spc="-1" strike="noStrike">
+            <a:endParaRPr b="0" lang="en-US" sz="3200" spc="-1" strike="noStrike">
+              <a:solidFill>
+                <a:srgbClr val="000000"/>
+              </a:solidFill>
               <a:latin typeface="Arial"/>
             </a:endParaRPr>
           </a:p>
@@ -3693,19 +4803,28 @@
         <p:spPr>
           <a:xfrm>
             <a:off x="576000" y="712800"/>
-            <a:ext cx="11028960" cy="625320"/>
-          </a:xfrm>
-          <a:prstGeom prst="rect">
-            <a:avLst/>
-          </a:prstGeom>
+            <a:ext cx="11028600" cy="625320"/>
+          </a:xfrm>
+          <a:prstGeom prst="rect">
+            <a:avLst/>
+          </a:prstGeom>
+          <a:noFill/>
+          <a:ln w="0">
+            <a:noFill/>
+          </a:ln>
         </p:spPr>
         <p:txBody>
           <a:bodyPr lIns="0" rIns="0" tIns="0" bIns="0" anchor="ctr">
             <a:noAutofit/>
           </a:bodyPr>
           <a:p>
-            <a:pPr algn="ctr"/>
-            <a:endParaRPr b="0" lang="en-IN" sz="4400" spc="-1" strike="noStrike">
+            <a:pPr indent="0" algn="ctr">
+              <a:buNone/>
+            </a:pPr>
+            <a:endParaRPr b="0" lang="en-US" sz="4400" spc="-1" strike="noStrike">
+              <a:solidFill>
+                <a:srgbClr val="000000"/>
+              </a:solidFill>
               <a:latin typeface="Arial"/>
             </a:endParaRPr>
           </a:p>
@@ -3718,7 +4837,7 @@
             <a:spLocks noGrp="1"/>
           </p:cNvSpPr>
           <p:nvPr>
-            <p:ph type="body"/>
+            <p:ph/>
           </p:nvPr>
         </p:nvSpPr>
         <p:spPr>
@@ -3729,13 +4848,26 @@
           <a:prstGeom prst="rect">
             <a:avLst/>
           </a:prstGeom>
-        </p:spPr>
-        <p:txBody>
-          <a:bodyPr lIns="0" rIns="0" tIns="0" bIns="0">
+          <a:noFill/>
+          <a:ln w="0">
+            <a:noFill/>
+          </a:ln>
+        </p:spPr>
+        <p:txBody>
+          <a:bodyPr lIns="0" rIns="0" tIns="0" bIns="0" anchor="t">
             <a:normAutofit/>
           </a:bodyPr>
           <a:p>
-            <a:endParaRPr b="0" lang="en-IN" sz="3200" spc="-1" strike="noStrike">
+            <a:pPr indent="0">
+              <a:spcBef>
+                <a:spcPts val="1417"/>
+              </a:spcBef>
+              <a:buNone/>
+            </a:pPr>
+            <a:endParaRPr b="0" lang="en-US" sz="3200" spc="-1" strike="noStrike">
+              <a:solidFill>
+                <a:srgbClr val="000000"/>
+              </a:solidFill>
               <a:latin typeface="Arial"/>
             </a:endParaRPr>
           </a:p>
@@ -3748,7 +4880,7 @@
             <a:spLocks noGrp="1"/>
           </p:cNvSpPr>
           <p:nvPr>
-            <p:ph type="body"/>
+            <p:ph/>
           </p:nvPr>
         </p:nvSpPr>
         <p:spPr>
@@ -3759,13 +4891,26 @@
           <a:prstGeom prst="rect">
             <a:avLst/>
           </a:prstGeom>
-        </p:spPr>
-        <p:txBody>
-          <a:bodyPr lIns="0" rIns="0" tIns="0" bIns="0">
+          <a:noFill/>
+          <a:ln w="0">
+            <a:noFill/>
+          </a:ln>
+        </p:spPr>
+        <p:txBody>
+          <a:bodyPr lIns="0" rIns="0" tIns="0" bIns="0" anchor="t">
             <a:normAutofit/>
           </a:bodyPr>
           <a:p>
-            <a:endParaRPr b="0" lang="en-IN" sz="3200" spc="-1" strike="noStrike">
+            <a:pPr indent="0">
+              <a:spcBef>
+                <a:spcPts val="1417"/>
+              </a:spcBef>
+              <a:buNone/>
+            </a:pPr>
+            <a:endParaRPr b="0" lang="en-US" sz="3200" spc="-1" strike="noStrike">
+              <a:solidFill>
+                <a:srgbClr val="000000"/>
+              </a:solidFill>
               <a:latin typeface="Arial"/>
             </a:endParaRPr>
           </a:p>
@@ -3778,7 +4923,7 @@
             <a:spLocks noGrp="1"/>
           </p:cNvSpPr>
           <p:nvPr>
-            <p:ph type="body"/>
+            <p:ph/>
           </p:nvPr>
         </p:nvSpPr>
         <p:spPr>
@@ -3789,13 +4934,26 @@
           <a:prstGeom prst="rect">
             <a:avLst/>
           </a:prstGeom>
-        </p:spPr>
-        <p:txBody>
-          <a:bodyPr lIns="0" rIns="0" tIns="0" bIns="0">
+          <a:noFill/>
+          <a:ln w="0">
+            <a:noFill/>
+          </a:ln>
+        </p:spPr>
+        <p:txBody>
+          <a:bodyPr lIns="0" rIns="0" tIns="0" bIns="0" anchor="t">
             <a:normAutofit/>
           </a:bodyPr>
           <a:p>
-            <a:endParaRPr b="0" lang="en-IN" sz="3200" spc="-1" strike="noStrike">
+            <a:pPr indent="0">
+              <a:spcBef>
+                <a:spcPts val="1417"/>
+              </a:spcBef>
+              <a:buNone/>
+            </a:pPr>
+            <a:endParaRPr b="0" lang="en-US" sz="3200" spc="-1" strike="noStrike">
+              <a:solidFill>
+                <a:srgbClr val="000000"/>
+              </a:solidFill>
               <a:latin typeface="Arial"/>
             </a:endParaRPr>
           </a:p>
@@ -3836,19 +4994,28 @@
         <p:spPr>
           <a:xfrm>
             <a:off x="576000" y="712800"/>
-            <a:ext cx="11028960" cy="625320"/>
-          </a:xfrm>
-          <a:prstGeom prst="rect">
-            <a:avLst/>
-          </a:prstGeom>
+            <a:ext cx="11028600" cy="625320"/>
+          </a:xfrm>
+          <a:prstGeom prst="rect">
+            <a:avLst/>
+          </a:prstGeom>
+          <a:noFill/>
+          <a:ln w="0">
+            <a:noFill/>
+          </a:ln>
         </p:spPr>
         <p:txBody>
           <a:bodyPr lIns="0" rIns="0" tIns="0" bIns="0" anchor="ctr">
             <a:noAutofit/>
           </a:bodyPr>
           <a:p>
-            <a:pPr algn="ctr"/>
-            <a:endParaRPr b="0" lang="en-IN" sz="4400" spc="-1" strike="noStrike">
+            <a:pPr indent="0" algn="ctr">
+              <a:buNone/>
+            </a:pPr>
+            <a:endParaRPr b="0" lang="en-US" sz="4400" spc="-1" strike="noStrike">
+              <a:solidFill>
+                <a:srgbClr val="000000"/>
+              </a:solidFill>
               <a:latin typeface="Arial"/>
             </a:endParaRPr>
           </a:p>
@@ -3861,7 +5028,7 @@
             <a:spLocks noGrp="1"/>
           </p:cNvSpPr>
           <p:nvPr>
-            <p:ph type="body"/>
+            <p:ph/>
           </p:nvPr>
         </p:nvSpPr>
         <p:spPr>
@@ -3872,13 +5039,26 @@
           <a:prstGeom prst="rect">
             <a:avLst/>
           </a:prstGeom>
-        </p:spPr>
-        <p:txBody>
-          <a:bodyPr lIns="0" rIns="0" tIns="0" bIns="0">
+          <a:noFill/>
+          <a:ln w="0">
+            <a:noFill/>
+          </a:ln>
+        </p:spPr>
+        <p:txBody>
+          <a:bodyPr lIns="0" rIns="0" tIns="0" bIns="0" anchor="t">
             <a:normAutofit/>
           </a:bodyPr>
           <a:p>
-            <a:endParaRPr b="0" lang="en-IN" sz="3200" spc="-1" strike="noStrike">
+            <a:pPr indent="0">
+              <a:spcBef>
+                <a:spcPts val="1417"/>
+              </a:spcBef>
+              <a:buNone/>
+            </a:pPr>
+            <a:endParaRPr b="0" lang="en-US" sz="3200" spc="-1" strike="noStrike">
+              <a:solidFill>
+                <a:srgbClr val="000000"/>
+              </a:solidFill>
               <a:latin typeface="Arial"/>
             </a:endParaRPr>
           </a:p>
@@ -3891,7 +5071,7 @@
             <a:spLocks noGrp="1"/>
           </p:cNvSpPr>
           <p:nvPr>
-            <p:ph type="body"/>
+            <p:ph/>
           </p:nvPr>
         </p:nvSpPr>
         <p:spPr>
@@ -3902,13 +5082,26 @@
           <a:prstGeom prst="rect">
             <a:avLst/>
           </a:prstGeom>
-        </p:spPr>
-        <p:txBody>
-          <a:bodyPr lIns="0" rIns="0" tIns="0" bIns="0">
+          <a:noFill/>
+          <a:ln w="0">
+            <a:noFill/>
+          </a:ln>
+        </p:spPr>
+        <p:txBody>
+          <a:bodyPr lIns="0" rIns="0" tIns="0" bIns="0" anchor="t">
             <a:normAutofit/>
           </a:bodyPr>
           <a:p>
-            <a:endParaRPr b="0" lang="en-IN" sz="3200" spc="-1" strike="noStrike">
+            <a:pPr indent="0">
+              <a:spcBef>
+                <a:spcPts val="1417"/>
+              </a:spcBef>
+              <a:buNone/>
+            </a:pPr>
+            <a:endParaRPr b="0" lang="en-US" sz="3200" spc="-1" strike="noStrike">
+              <a:solidFill>
+                <a:srgbClr val="000000"/>
+              </a:solidFill>
               <a:latin typeface="Arial"/>
             </a:endParaRPr>
           </a:p>
@@ -3921,7 +5114,7 @@
             <a:spLocks noGrp="1"/>
           </p:cNvSpPr>
           <p:nvPr>
-            <p:ph type="body"/>
+            <p:ph/>
           </p:nvPr>
         </p:nvSpPr>
         <p:spPr>
@@ -3932,13 +5125,26 @@
           <a:prstGeom prst="rect">
             <a:avLst/>
           </a:prstGeom>
-        </p:spPr>
-        <p:txBody>
-          <a:bodyPr lIns="0" rIns="0" tIns="0" bIns="0">
+          <a:noFill/>
+          <a:ln w="0">
+            <a:noFill/>
+          </a:ln>
+        </p:spPr>
+        <p:txBody>
+          <a:bodyPr lIns="0" rIns="0" tIns="0" bIns="0" anchor="t">
             <a:normAutofit/>
           </a:bodyPr>
           <a:p>
-            <a:endParaRPr b="0" lang="en-IN" sz="3200" spc="-1" strike="noStrike">
+            <a:pPr indent="0">
+              <a:spcBef>
+                <a:spcPts val="1417"/>
+              </a:spcBef>
+              <a:buNone/>
+            </a:pPr>
+            <a:endParaRPr b="0" lang="en-US" sz="3200" spc="-1" strike="noStrike">
+              <a:solidFill>
+                <a:srgbClr val="000000"/>
+              </a:solidFill>
               <a:latin typeface="Arial"/>
             </a:endParaRPr>
           </a:p>
@@ -3979,19 +5185,28 @@
         <p:spPr>
           <a:xfrm>
             <a:off x="576000" y="712800"/>
-            <a:ext cx="11028960" cy="625320"/>
-          </a:xfrm>
-          <a:prstGeom prst="rect">
-            <a:avLst/>
-          </a:prstGeom>
+            <a:ext cx="11028600" cy="625320"/>
+          </a:xfrm>
+          <a:prstGeom prst="rect">
+            <a:avLst/>
+          </a:prstGeom>
+          <a:noFill/>
+          <a:ln w="0">
+            <a:noFill/>
+          </a:ln>
         </p:spPr>
         <p:txBody>
           <a:bodyPr lIns="0" rIns="0" tIns="0" bIns="0" anchor="ctr">
             <a:noAutofit/>
           </a:bodyPr>
           <a:p>
-            <a:pPr algn="ctr"/>
-            <a:endParaRPr b="0" lang="en-IN" sz="4400" spc="-1" strike="noStrike">
+            <a:pPr indent="0" algn="ctr">
+              <a:buNone/>
+            </a:pPr>
+            <a:endParaRPr b="0" lang="en-US" sz="4400" spc="-1" strike="noStrike">
+              <a:solidFill>
+                <a:srgbClr val="000000"/>
+              </a:solidFill>
               <a:latin typeface="Arial"/>
             </a:endParaRPr>
           </a:p>
@@ -4004,7 +5219,7 @@
             <a:spLocks noGrp="1"/>
           </p:cNvSpPr>
           <p:nvPr>
-            <p:ph type="body"/>
+            <p:ph/>
           </p:nvPr>
         </p:nvSpPr>
         <p:spPr>
@@ -4015,13 +5230,26 @@
           <a:prstGeom prst="rect">
             <a:avLst/>
           </a:prstGeom>
-        </p:spPr>
-        <p:txBody>
-          <a:bodyPr lIns="0" rIns="0" tIns="0" bIns="0">
+          <a:noFill/>
+          <a:ln w="0">
+            <a:noFill/>
+          </a:ln>
+        </p:spPr>
+        <p:txBody>
+          <a:bodyPr lIns="0" rIns="0" tIns="0" bIns="0" anchor="t">
             <a:normAutofit/>
           </a:bodyPr>
           <a:p>
-            <a:endParaRPr b="0" lang="en-IN" sz="3200" spc="-1" strike="noStrike">
+            <a:pPr indent="0">
+              <a:spcBef>
+                <a:spcPts val="1417"/>
+              </a:spcBef>
+              <a:buNone/>
+            </a:pPr>
+            <a:endParaRPr b="0" lang="en-US" sz="3200" spc="-1" strike="noStrike">
+              <a:solidFill>
+                <a:srgbClr val="000000"/>
+              </a:solidFill>
               <a:latin typeface="Arial"/>
             </a:endParaRPr>
           </a:p>
@@ -4034,7 +5262,7 @@
             <a:spLocks noGrp="1"/>
           </p:cNvSpPr>
           <p:nvPr>
-            <p:ph type="body"/>
+            <p:ph/>
           </p:nvPr>
         </p:nvSpPr>
         <p:spPr>
@@ -4045,13 +5273,26 @@
           <a:prstGeom prst="rect">
             <a:avLst/>
           </a:prstGeom>
-        </p:spPr>
-        <p:txBody>
-          <a:bodyPr lIns="0" rIns="0" tIns="0" bIns="0">
+          <a:noFill/>
+          <a:ln w="0">
+            <a:noFill/>
+          </a:ln>
+        </p:spPr>
+        <p:txBody>
+          <a:bodyPr lIns="0" rIns="0" tIns="0" bIns="0" anchor="t">
             <a:normAutofit/>
           </a:bodyPr>
           <a:p>
-            <a:endParaRPr b="0" lang="en-IN" sz="3200" spc="-1" strike="noStrike">
+            <a:pPr indent="0">
+              <a:spcBef>
+                <a:spcPts val="1417"/>
+              </a:spcBef>
+              <a:buNone/>
+            </a:pPr>
+            <a:endParaRPr b="0" lang="en-US" sz="3200" spc="-1" strike="noStrike">
+              <a:solidFill>
+                <a:srgbClr val="000000"/>
+              </a:solidFill>
               <a:latin typeface="Arial"/>
             </a:endParaRPr>
           </a:p>
@@ -4064,7 +5305,7 @@
             <a:spLocks noGrp="1"/>
           </p:cNvSpPr>
           <p:nvPr>
-            <p:ph type="body"/>
+            <p:ph/>
           </p:nvPr>
         </p:nvSpPr>
         <p:spPr>
@@ -4075,13 +5316,26 @@
           <a:prstGeom prst="rect">
             <a:avLst/>
           </a:prstGeom>
-        </p:spPr>
-        <p:txBody>
-          <a:bodyPr lIns="0" rIns="0" tIns="0" bIns="0">
+          <a:noFill/>
+          <a:ln w="0">
+            <a:noFill/>
+          </a:ln>
+        </p:spPr>
+        <p:txBody>
+          <a:bodyPr lIns="0" rIns="0" tIns="0" bIns="0" anchor="t">
             <a:normAutofit/>
           </a:bodyPr>
           <a:p>
-            <a:endParaRPr b="0" lang="en-IN" sz="3200" spc="-1" strike="noStrike">
+            <a:pPr indent="0">
+              <a:spcBef>
+                <a:spcPts val="1417"/>
+              </a:spcBef>
+              <a:buNone/>
+            </a:pPr>
+            <a:endParaRPr b="0" lang="en-US" sz="3200" spc="-1" strike="noStrike">
+              <a:solidFill>
+                <a:srgbClr val="000000"/>
+              </a:solidFill>
               <a:latin typeface="Arial"/>
             </a:endParaRPr>
           </a:p>
@@ -4125,7 +5379,7 @@
         <p:spPr>
           <a:xfrm>
             <a:off x="446400" y="457200"/>
-            <a:ext cx="3702600" cy="94320"/>
+            <a:ext cx="3702240" cy="93960"/>
           </a:xfrm>
           <a:prstGeom prst="rect">
             <a:avLst/>
@@ -4137,7 +5391,7 @@
             <a:noFill/>
           </a:ln>
           <a:effectLst>
-            <a:outerShdw blurRad="38100" dir="5400000" dist="25560" rotWithShape="0">
+            <a:outerShdw blurRad="38160" dir="5400000" dist="25560" rotWithShape="0">
               <a:srgbClr val="000000">
                 <a:alpha val="55000"/>
               </a:srgbClr>
@@ -4156,6 +5410,19 @@
           </a:effectRef>
           <a:fontRef idx="minor"/>
         </p:style>
+        <p:txBody>
+          <a:bodyPr lIns="90000" rIns="90000" tIns="45000" bIns="45000" anchor="t">
+            <a:noAutofit/>
+          </a:bodyPr>
+          <a:p>
+            <a:endParaRPr b="0" lang="en-US" sz="1800" spc="-1" strike="noStrike">
+              <a:solidFill>
+                <a:srgbClr val="000000"/>
+              </a:solidFill>
+              <a:latin typeface="Arial"/>
+            </a:endParaRPr>
+          </a:p>
+        </p:txBody>
       </p:sp>
       <p:sp>
         <p:nvSpPr>
@@ -4166,7 +5433,7 @@
         <p:spPr>
           <a:xfrm>
             <a:off x="8042040" y="453600"/>
-            <a:ext cx="3702600" cy="97920"/>
+            <a:ext cx="3702240" cy="97560"/>
           </a:xfrm>
           <a:prstGeom prst="rect">
             <a:avLst/>
@@ -4178,7 +5445,7 @@
             <a:noFill/>
           </a:ln>
           <a:effectLst>
-            <a:outerShdw blurRad="38100" dir="5400000" dist="25560" rotWithShape="0">
+            <a:outerShdw blurRad="38160" dir="5400000" dist="25560" rotWithShape="0">
               <a:srgbClr val="000000">
                 <a:alpha val="55000"/>
               </a:srgbClr>
@@ -4197,6 +5464,19 @@
           </a:effectRef>
           <a:fontRef idx="minor"/>
         </p:style>
+        <p:txBody>
+          <a:bodyPr lIns="90000" rIns="90000" tIns="45000" bIns="45000" anchor="t">
+            <a:noAutofit/>
+          </a:bodyPr>
+          <a:p>
+            <a:endParaRPr b="0" lang="en-US" sz="1800" spc="-1" strike="noStrike">
+              <a:solidFill>
+                <a:srgbClr val="000000"/>
+              </a:solidFill>
+              <a:latin typeface="Arial"/>
+            </a:endParaRPr>
+          </a:p>
+        </p:txBody>
       </p:sp>
       <p:sp>
         <p:nvSpPr>
@@ -4207,7 +5487,7 @@
         <p:spPr>
           <a:xfrm>
             <a:off x="4241880" y="457200"/>
-            <a:ext cx="3702600" cy="90720"/>
+            <a:ext cx="3702240" cy="90360"/>
           </a:xfrm>
           <a:prstGeom prst="rect">
             <a:avLst/>
@@ -4219,7 +5499,7 @@
             <a:noFill/>
           </a:ln>
           <a:effectLst>
-            <a:outerShdw blurRad="38100" dir="5400000" dist="25560" rotWithShape="0">
+            <a:outerShdw blurRad="38160" dir="5400000" dist="25560" rotWithShape="0">
               <a:srgbClr val="000000">
                 <a:alpha val="55000"/>
               </a:srgbClr>
@@ -4238,6 +5518,19 @@
           </a:effectRef>
           <a:fontRef idx="minor"/>
         </p:style>
+        <p:txBody>
+          <a:bodyPr lIns="90000" rIns="90000" tIns="45000" bIns="45000" anchor="t">
+            <a:noAutofit/>
+          </a:bodyPr>
+          <a:p>
+            <a:endParaRPr b="0" lang="en-US" sz="1800" spc="-1" strike="noStrike">
+              <a:solidFill>
+                <a:srgbClr val="000000"/>
+              </a:solidFill>
+              <a:latin typeface="Arial"/>
+            </a:endParaRPr>
+          </a:p>
+        </p:txBody>
       </p:sp>
       <p:pic>
         <p:nvPicPr>
@@ -4252,12 +5545,12 @@
         <p:spPr>
           <a:xfrm>
             <a:off x="10485000" y="6437880"/>
-            <a:ext cx="1125000" cy="364320"/>
-          </a:xfrm>
-          <a:prstGeom prst="rect">
-            <a:avLst/>
-          </a:prstGeom>
-          <a:ln>
+            <a:ext cx="1124640" cy="363960"/>
+          </a:xfrm>
+          <a:prstGeom prst="rect">
+            <a:avLst/>
+          </a:prstGeom>
+          <a:ln w="0">
             <a:noFill/>
           </a:ln>
         </p:spPr>
@@ -4271,7 +5564,7 @@
         <p:spPr>
           <a:xfrm>
             <a:off x="446400" y="3085920"/>
-            <a:ext cx="11298240" cy="3337560"/>
+            <a:ext cx="11297880" cy="3337200"/>
           </a:xfrm>
           <a:prstGeom prst="rect">
             <a:avLst/>
@@ -4283,7 +5576,7 @@
             <a:noFill/>
           </a:ln>
           <a:effectLst>
-            <a:outerShdw blurRad="38100" dir="5400000" dist="25560" rotWithShape="0">
+            <a:outerShdw blurRad="38160" dir="5400000" dist="25560" rotWithShape="0">
               <a:srgbClr val="000000">
                 <a:alpha val="55000"/>
               </a:srgbClr>
@@ -4302,10 +5595,23 @@
           </a:effectRef>
           <a:fontRef idx="minor"/>
         </p:style>
-      </p:sp>
-      <p:sp>
-        <p:nvSpPr>
-          <p:cNvPr id="5" name="PlaceHolder 5"/>
+        <p:txBody>
+          <a:bodyPr lIns="90000" rIns="90000" tIns="45000" bIns="45000" anchor="t">
+            <a:noAutofit/>
+          </a:bodyPr>
+          <a:p>
+            <a:endParaRPr b="0" lang="en-US" sz="1800" spc="-1" strike="noStrike">
+              <a:solidFill>
+                <a:srgbClr val="000000"/>
+              </a:solidFill>
+              <a:latin typeface="Arial"/>
+            </a:endParaRPr>
+          </a:p>
+        </p:txBody>
+      </p:sp>
+      <p:sp>
+        <p:nvSpPr>
+          <p:cNvPr id="5" name="PlaceHolder 1"/>
           <p:cNvSpPr>
             <a:spLocks noGrp="1"/>
           </p:cNvSpPr>
@@ -4315,33 +5621,46 @@
         </p:nvSpPr>
         <p:spPr>
           <a:xfrm>
-            <a:off x="576000" y="729720"/>
-            <a:ext cx="11028960" cy="591480"/>
-          </a:xfrm>
-          <a:prstGeom prst="rect">
-            <a:avLst/>
-          </a:prstGeom>
+            <a:off x="576000" y="712800"/>
+            <a:ext cx="11028600" cy="624960"/>
+          </a:xfrm>
+          <a:prstGeom prst="rect">
+            <a:avLst/>
+          </a:prstGeom>
+          <a:noFill/>
+          <a:ln w="0">
+            <a:noFill/>
+          </a:ln>
         </p:spPr>
         <p:txBody>
           <a:bodyPr lIns="0" rIns="0" tIns="0" bIns="0" anchor="ctr">
             <a:noAutofit/>
           </a:bodyPr>
           <a:p>
+            <a:pPr indent="0">
+              <a:buNone/>
+            </a:pPr>
             <a:r>
-              <a:rPr b="0" lang="en-IN" sz="1800" spc="-1" strike="noStrike">
+              <a:rPr b="0" lang="en-US" sz="1800" spc="-1" strike="noStrike">
+                <a:solidFill>
+                  <a:srgbClr val="000000"/>
+                </a:solidFill>
                 <a:latin typeface="Arial"/>
               </a:rPr>
               <a:t>Click to edit the title text format</a:t>
             </a:r>
-            <a:endParaRPr b="0" lang="en-IN" sz="1800" spc="-1" strike="noStrike">
-              <a:latin typeface="Arial"/>
-            </a:endParaRPr>
-          </a:p>
-        </p:txBody>
-      </p:sp>
-      <p:sp>
-        <p:nvSpPr>
-          <p:cNvPr id="6" name="PlaceHolder 6"/>
+            <a:endParaRPr b="0" lang="en-US" sz="1800" spc="-1" strike="noStrike">
+              <a:solidFill>
+                <a:srgbClr val="000000"/>
+              </a:solidFill>
+              <a:latin typeface="Arial"/>
+            </a:endParaRPr>
+          </a:p>
+        </p:txBody>
+      </p:sp>
+      <p:sp>
+        <p:nvSpPr>
+          <p:cNvPr id="6" name="PlaceHolder 2"/>
           <p:cNvSpPr>
             <a:spLocks noGrp="1"/>
           </p:cNvSpPr>
@@ -4352,14 +5671,18 @@
         <p:spPr>
           <a:xfrm>
             <a:off x="609480" y="1604520"/>
-            <a:ext cx="10972440" cy="3977280"/>
-          </a:xfrm>
-          <a:prstGeom prst="rect">
-            <a:avLst/>
-          </a:prstGeom>
-        </p:spPr>
-        <p:txBody>
-          <a:bodyPr lIns="0" rIns="0" tIns="0" bIns="0">
+            <a:ext cx="10972080" cy="3976920"/>
+          </a:xfrm>
+          <a:prstGeom prst="rect">
+            <a:avLst/>
+          </a:prstGeom>
+          <a:noFill/>
+          <a:ln w="0">
+            <a:noFill/>
+          </a:ln>
+        </p:spPr>
+        <p:txBody>
+          <a:bodyPr lIns="0" rIns="0" tIns="0" bIns="0" anchor="t">
             <a:normAutofit/>
           </a:bodyPr>
           <a:p>
@@ -4375,12 +5698,18 @@
               <a:buChar char=""/>
             </a:pPr>
             <a:r>
-              <a:rPr b="0" lang="en-IN" sz="3200" spc="-1" strike="noStrike">
+              <a:rPr b="0" lang="en-US" sz="1800" spc="-1" strike="noStrike">
+                <a:solidFill>
+                  <a:srgbClr val="000000"/>
+                </a:solidFill>
                 <a:latin typeface="Arial"/>
               </a:rPr>
               <a:t>Click to edit the outline text format</a:t>
             </a:r>
-            <a:endParaRPr b="0" lang="en-IN" sz="3200" spc="-1" strike="noStrike">
+            <a:endParaRPr b="0" lang="en-US" sz="1800" spc="-1" strike="noStrike">
+              <a:solidFill>
+                <a:srgbClr val="000000"/>
+              </a:solidFill>
               <a:latin typeface="Arial"/>
             </a:endParaRPr>
           </a:p>
@@ -4397,12 +5726,18 @@
               <a:buChar char=""/>
             </a:pPr>
             <a:r>
-              <a:rPr b="0" lang="en-IN" sz="2800" spc="-1" strike="noStrike">
+              <a:rPr b="0" lang="en-US" sz="1800" spc="-1" strike="noStrike">
+                <a:solidFill>
+                  <a:srgbClr val="000000"/>
+                </a:solidFill>
                 <a:latin typeface="Arial"/>
               </a:rPr>
               <a:t>Second Outline Level</a:t>
             </a:r>
-            <a:endParaRPr b="0" lang="en-IN" sz="2800" spc="-1" strike="noStrike">
+            <a:endParaRPr b="0" lang="en-US" sz="1800" spc="-1" strike="noStrike">
+              <a:solidFill>
+                <a:srgbClr val="000000"/>
+              </a:solidFill>
               <a:latin typeface="Arial"/>
             </a:endParaRPr>
           </a:p>
@@ -4419,12 +5754,18 @@
               <a:buChar char=""/>
             </a:pPr>
             <a:r>
-              <a:rPr b="0" lang="en-IN" sz="2400" spc="-1" strike="noStrike">
+              <a:rPr b="0" lang="en-US" sz="1800" spc="-1" strike="noStrike">
+                <a:solidFill>
+                  <a:srgbClr val="000000"/>
+                </a:solidFill>
                 <a:latin typeface="Arial"/>
               </a:rPr>
               <a:t>Third Outline Level</a:t>
             </a:r>
-            <a:endParaRPr b="0" lang="en-IN" sz="2400" spc="-1" strike="noStrike">
+            <a:endParaRPr b="0" lang="en-US" sz="1800" spc="-1" strike="noStrike">
+              <a:solidFill>
+                <a:srgbClr val="000000"/>
+              </a:solidFill>
               <a:latin typeface="Arial"/>
             </a:endParaRPr>
           </a:p>
@@ -4441,12 +5782,18 @@
               <a:buChar char=""/>
             </a:pPr>
             <a:r>
-              <a:rPr b="0" lang="en-IN" sz="2000" spc="-1" strike="noStrike">
+              <a:rPr b="0" lang="en-US" sz="1800" spc="-1" strike="noStrike">
+                <a:solidFill>
+                  <a:srgbClr val="000000"/>
+                </a:solidFill>
                 <a:latin typeface="Arial"/>
               </a:rPr>
               <a:t>Fourth Outline Level</a:t>
             </a:r>
-            <a:endParaRPr b="0" lang="en-IN" sz="2000" spc="-1" strike="noStrike">
+            <a:endParaRPr b="0" lang="en-US" sz="1800" spc="-1" strike="noStrike">
+              <a:solidFill>
+                <a:srgbClr val="000000"/>
+              </a:solidFill>
               <a:latin typeface="Arial"/>
             </a:endParaRPr>
           </a:p>
@@ -4463,12 +5810,18 @@
               <a:buChar char=""/>
             </a:pPr>
             <a:r>
-              <a:rPr b="0" lang="en-IN" sz="2000" spc="-1" strike="noStrike">
+              <a:rPr b="0" lang="en-US" sz="1800" spc="-1" strike="noStrike">
+                <a:solidFill>
+                  <a:srgbClr val="000000"/>
+                </a:solidFill>
                 <a:latin typeface="Arial"/>
               </a:rPr>
               <a:t>Fifth Outline Level</a:t>
             </a:r>
-            <a:endParaRPr b="0" lang="en-IN" sz="2000" spc="-1" strike="noStrike">
+            <a:endParaRPr b="0" lang="en-US" sz="1800" spc="-1" strike="noStrike">
+              <a:solidFill>
+                <a:srgbClr val="000000"/>
+              </a:solidFill>
               <a:latin typeface="Arial"/>
             </a:endParaRPr>
           </a:p>
@@ -4485,12 +5838,18 @@
               <a:buChar char=""/>
             </a:pPr>
             <a:r>
-              <a:rPr b="0" lang="en-IN" sz="2000" spc="-1" strike="noStrike">
+              <a:rPr b="0" lang="en-US" sz="1800" spc="-1" strike="noStrike">
+                <a:solidFill>
+                  <a:srgbClr val="000000"/>
+                </a:solidFill>
                 <a:latin typeface="Arial"/>
               </a:rPr>
               <a:t>Sixth Outline Level</a:t>
             </a:r>
-            <a:endParaRPr b="0" lang="en-IN" sz="2000" spc="-1" strike="noStrike">
+            <a:endParaRPr b="0" lang="en-US" sz="1800" spc="-1" strike="noStrike">
+              <a:solidFill>
+                <a:srgbClr val="000000"/>
+              </a:solidFill>
               <a:latin typeface="Arial"/>
             </a:endParaRPr>
           </a:p>
@@ -4507,12 +5866,18 @@
               <a:buChar char=""/>
             </a:pPr>
             <a:r>
-              <a:rPr b="0" lang="en-IN" sz="2000" spc="-1" strike="noStrike">
+              <a:rPr b="0" lang="en-US" sz="1800" spc="-1" strike="noStrike">
+                <a:solidFill>
+                  <a:srgbClr val="000000"/>
+                </a:solidFill>
                 <a:latin typeface="Arial"/>
               </a:rPr>
               <a:t>Seventh Outline Level</a:t>
             </a:r>
-            <a:endParaRPr b="0" lang="en-IN" sz="2000" spc="-1" strike="noStrike">
+            <a:endParaRPr b="0" lang="en-US" sz="1800" spc="-1" strike="noStrike">
+              <a:solidFill>
+                <a:srgbClr val="000000"/>
+              </a:solidFill>
               <a:latin typeface="Arial"/>
             </a:endParaRPr>
           </a:p>
@@ -4571,7 +5936,7 @@
         <p:spPr>
           <a:xfrm>
             <a:off x="446400" y="457200"/>
-            <a:ext cx="3702600" cy="94320"/>
+            <a:ext cx="3702240" cy="93960"/>
           </a:xfrm>
           <a:prstGeom prst="rect">
             <a:avLst/>
@@ -4583,7 +5948,7 @@
             <a:noFill/>
           </a:ln>
           <a:effectLst>
-            <a:outerShdw blurRad="38100" dir="5400000" dist="25560" rotWithShape="0">
+            <a:outerShdw blurRad="38160" dir="5400000" dist="25560" rotWithShape="0">
               <a:srgbClr val="000000">
                 <a:alpha val="55000"/>
               </a:srgbClr>
@@ -4602,6 +5967,19 @@
           </a:effectRef>
           <a:fontRef idx="minor"/>
         </p:style>
+        <p:txBody>
+          <a:bodyPr lIns="90000" rIns="90000" tIns="45000" bIns="45000" anchor="t">
+            <a:noAutofit/>
+          </a:bodyPr>
+          <a:p>
+            <a:endParaRPr b="0" lang="en-US" sz="1800" spc="-1" strike="noStrike">
+              <a:solidFill>
+                <a:srgbClr val="000000"/>
+              </a:solidFill>
+              <a:latin typeface="Arial"/>
+            </a:endParaRPr>
+          </a:p>
+        </p:txBody>
       </p:sp>
       <p:sp>
         <p:nvSpPr>
@@ -4612,7 +5990,7 @@
         <p:spPr>
           <a:xfrm>
             <a:off x="8042040" y="453600"/>
-            <a:ext cx="3702600" cy="97920"/>
+            <a:ext cx="3702240" cy="97560"/>
           </a:xfrm>
           <a:prstGeom prst="rect">
             <a:avLst/>
@@ -4624,7 +6002,7 @@
             <a:noFill/>
           </a:ln>
           <a:effectLst>
-            <a:outerShdw blurRad="38100" dir="5400000" dist="25560" rotWithShape="0">
+            <a:outerShdw blurRad="38160" dir="5400000" dist="25560" rotWithShape="0">
               <a:srgbClr val="000000">
                 <a:alpha val="55000"/>
               </a:srgbClr>
@@ -4643,6 +6021,19 @@
           </a:effectRef>
           <a:fontRef idx="minor"/>
         </p:style>
+        <p:txBody>
+          <a:bodyPr lIns="90000" rIns="90000" tIns="45000" bIns="45000" anchor="t">
+            <a:noAutofit/>
+          </a:bodyPr>
+          <a:p>
+            <a:endParaRPr b="0" lang="en-US" sz="1800" spc="-1" strike="noStrike">
+              <a:solidFill>
+                <a:srgbClr val="000000"/>
+              </a:solidFill>
+              <a:latin typeface="Arial"/>
+            </a:endParaRPr>
+          </a:p>
+        </p:txBody>
       </p:sp>
       <p:sp>
         <p:nvSpPr>
@@ -4653,7 +6044,7 @@
         <p:spPr>
           <a:xfrm>
             <a:off x="4241880" y="457200"/>
-            <a:ext cx="3702600" cy="90720"/>
+            <a:ext cx="3702240" cy="90360"/>
           </a:xfrm>
           <a:prstGeom prst="rect">
             <a:avLst/>
@@ -4665,7 +6056,7 @@
             <a:noFill/>
           </a:ln>
           <a:effectLst>
-            <a:outerShdw blurRad="38100" dir="5400000" dist="25560" rotWithShape="0">
+            <a:outerShdw blurRad="38160" dir="5400000" dist="25560" rotWithShape="0">
               <a:srgbClr val="000000">
                 <a:alpha val="55000"/>
               </a:srgbClr>
@@ -4684,6 +6075,19 @@
           </a:effectRef>
           <a:fontRef idx="minor"/>
         </p:style>
+        <p:txBody>
+          <a:bodyPr lIns="90000" rIns="90000" tIns="45000" bIns="45000" anchor="t">
+            <a:noAutofit/>
+          </a:bodyPr>
+          <a:p>
+            <a:endParaRPr b="0" lang="en-US" sz="1800" spc="-1" strike="noStrike">
+              <a:solidFill>
+                <a:srgbClr val="000000"/>
+              </a:solidFill>
+              <a:latin typeface="Arial"/>
+            </a:endParaRPr>
+          </a:p>
+        </p:txBody>
       </p:sp>
       <p:pic>
         <p:nvPicPr>
@@ -4698,19 +6102,19 @@
         <p:spPr>
           <a:xfrm>
             <a:off x="10485000" y="6437880"/>
-            <a:ext cx="1125000" cy="364320"/>
-          </a:xfrm>
-          <a:prstGeom prst="rect">
-            <a:avLst/>
-          </a:prstGeom>
-          <a:ln>
+            <a:ext cx="1124640" cy="363960"/>
+          </a:xfrm>
+          <a:prstGeom prst="rect">
+            <a:avLst/>
+          </a:prstGeom>
+          <a:ln w="0">
             <a:noFill/>
           </a:ln>
         </p:spPr>
       </p:pic>
       <p:sp>
         <p:nvSpPr>
-          <p:cNvPr id="47" name="PlaceHolder 4"/>
+          <p:cNvPr id="47" name="PlaceHolder 1"/>
           <p:cNvSpPr>
             <a:spLocks noGrp="1"/>
           </p:cNvSpPr>
@@ -4726,28 +6130,40 @@
           <a:prstGeom prst="rect">
             <a:avLst/>
           </a:prstGeom>
+          <a:noFill/>
+          <a:ln w="0">
+            <a:noFill/>
+          </a:ln>
         </p:spPr>
         <p:txBody>
           <a:bodyPr lIns="0" rIns="0" tIns="0" bIns="0" anchor="ctr">
             <a:noAutofit/>
           </a:bodyPr>
           <a:p>
-            <a:pPr algn="ctr"/>
+            <a:pPr indent="0" algn="ctr">
+              <a:buNone/>
+            </a:pPr>
             <a:r>
-              <a:rPr b="0" lang="en-IN" sz="4400" spc="-1" strike="noStrike">
+              <a:rPr b="0" lang="en-US" sz="4400" spc="-1" strike="noStrike">
+                <a:solidFill>
+                  <a:srgbClr val="000000"/>
+                </a:solidFill>
                 <a:latin typeface="Arial"/>
               </a:rPr>
               <a:t>Click to edit the title text format</a:t>
             </a:r>
-            <a:endParaRPr b="0" lang="en-IN" sz="4400" spc="-1" strike="noStrike">
-              <a:latin typeface="Arial"/>
-            </a:endParaRPr>
-          </a:p>
-        </p:txBody>
-      </p:sp>
-      <p:sp>
-        <p:nvSpPr>
-          <p:cNvPr id="48" name="PlaceHolder 5"/>
+            <a:endParaRPr b="0" lang="en-US" sz="4400" spc="-1" strike="noStrike">
+              <a:solidFill>
+                <a:srgbClr val="000000"/>
+              </a:solidFill>
+              <a:latin typeface="Arial"/>
+            </a:endParaRPr>
+          </a:p>
+        </p:txBody>
+      </p:sp>
+      <p:sp>
+        <p:nvSpPr>
+          <p:cNvPr id="48" name="PlaceHolder 2"/>
           <p:cNvSpPr>
             <a:spLocks noGrp="1"/>
           </p:cNvSpPr>
@@ -4763,9 +6179,13 @@
           <a:prstGeom prst="rect">
             <a:avLst/>
           </a:prstGeom>
-        </p:spPr>
-        <p:txBody>
-          <a:bodyPr lIns="0" rIns="0" tIns="0" bIns="0">
+          <a:noFill/>
+          <a:ln w="0">
+            <a:noFill/>
+          </a:ln>
+        </p:spPr>
+        <p:txBody>
+          <a:bodyPr lIns="0" rIns="0" tIns="0" bIns="0" anchor="t">
             <a:normAutofit/>
           </a:bodyPr>
           <a:p>
@@ -4781,12 +6201,18 @@
               <a:buChar char=""/>
             </a:pPr>
             <a:r>
-              <a:rPr b="0" lang="en-IN" sz="3200" spc="-1" strike="noStrike">
+              <a:rPr b="0" lang="en-US" sz="3200" spc="-1" strike="noStrike">
+                <a:solidFill>
+                  <a:srgbClr val="000000"/>
+                </a:solidFill>
                 <a:latin typeface="Arial"/>
               </a:rPr>
               <a:t>Click to edit the outline text format</a:t>
             </a:r>
-            <a:endParaRPr b="0" lang="en-IN" sz="3200" spc="-1" strike="noStrike">
+            <a:endParaRPr b="0" lang="en-US" sz="3200" spc="-1" strike="noStrike">
+              <a:solidFill>
+                <a:srgbClr val="000000"/>
+              </a:solidFill>
               <a:latin typeface="Arial"/>
             </a:endParaRPr>
           </a:p>
@@ -4803,12 +6229,18 @@
               <a:buChar char=""/>
             </a:pPr>
             <a:r>
-              <a:rPr b="0" lang="en-IN" sz="2800" spc="-1" strike="noStrike">
+              <a:rPr b="0" lang="en-US" sz="2800" spc="-1" strike="noStrike">
+                <a:solidFill>
+                  <a:srgbClr val="000000"/>
+                </a:solidFill>
                 <a:latin typeface="Arial"/>
               </a:rPr>
               <a:t>Second Outline Level</a:t>
             </a:r>
-            <a:endParaRPr b="0" lang="en-IN" sz="2800" spc="-1" strike="noStrike">
+            <a:endParaRPr b="0" lang="en-US" sz="2800" spc="-1" strike="noStrike">
+              <a:solidFill>
+                <a:srgbClr val="000000"/>
+              </a:solidFill>
               <a:latin typeface="Arial"/>
             </a:endParaRPr>
           </a:p>
@@ -4825,12 +6257,18 @@
               <a:buChar char=""/>
             </a:pPr>
             <a:r>
-              <a:rPr b="0" lang="en-IN" sz="2400" spc="-1" strike="noStrike">
+              <a:rPr b="0" lang="en-US" sz="2400" spc="-1" strike="noStrike">
+                <a:solidFill>
+                  <a:srgbClr val="000000"/>
+                </a:solidFill>
                 <a:latin typeface="Arial"/>
               </a:rPr>
               <a:t>Third Outline Level</a:t>
             </a:r>
-            <a:endParaRPr b="0" lang="en-IN" sz="2400" spc="-1" strike="noStrike">
+            <a:endParaRPr b="0" lang="en-US" sz="2400" spc="-1" strike="noStrike">
+              <a:solidFill>
+                <a:srgbClr val="000000"/>
+              </a:solidFill>
               <a:latin typeface="Arial"/>
             </a:endParaRPr>
           </a:p>
@@ -4847,12 +6285,18 @@
               <a:buChar char=""/>
             </a:pPr>
             <a:r>
-              <a:rPr b="0" lang="en-IN" sz="2000" spc="-1" strike="noStrike">
+              <a:rPr b="0" lang="en-US" sz="2000" spc="-1" strike="noStrike">
+                <a:solidFill>
+                  <a:srgbClr val="000000"/>
+                </a:solidFill>
                 <a:latin typeface="Arial"/>
               </a:rPr>
               <a:t>Fourth Outline Level</a:t>
             </a:r>
-            <a:endParaRPr b="0" lang="en-IN" sz="2000" spc="-1" strike="noStrike">
+            <a:endParaRPr b="0" lang="en-US" sz="2000" spc="-1" strike="noStrike">
+              <a:solidFill>
+                <a:srgbClr val="000000"/>
+              </a:solidFill>
               <a:latin typeface="Arial"/>
             </a:endParaRPr>
           </a:p>
@@ -4869,12 +6313,18 @@
               <a:buChar char=""/>
             </a:pPr>
             <a:r>
-              <a:rPr b="0" lang="en-IN" sz="2000" spc="-1" strike="noStrike">
+              <a:rPr b="0" lang="en-US" sz="2000" spc="-1" strike="noStrike">
+                <a:solidFill>
+                  <a:srgbClr val="000000"/>
+                </a:solidFill>
                 <a:latin typeface="Arial"/>
               </a:rPr>
               <a:t>Fifth Outline Level</a:t>
             </a:r>
-            <a:endParaRPr b="0" lang="en-IN" sz="2000" spc="-1" strike="noStrike">
+            <a:endParaRPr b="0" lang="en-US" sz="2000" spc="-1" strike="noStrike">
+              <a:solidFill>
+                <a:srgbClr val="000000"/>
+              </a:solidFill>
               <a:latin typeface="Arial"/>
             </a:endParaRPr>
           </a:p>
@@ -4891,12 +6341,18 @@
               <a:buChar char=""/>
             </a:pPr>
             <a:r>
-              <a:rPr b="0" lang="en-IN" sz="2000" spc="-1" strike="noStrike">
+              <a:rPr b="0" lang="en-US" sz="2000" spc="-1" strike="noStrike">
+                <a:solidFill>
+                  <a:srgbClr val="000000"/>
+                </a:solidFill>
                 <a:latin typeface="Arial"/>
               </a:rPr>
               <a:t>Sixth Outline Level</a:t>
             </a:r>
-            <a:endParaRPr b="0" lang="en-IN" sz="2000" spc="-1" strike="noStrike">
+            <a:endParaRPr b="0" lang="en-US" sz="2000" spc="-1" strike="noStrike">
+              <a:solidFill>
+                <a:srgbClr val="000000"/>
+              </a:solidFill>
               <a:latin typeface="Arial"/>
             </a:endParaRPr>
           </a:p>
@@ -4913,12 +6369,18 @@
               <a:buChar char=""/>
             </a:pPr>
             <a:r>
-              <a:rPr b="0" lang="en-IN" sz="2000" spc="-1" strike="noStrike">
+              <a:rPr b="0" lang="en-US" sz="2000" spc="-1" strike="noStrike">
+                <a:solidFill>
+                  <a:srgbClr val="000000"/>
+                </a:solidFill>
                 <a:latin typeface="Arial"/>
               </a:rPr>
               <a:t>Seventh Outline Level</a:t>
             </a:r>
-            <a:endParaRPr b="0" lang="en-IN" sz="2000" spc="-1" strike="noStrike">
+            <a:endParaRPr b="0" lang="en-US" sz="2000" spc="-1" strike="noStrike">
+              <a:solidFill>
+                <a:srgbClr val="000000"/>
+              </a:solidFill>
               <a:latin typeface="Arial"/>
             </a:endParaRPr>
           </a:p>
@@ -4977,7 +6439,7 @@
         <p:spPr>
           <a:xfrm>
             <a:off x="446400" y="457200"/>
-            <a:ext cx="3702600" cy="94320"/>
+            <a:ext cx="3702240" cy="93960"/>
           </a:xfrm>
           <a:prstGeom prst="rect">
             <a:avLst/>
@@ -4989,7 +6451,7 @@
             <a:noFill/>
           </a:ln>
           <a:effectLst>
-            <a:outerShdw blurRad="38100" dir="5400000" dist="25560" rotWithShape="0">
+            <a:outerShdw blurRad="38160" dir="5400000" dist="25560" rotWithShape="0">
               <a:srgbClr val="000000">
                 <a:alpha val="55000"/>
               </a:srgbClr>
@@ -5008,6 +6470,19 @@
           </a:effectRef>
           <a:fontRef idx="minor"/>
         </p:style>
+        <p:txBody>
+          <a:bodyPr lIns="90000" rIns="90000" tIns="45000" bIns="45000" anchor="t">
+            <a:noAutofit/>
+          </a:bodyPr>
+          <a:p>
+            <a:endParaRPr b="0" lang="en-US" sz="1800" spc="-1" strike="noStrike">
+              <a:solidFill>
+                <a:srgbClr val="000000"/>
+              </a:solidFill>
+              <a:latin typeface="Arial"/>
+            </a:endParaRPr>
+          </a:p>
+        </p:txBody>
       </p:sp>
       <p:sp>
         <p:nvSpPr>
@@ -5018,7 +6493,7 @@
         <p:spPr>
           <a:xfrm>
             <a:off x="8042040" y="453600"/>
-            <a:ext cx="3702600" cy="97920"/>
+            <a:ext cx="3702240" cy="97560"/>
           </a:xfrm>
           <a:prstGeom prst="rect">
             <a:avLst/>
@@ -5030,7 +6505,7 @@
             <a:noFill/>
           </a:ln>
           <a:effectLst>
-            <a:outerShdw blurRad="38100" dir="5400000" dist="25560" rotWithShape="0">
+            <a:outerShdw blurRad="38160" dir="5400000" dist="25560" rotWithShape="0">
               <a:srgbClr val="000000">
                 <a:alpha val="55000"/>
               </a:srgbClr>
@@ -5049,6 +6524,19 @@
           </a:effectRef>
           <a:fontRef idx="minor"/>
         </p:style>
+        <p:txBody>
+          <a:bodyPr lIns="90000" rIns="90000" tIns="45000" bIns="45000" anchor="t">
+            <a:noAutofit/>
+          </a:bodyPr>
+          <a:p>
+            <a:endParaRPr b="0" lang="en-US" sz="1800" spc="-1" strike="noStrike">
+              <a:solidFill>
+                <a:srgbClr val="000000"/>
+              </a:solidFill>
+              <a:latin typeface="Arial"/>
+            </a:endParaRPr>
+          </a:p>
+        </p:txBody>
       </p:sp>
       <p:sp>
         <p:nvSpPr>
@@ -5059,7 +6547,7 @@
         <p:spPr>
           <a:xfrm>
             <a:off x="4241880" y="457200"/>
-            <a:ext cx="3702600" cy="90720"/>
+            <a:ext cx="3702240" cy="90360"/>
           </a:xfrm>
           <a:prstGeom prst="rect">
             <a:avLst/>
@@ -5071,7 +6559,7 @@
             <a:noFill/>
           </a:ln>
           <a:effectLst>
-            <a:outerShdw blurRad="38100" dir="5400000" dist="25560" rotWithShape="0">
+            <a:outerShdw blurRad="38160" dir="5400000" dist="25560" rotWithShape="0">
               <a:srgbClr val="000000">
                 <a:alpha val="55000"/>
               </a:srgbClr>
@@ -5090,6 +6578,19 @@
           </a:effectRef>
           <a:fontRef idx="minor"/>
         </p:style>
+        <p:txBody>
+          <a:bodyPr lIns="90000" rIns="90000" tIns="45000" bIns="45000" anchor="t">
+            <a:noAutofit/>
+          </a:bodyPr>
+          <a:p>
+            <a:endParaRPr b="0" lang="en-US" sz="1800" spc="-1" strike="noStrike">
+              <a:solidFill>
+                <a:srgbClr val="000000"/>
+              </a:solidFill>
+              <a:latin typeface="Arial"/>
+            </a:endParaRPr>
+          </a:p>
+        </p:txBody>
       </p:sp>
       <p:pic>
         <p:nvPicPr>
@@ -5104,19 +6605,19 @@
         <p:spPr>
           <a:xfrm>
             <a:off x="10485000" y="6437880"/>
-            <a:ext cx="1125000" cy="364320"/>
-          </a:xfrm>
-          <a:prstGeom prst="rect">
-            <a:avLst/>
-          </a:prstGeom>
-          <a:ln>
+            <a:ext cx="1124640" cy="363960"/>
+          </a:xfrm>
+          <a:prstGeom prst="rect">
+            <a:avLst/>
+          </a:prstGeom>
+          <a:ln w="0">
             <a:noFill/>
           </a:ln>
         </p:spPr>
       </p:pic>
       <p:sp>
         <p:nvSpPr>
-          <p:cNvPr id="89" name="PlaceHolder 4"/>
+          <p:cNvPr id="89" name="PlaceHolder 1"/>
           <p:cNvSpPr>
             <a:spLocks noGrp="1"/>
           </p:cNvSpPr>
@@ -5126,33 +6627,46 @@
         </p:nvSpPr>
         <p:spPr>
           <a:xfrm>
-            <a:off x="576000" y="729720"/>
-            <a:ext cx="11028960" cy="591480"/>
-          </a:xfrm>
-          <a:prstGeom prst="rect">
-            <a:avLst/>
-          </a:prstGeom>
+            <a:off x="576000" y="712800"/>
+            <a:ext cx="11028600" cy="624960"/>
+          </a:xfrm>
+          <a:prstGeom prst="rect">
+            <a:avLst/>
+          </a:prstGeom>
+          <a:noFill/>
+          <a:ln w="0">
+            <a:noFill/>
+          </a:ln>
         </p:spPr>
         <p:txBody>
           <a:bodyPr lIns="0" rIns="0" tIns="0" bIns="0" anchor="ctr">
             <a:noAutofit/>
           </a:bodyPr>
           <a:p>
+            <a:pPr indent="0">
+              <a:buNone/>
+            </a:pPr>
             <a:r>
-              <a:rPr b="0" lang="en-IN" sz="1800" spc="-1" strike="noStrike">
+              <a:rPr b="0" lang="en-US" sz="1800" spc="-1" strike="noStrike">
+                <a:solidFill>
+                  <a:srgbClr val="000000"/>
+                </a:solidFill>
                 <a:latin typeface="Arial"/>
               </a:rPr>
               <a:t>Click to edit the title text format</a:t>
             </a:r>
-            <a:endParaRPr b="0" lang="en-IN" sz="1800" spc="-1" strike="noStrike">
-              <a:latin typeface="Arial"/>
-            </a:endParaRPr>
-          </a:p>
-        </p:txBody>
-      </p:sp>
-      <p:sp>
-        <p:nvSpPr>
-          <p:cNvPr id="90" name="PlaceHolder 5"/>
+            <a:endParaRPr b="0" lang="en-US" sz="1800" spc="-1" strike="noStrike">
+              <a:solidFill>
+                <a:srgbClr val="000000"/>
+              </a:solidFill>
+              <a:latin typeface="Arial"/>
+            </a:endParaRPr>
+          </a:p>
+        </p:txBody>
+      </p:sp>
+      <p:sp>
+        <p:nvSpPr>
+          <p:cNvPr id="90" name="PlaceHolder 2"/>
           <p:cNvSpPr>
             <a:spLocks noGrp="1"/>
           </p:cNvSpPr>
@@ -5168,9 +6682,13 @@
           <a:prstGeom prst="rect">
             <a:avLst/>
           </a:prstGeom>
-        </p:spPr>
-        <p:txBody>
-          <a:bodyPr lIns="0" rIns="0" tIns="0" bIns="0">
+          <a:noFill/>
+          <a:ln w="0">
+            <a:noFill/>
+          </a:ln>
+        </p:spPr>
+        <p:txBody>
+          <a:bodyPr lIns="0" rIns="0" tIns="0" bIns="0" anchor="t">
             <a:normAutofit/>
           </a:bodyPr>
           <a:p>
@@ -5186,12 +6704,18 @@
               <a:buChar char=""/>
             </a:pPr>
             <a:r>
-              <a:rPr b="0" lang="en-IN" sz="3200" spc="-1" strike="noStrike">
+              <a:rPr b="0" lang="en-US" sz="3200" spc="-1" strike="noStrike">
+                <a:solidFill>
+                  <a:srgbClr val="000000"/>
+                </a:solidFill>
                 <a:latin typeface="Arial"/>
               </a:rPr>
               <a:t>Click to edit the outline text format</a:t>
             </a:r>
-            <a:endParaRPr b="0" lang="en-IN" sz="3200" spc="-1" strike="noStrike">
+            <a:endParaRPr b="0" lang="en-US" sz="3200" spc="-1" strike="noStrike">
+              <a:solidFill>
+                <a:srgbClr val="000000"/>
+              </a:solidFill>
               <a:latin typeface="Arial"/>
             </a:endParaRPr>
           </a:p>
@@ -5208,12 +6732,18 @@
               <a:buChar char=""/>
             </a:pPr>
             <a:r>
-              <a:rPr b="0" lang="en-IN" sz="2800" spc="-1" strike="noStrike">
+              <a:rPr b="0" lang="en-US" sz="2800" spc="-1" strike="noStrike">
+                <a:solidFill>
+                  <a:srgbClr val="000000"/>
+                </a:solidFill>
                 <a:latin typeface="Arial"/>
               </a:rPr>
               <a:t>Second Outline Level</a:t>
             </a:r>
-            <a:endParaRPr b="0" lang="en-IN" sz="2800" spc="-1" strike="noStrike">
+            <a:endParaRPr b="0" lang="en-US" sz="2800" spc="-1" strike="noStrike">
+              <a:solidFill>
+                <a:srgbClr val="000000"/>
+              </a:solidFill>
               <a:latin typeface="Arial"/>
             </a:endParaRPr>
           </a:p>
@@ -5230,12 +6760,18 @@
               <a:buChar char=""/>
             </a:pPr>
             <a:r>
-              <a:rPr b="0" lang="en-IN" sz="2400" spc="-1" strike="noStrike">
+              <a:rPr b="0" lang="en-US" sz="2400" spc="-1" strike="noStrike">
+                <a:solidFill>
+                  <a:srgbClr val="000000"/>
+                </a:solidFill>
                 <a:latin typeface="Arial"/>
               </a:rPr>
               <a:t>Third Outline Level</a:t>
             </a:r>
-            <a:endParaRPr b="0" lang="en-IN" sz="2400" spc="-1" strike="noStrike">
+            <a:endParaRPr b="0" lang="en-US" sz="2400" spc="-1" strike="noStrike">
+              <a:solidFill>
+                <a:srgbClr val="000000"/>
+              </a:solidFill>
               <a:latin typeface="Arial"/>
             </a:endParaRPr>
           </a:p>
@@ -5252,12 +6788,18 @@
               <a:buChar char=""/>
             </a:pPr>
             <a:r>
-              <a:rPr b="0" lang="en-IN" sz="2000" spc="-1" strike="noStrike">
+              <a:rPr b="0" lang="en-US" sz="2000" spc="-1" strike="noStrike">
+                <a:solidFill>
+                  <a:srgbClr val="000000"/>
+                </a:solidFill>
                 <a:latin typeface="Arial"/>
               </a:rPr>
               <a:t>Fourth Outline Level</a:t>
             </a:r>
-            <a:endParaRPr b="0" lang="en-IN" sz="2000" spc="-1" strike="noStrike">
+            <a:endParaRPr b="0" lang="en-US" sz="2000" spc="-1" strike="noStrike">
+              <a:solidFill>
+                <a:srgbClr val="000000"/>
+              </a:solidFill>
               <a:latin typeface="Arial"/>
             </a:endParaRPr>
           </a:p>
@@ -5274,12 +6816,18 @@
               <a:buChar char=""/>
             </a:pPr>
             <a:r>
-              <a:rPr b="0" lang="en-IN" sz="2000" spc="-1" strike="noStrike">
+              <a:rPr b="0" lang="en-US" sz="2000" spc="-1" strike="noStrike">
+                <a:solidFill>
+                  <a:srgbClr val="000000"/>
+                </a:solidFill>
                 <a:latin typeface="Arial"/>
               </a:rPr>
               <a:t>Fifth Outline Level</a:t>
             </a:r>
-            <a:endParaRPr b="0" lang="en-IN" sz="2000" spc="-1" strike="noStrike">
+            <a:endParaRPr b="0" lang="en-US" sz="2000" spc="-1" strike="noStrike">
+              <a:solidFill>
+                <a:srgbClr val="000000"/>
+              </a:solidFill>
               <a:latin typeface="Arial"/>
             </a:endParaRPr>
           </a:p>
@@ -5296,12 +6844,18 @@
               <a:buChar char=""/>
             </a:pPr>
             <a:r>
-              <a:rPr b="0" lang="en-IN" sz="2000" spc="-1" strike="noStrike">
+              <a:rPr b="0" lang="en-US" sz="2000" spc="-1" strike="noStrike">
+                <a:solidFill>
+                  <a:srgbClr val="000000"/>
+                </a:solidFill>
                 <a:latin typeface="Arial"/>
               </a:rPr>
               <a:t>Sixth Outline Level</a:t>
             </a:r>
-            <a:endParaRPr b="0" lang="en-IN" sz="2000" spc="-1" strike="noStrike">
+            <a:endParaRPr b="0" lang="en-US" sz="2000" spc="-1" strike="noStrike">
+              <a:solidFill>
+                <a:srgbClr val="000000"/>
+              </a:solidFill>
               <a:latin typeface="Arial"/>
             </a:endParaRPr>
           </a:p>
@@ -5318,12 +6872,18 @@
               <a:buChar char=""/>
             </a:pPr>
             <a:r>
-              <a:rPr b="0" lang="en-IN" sz="2000" spc="-1" strike="noStrike">
+              <a:rPr b="0" lang="en-US" sz="2000" spc="-1" strike="noStrike">
+                <a:solidFill>
+                  <a:srgbClr val="000000"/>
+                </a:solidFill>
                 <a:latin typeface="Arial"/>
               </a:rPr>
               <a:t>Seventh Outline Level</a:t>
             </a:r>
-            <a:endParaRPr b="0" lang="en-IN" sz="2000" spc="-1" strike="noStrike">
+            <a:endParaRPr b="0" lang="en-US" sz="2000" spc="-1" strike="noStrike">
+              <a:solidFill>
+                <a:srgbClr val="000000"/>
+              </a:solidFill>
               <a:latin typeface="Arial"/>
             </a:endParaRPr>
           </a:p>
@@ -5375,13 +6935,13 @@
         <p:spPr>
           <a:xfrm>
             <a:off x="1359000" y="1821600"/>
-            <a:ext cx="9143280" cy="977040"/>
-          </a:xfrm>
-          <a:prstGeom prst="rect">
-            <a:avLst/>
-          </a:prstGeom>
-          <a:noFill/>
-          <a:ln>
+            <a:ext cx="9142920" cy="976680"/>
+          </a:xfrm>
+          <a:prstGeom prst="rect">
+            <a:avLst/>
+          </a:prstGeom>
+          <a:noFill/>
+          <a:ln w="0">
             <a:noFill/>
           </a:ln>
         </p:spPr>
@@ -5407,10 +6967,14 @@
                   <a:srgbClr val="1cade4"/>
                 </a:solidFill>
                 <a:latin typeface="Arial"/>
+                <a:ea typeface="DejaVu Sans"/>
               </a:rPr>
               <a:t>STEGANOGRAPHY</a:t>
             </a:r>
-            <a:endParaRPr b="0" lang="en-IN" sz="3600" spc="-1" strike="noStrike">
+            <a:endParaRPr b="0" lang="en-US" sz="3600" spc="-1" strike="noStrike">
+              <a:solidFill>
+                <a:srgbClr val="000000"/>
+              </a:solidFill>
               <a:latin typeface="Arial"/>
             </a:endParaRPr>
           </a:p>
@@ -5425,13 +6989,13 @@
         <p:spPr>
           <a:xfrm>
             <a:off x="-329760" y="1034280"/>
-            <a:ext cx="12726000" cy="577800"/>
-          </a:xfrm>
-          <a:prstGeom prst="rect">
-            <a:avLst/>
-          </a:prstGeom>
-          <a:noFill/>
-          <a:ln>
+            <a:ext cx="12725640" cy="577440"/>
+          </a:xfrm>
+          <a:prstGeom prst="rect">
+            <a:avLst/>
+          </a:prstGeom>
+          <a:noFill/>
+          <a:ln w="0">
             <a:noFill/>
           </a:ln>
         </p:spPr>
@@ -5442,7 +7006,7 @@
           <a:fontRef idx="minor"/>
         </p:style>
         <p:txBody>
-          <a:bodyPr lIns="90000" rIns="90000" tIns="45000" bIns="45000">
+          <a:bodyPr lIns="90000" rIns="90000" tIns="45000" bIns="45000" anchor="t">
             <a:spAutoFit/>
           </a:bodyPr>
           <a:p>
@@ -5461,7 +7025,10 @@
               </a:rPr>
               <a:t>CYBER SECURITY PROJECT</a:t>
             </a:r>
-            <a:endParaRPr b="0" lang="en-IN" sz="3200" spc="-1" strike="noStrike">
+            <a:endParaRPr b="0" lang="en-US" sz="3200" spc="-1" strike="noStrike">
+              <a:solidFill>
+                <a:srgbClr val="000000"/>
+              </a:solidFill>
               <a:latin typeface="Arial"/>
             </a:endParaRPr>
           </a:p>
@@ -5476,13 +7043,13 @@
         <p:spPr>
           <a:xfrm>
             <a:off x="3117600" y="4586400"/>
-            <a:ext cx="7979400" cy="700200"/>
-          </a:xfrm>
-          <a:prstGeom prst="rect">
-            <a:avLst/>
-          </a:prstGeom>
-          <a:noFill/>
-          <a:ln>
+            <a:ext cx="7979040" cy="699480"/>
+          </a:xfrm>
+          <a:prstGeom prst="rect">
+            <a:avLst/>
+          </a:prstGeom>
+          <a:noFill/>
+          <a:ln w="0">
             <a:noFill/>
           </a:ln>
         </p:spPr>
@@ -5493,7 +7060,7 @@
           <a:fontRef idx="minor"/>
         </p:style>
         <p:txBody>
-          <a:bodyPr lIns="90000" rIns="90000" tIns="45000" bIns="45000">
+          <a:bodyPr lIns="90000" rIns="90000" tIns="45000" bIns="45000" anchor="t">
             <a:spAutoFit/>
           </a:bodyPr>
           <a:p>
@@ -5512,7 +7079,10 @@
               </a:rPr>
               <a:t>Presented By:</a:t>
             </a:r>
-            <a:endParaRPr b="0" lang="en-IN" sz="2000" spc="-1" strike="noStrike">
+            <a:endParaRPr b="0" lang="en-US" sz="2000" spc="-1" strike="noStrike">
+              <a:solidFill>
+                <a:srgbClr val="000000"/>
+              </a:solidFill>
               <a:latin typeface="Arial"/>
             </a:endParaRPr>
           </a:p>
@@ -5532,7 +7102,10 @@
               </a:rPr>
               <a:t>1. Mohamed Riyaz A N | VV College Of Engineering | CSE</a:t>
             </a:r>
-            <a:endParaRPr b="0" lang="en-IN" sz="2000" spc="-1" strike="noStrike">
+            <a:endParaRPr b="0" lang="en-US" sz="2000" spc="-1" strike="noStrike">
+              <a:solidFill>
+                <a:srgbClr val="000000"/>
+              </a:solidFill>
               <a:latin typeface="Arial"/>
             </a:endParaRPr>
           </a:p>
@@ -5570,20 +7143,20 @@
       </p:grpSpPr>
       <p:sp>
         <p:nvSpPr>
-          <p:cNvPr id="146" name="CustomShape 1"/>
+          <p:cNvPr id="147" name="CustomShape 1"/>
           <p:cNvSpPr/>
           <p:nvPr/>
         </p:nvSpPr>
         <p:spPr>
           <a:xfrm>
             <a:off x="581040" y="702000"/>
-            <a:ext cx="11028960" cy="529560"/>
-          </a:xfrm>
-          <a:prstGeom prst="rect">
-            <a:avLst/>
-          </a:prstGeom>
-          <a:noFill/>
-          <a:ln>
+            <a:ext cx="11028600" cy="529200"/>
+          </a:xfrm>
+          <a:prstGeom prst="rect">
+            <a:avLst/>
+          </a:prstGeom>
+          <a:noFill/>
+          <a:ln w="0">
             <a:noFill/>
           </a:ln>
         </p:spPr>
@@ -5595,7 +7168,7 @@
         </p:style>
         <p:txBody>
           <a:bodyPr lIns="90000" rIns="90000" tIns="45000" bIns="45000" anchor="b">
-            <a:normAutofit fontScale="56000"/>
+            <a:normAutofit fontScale="68333"/>
           </a:bodyPr>
           <a:p>
             <a:pPr>
@@ -5613,28 +7186,31 @@
               </a:rPr>
               <a:t>References</a:t>
             </a:r>
-            <a:endParaRPr b="0" lang="en-IN" sz="4400" spc="-1" strike="noStrike">
-              <a:latin typeface="Arial"/>
-            </a:endParaRPr>
-          </a:p>
-        </p:txBody>
-      </p:sp>
-      <p:sp>
-        <p:nvSpPr>
-          <p:cNvPr id="147" name="CustomShape 2"/>
+            <a:endParaRPr b="0" lang="en-US" sz="4400" spc="-1" strike="noStrike">
+              <a:solidFill>
+                <a:srgbClr val="000000"/>
+              </a:solidFill>
+              <a:latin typeface="Arial"/>
+            </a:endParaRPr>
+          </a:p>
+        </p:txBody>
+      </p:sp>
+      <p:sp>
+        <p:nvSpPr>
+          <p:cNvPr id="148" name="CustomShape 2"/>
           <p:cNvSpPr/>
           <p:nvPr/>
         </p:nvSpPr>
         <p:spPr>
           <a:xfrm>
             <a:off x="581040" y="1807560"/>
-            <a:ext cx="11028960" cy="4672440"/>
-          </a:xfrm>
-          <a:prstGeom prst="rect">
-            <a:avLst/>
-          </a:prstGeom>
-          <a:noFill/>
-          <a:ln>
+            <a:ext cx="11028600" cy="4672080"/>
+          </a:xfrm>
+          <a:prstGeom prst="rect">
+            <a:avLst/>
+          </a:prstGeom>
+          <a:noFill/>
+          <a:ln w="0">
             <a:noFill/>
           </a:ln>
         </p:spPr>
@@ -5649,7 +7225,7 @@
             <a:normAutofit/>
           </a:bodyPr>
           <a:p>
-            <a:pPr algn="just">
+            <a:pPr marL="216000" indent="-216000" algn="just">
               <a:lnSpc>
                 <a:spcPct val="110000"/>
               </a:lnSpc>
@@ -5659,13 +7235,22 @@
               <a:spcAft>
                 <a:spcPts val="601"/>
               </a:spcAft>
-            </a:pPr>
-            <a:endParaRPr b="0" lang="en-IN" sz="1800" spc="-1" strike="noStrike">
-              <a:latin typeface="Arial"/>
-            </a:endParaRPr>
-          </a:p>
-          <a:p>
-            <a:pPr algn="just">
+              <a:buClr>
+                <a:srgbClr val="2a6099"/>
+              </a:buClr>
+              <a:buSzPct val="60000"/>
+              <a:buFont typeface="Wingdings" charset="2"/>
+              <a:buChar char=""/>
+            </a:pPr>
+            <a:endParaRPr b="0" lang="en-US" sz="1800" spc="-1" strike="noStrike">
+              <a:solidFill>
+                <a:srgbClr val="000000"/>
+              </a:solidFill>
+              <a:latin typeface="Arial"/>
+            </a:endParaRPr>
+          </a:p>
+          <a:p>
+            <a:pPr marL="216000" indent="-216000" algn="just">
               <a:lnSpc>
                 <a:spcPct val="110000"/>
               </a:lnSpc>
@@ -5675,6 +7260,12 @@
               <a:spcAft>
                 <a:spcPts val="601"/>
               </a:spcAft>
+              <a:buClr>
+                <a:srgbClr val="2a6099"/>
+              </a:buClr>
+              <a:buSzPct val="60000"/>
+              <a:buFont typeface="Wingdings" charset="2"/>
+              <a:buChar char=""/>
             </a:pPr>
             <a:r>
               <a:rPr b="0" lang="en-IN" sz="2400" spc="-1" strike="noStrike">
@@ -5686,12 +7277,15 @@
               </a:rPr>
               <a:t>OpenCV Documentation: https://docs.opencv.org/</a:t>
             </a:r>
-            <a:endParaRPr b="0" lang="en-IN" sz="2400" spc="-1" strike="noStrike">
-              <a:latin typeface="Arial"/>
-            </a:endParaRPr>
-          </a:p>
-          <a:p>
-            <a:pPr algn="just">
+            <a:endParaRPr b="0" lang="en-US" sz="2400" spc="-1" strike="noStrike">
+              <a:solidFill>
+                <a:srgbClr val="000000"/>
+              </a:solidFill>
+              <a:latin typeface="Arial"/>
+            </a:endParaRPr>
+          </a:p>
+          <a:p>
+            <a:pPr marL="216000" indent="-216000" algn="just">
               <a:lnSpc>
                 <a:spcPct val="110000"/>
               </a:lnSpc>
@@ -5701,6 +7295,12 @@
               <a:spcAft>
                 <a:spcPts val="601"/>
               </a:spcAft>
+              <a:buClr>
+                <a:srgbClr val="2a6099"/>
+              </a:buClr>
+              <a:buSzPct val="60000"/>
+              <a:buFont typeface="Wingdings" charset="2"/>
+              <a:buChar char=""/>
             </a:pPr>
             <a:r>
               <a:rPr b="0" lang="en-IN" sz="2400" spc="-1" strike="noStrike">
@@ -5712,12 +7312,15 @@
               </a:rPr>
               <a:t>Python Documentation: https://docs.python.org/3/</a:t>
             </a:r>
-            <a:endParaRPr b="0" lang="en-IN" sz="2400" spc="-1" strike="noStrike">
-              <a:latin typeface="Arial"/>
-            </a:endParaRPr>
-          </a:p>
-          <a:p>
-            <a:pPr algn="just">
+            <a:endParaRPr b="0" lang="en-US" sz="2400" spc="-1" strike="noStrike">
+              <a:solidFill>
+                <a:srgbClr val="000000"/>
+              </a:solidFill>
+              <a:latin typeface="Arial"/>
+            </a:endParaRPr>
+          </a:p>
+          <a:p>
+            <a:pPr marL="216000" indent="-216000" algn="just">
               <a:lnSpc>
                 <a:spcPct val="110000"/>
               </a:lnSpc>
@@ -5727,6 +7330,12 @@
               <a:spcAft>
                 <a:spcPts val="601"/>
               </a:spcAft>
+              <a:buClr>
+                <a:srgbClr val="2a6099"/>
+              </a:buClr>
+              <a:buSzPct val="60000"/>
+              <a:buFont typeface="Wingdings" charset="2"/>
+              <a:buChar char=""/>
             </a:pPr>
             <a:r>
               <a:rPr b="0" lang="en-IN" sz="2400" spc="-1" strike="noStrike">
@@ -5738,12 +7347,15 @@
               </a:rPr>
               <a:t>NumPy Documentation: https://numpy.org/doc/stable/</a:t>
             </a:r>
-            <a:endParaRPr b="0" lang="en-IN" sz="2400" spc="-1" strike="noStrike">
-              <a:latin typeface="Arial"/>
-            </a:endParaRPr>
-          </a:p>
-          <a:p>
-            <a:pPr algn="just">
+            <a:endParaRPr b="0" lang="en-US" sz="2400" spc="-1" strike="noStrike">
+              <a:solidFill>
+                <a:srgbClr val="000000"/>
+              </a:solidFill>
+              <a:latin typeface="Arial"/>
+            </a:endParaRPr>
+          </a:p>
+          <a:p>
+            <a:pPr marL="216000" indent="-216000" algn="just">
               <a:lnSpc>
                 <a:spcPct val="110000"/>
               </a:lnSpc>
@@ -5753,6 +7365,12 @@
               <a:spcAft>
                 <a:spcPts val="601"/>
               </a:spcAft>
+              <a:buClr>
+                <a:srgbClr val="2a6099"/>
+              </a:buClr>
+              <a:buSzPct val="60000"/>
+              <a:buFont typeface="Wingdings" charset="2"/>
+              <a:buChar char=""/>
             </a:pPr>
             <a:r>
               <a:rPr b="0" lang="en-IN" sz="2400" spc="-1" strike="noStrike">
@@ -5764,12 +7382,15 @@
               </a:rPr>
               <a:t>os module Documentation: https://docs.python.org/3/library/os.html</a:t>
             </a:r>
-            <a:endParaRPr b="0" lang="en-IN" sz="2400" spc="-1" strike="noStrike">
-              <a:latin typeface="Arial"/>
-            </a:endParaRPr>
-          </a:p>
-          <a:p>
-            <a:pPr algn="just">
+            <a:endParaRPr b="0" lang="en-US" sz="2400" spc="-1" strike="noStrike">
+              <a:solidFill>
+                <a:srgbClr val="000000"/>
+              </a:solidFill>
+              <a:latin typeface="Arial"/>
+            </a:endParaRPr>
+          </a:p>
+          <a:p>
+            <a:pPr marL="216000" indent="-216000" algn="just">
               <a:lnSpc>
                 <a:spcPct val="110000"/>
               </a:lnSpc>
@@ -5779,72 +7400,17 @@
               <a:spcAft>
                 <a:spcPts val="601"/>
               </a:spcAft>
-            </a:pPr>
-            <a:endParaRPr b="0" lang="en-IN" sz="2400" spc="-1" strike="noStrike">
-              <a:latin typeface="Arial"/>
-            </a:endParaRPr>
-          </a:p>
-          <a:p>
-            <a:pPr algn="just">
-              <a:lnSpc>
-                <a:spcPct val="110000"/>
-              </a:lnSpc>
-              <a:spcBef>
-                <a:spcPts val="479"/>
-              </a:spcBef>
-              <a:spcAft>
-                <a:spcPts val="601"/>
-              </a:spcAft>
-            </a:pPr>
-            <a:endParaRPr b="0" lang="en-IN" sz="2400" spc="-1" strike="noStrike">
-              <a:latin typeface="Arial"/>
-            </a:endParaRPr>
-          </a:p>
-          <a:p>
-            <a:pPr algn="just">
-              <a:lnSpc>
-                <a:spcPct val="110000"/>
-              </a:lnSpc>
-              <a:spcBef>
-                <a:spcPts val="479"/>
-              </a:spcBef>
-              <a:spcAft>
-                <a:spcPts val="601"/>
-              </a:spcAft>
-            </a:pPr>
-            <a:endParaRPr b="0" lang="en-IN" sz="2400" spc="-1" strike="noStrike">
-              <a:latin typeface="Arial"/>
-            </a:endParaRPr>
-          </a:p>
-          <a:p>
-            <a:pPr algn="just">
-              <a:lnSpc>
-                <a:spcPct val="110000"/>
-              </a:lnSpc>
-              <a:spcBef>
-                <a:spcPts val="479"/>
-              </a:spcBef>
-              <a:spcAft>
-                <a:spcPts val="601"/>
-              </a:spcAft>
-            </a:pPr>
-            <a:endParaRPr b="0" lang="en-IN" sz="2400" spc="-1" strike="noStrike">
-              <a:latin typeface="Arial"/>
-            </a:endParaRPr>
-          </a:p>
-          <a:p>
-            <a:pPr algn="just">
-              <a:lnSpc>
-                <a:spcPct val="110000"/>
-              </a:lnSpc>
-              <a:spcBef>
-                <a:spcPts val="479"/>
-              </a:spcBef>
-              <a:spcAft>
-                <a:spcPts val="601"/>
-              </a:spcAft>
-            </a:pPr>
-            <a:endParaRPr b="0" lang="en-IN" sz="2400" spc="-1" strike="noStrike">
+              <a:buClr>
+                <a:srgbClr val="2a6099"/>
+              </a:buClr>
+              <a:buSzPct val="60000"/>
+              <a:buFont typeface="Wingdings" charset="2"/>
+              <a:buChar char=""/>
+            </a:pPr>
+            <a:endParaRPr b="0" lang="en-US" sz="2400" spc="-1" strike="noStrike">
+              <a:solidFill>
+                <a:srgbClr val="000000"/>
+              </a:solidFill>
               <a:latin typeface="Arial"/>
             </a:endParaRPr>
           </a:p>
@@ -5882,20 +7448,20 @@
       </p:grpSpPr>
       <p:sp>
         <p:nvSpPr>
-          <p:cNvPr id="148" name="CustomShape 1"/>
+          <p:cNvPr id="149" name="CustomShape 1"/>
           <p:cNvSpPr/>
           <p:nvPr/>
         </p:nvSpPr>
         <p:spPr>
           <a:xfrm>
             <a:off x="1463040" y="2766240"/>
-            <a:ext cx="9298080" cy="1324800"/>
-          </a:xfrm>
-          <a:prstGeom prst="rect">
-            <a:avLst/>
-          </a:prstGeom>
-          <a:noFill/>
-          <a:ln>
+            <a:ext cx="9297720" cy="1324440"/>
+          </a:xfrm>
+          <a:prstGeom prst="rect">
+            <a:avLst/>
+          </a:prstGeom>
+          <a:noFill/>
+          <a:ln w="0">
             <a:noFill/>
           </a:ln>
         </p:spPr>
@@ -5921,10 +7487,14 @@
                   <a:srgbClr val="002060"/>
                 </a:solidFill>
                 <a:latin typeface="Arial"/>
+                <a:ea typeface="DejaVu Sans"/>
               </a:rPr>
               <a:t>THANK YOU</a:t>
             </a:r>
-            <a:endParaRPr b="0" lang="en-IN" sz="5400" spc="-1" strike="noStrike">
+            <a:endParaRPr b="0" lang="en-US" sz="5400" spc="-1" strike="noStrike">
+              <a:solidFill>
+                <a:srgbClr val="000000"/>
+              </a:solidFill>
               <a:latin typeface="Arial"/>
             </a:endParaRPr>
           </a:p>
@@ -5969,13 +7539,13 @@
         <p:spPr>
           <a:xfrm>
             <a:off x="849600" y="558360"/>
-            <a:ext cx="10514880" cy="1324800"/>
-          </a:xfrm>
-          <a:prstGeom prst="rect">
-            <a:avLst/>
-          </a:prstGeom>
-          <a:noFill/>
-          <a:ln>
+            <a:ext cx="10514520" cy="1324440"/>
+          </a:xfrm>
+          <a:prstGeom prst="rect">
+            <a:avLst/>
+          </a:prstGeom>
+          <a:noFill/>
+          <a:ln w="0">
             <a:noFill/>
           </a:ln>
         </p:spPr>
@@ -6001,10 +7571,14 @@
                   <a:srgbClr val="002060"/>
                 </a:solidFill>
                 <a:latin typeface="Arial"/>
+                <a:ea typeface="DejaVu Sans"/>
               </a:rPr>
               <a:t>OUTLINE</a:t>
             </a:r>
-            <a:endParaRPr b="0" lang="en-IN" sz="2800" spc="-1" strike="noStrike">
+            <a:endParaRPr b="0" lang="en-US" sz="2800" spc="-1" strike="noStrike">
+              <a:solidFill>
+                <a:srgbClr val="000000"/>
+              </a:solidFill>
               <a:latin typeface="Arial"/>
             </a:endParaRPr>
           </a:p>
@@ -6019,13 +7593,13 @@
         <p:spPr>
           <a:xfrm>
             <a:off x="838080" y="1618920"/>
-            <a:ext cx="11018160" cy="5238360"/>
-          </a:xfrm>
-          <a:prstGeom prst="rect">
-            <a:avLst/>
-          </a:prstGeom>
-          <a:noFill/>
-          <a:ln>
+            <a:ext cx="11017800" cy="5238000"/>
+          </a:xfrm>
+          <a:prstGeom prst="rect">
+            <a:avLst/>
+          </a:prstGeom>
+          <a:noFill/>
+          <a:ln w="0">
             <a:noFill/>
           </a:ln>
         </p:spPr>
@@ -6036,7 +7610,7 @@
           <a:fontRef idx="minor"/>
         </p:style>
         <p:txBody>
-          <a:bodyPr lIns="90000" rIns="90000" tIns="45000" bIns="45000">
+          <a:bodyPr lIns="90000" rIns="90000" tIns="45000" bIns="45000" anchor="t">
             <a:noAutofit/>
           </a:bodyPr>
           <a:p>
@@ -6064,7 +7638,10 @@
               </a:rPr>
               <a:t>  </a:t>
             </a:r>
-            <a:endParaRPr b="0" lang="en-IN" sz="2000" spc="-1" strike="noStrike">
+            <a:endParaRPr b="0" lang="en-US" sz="2000" spc="-1" strike="noStrike">
+              <a:solidFill>
+                <a:srgbClr val="000000"/>
+              </a:solidFill>
               <a:latin typeface="Arial"/>
             </a:endParaRPr>
           </a:p>
@@ -6099,7 +7676,10 @@
               </a:rPr>
               <a:t>Problem Statement </a:t>
             </a:r>
-            <a:endParaRPr b="0" lang="en-IN" sz="2000" spc="-1" strike="noStrike">
+            <a:endParaRPr b="0" lang="en-US" sz="2000" spc="-1" strike="noStrike">
+              <a:solidFill>
+                <a:srgbClr val="000000"/>
+              </a:solidFill>
               <a:latin typeface="Arial"/>
             </a:endParaRPr>
           </a:p>
@@ -6134,7 +7714,10 @@
               </a:rPr>
               <a:t>Proposed System/Solution</a:t>
             </a:r>
-            <a:endParaRPr b="0" lang="en-IN" sz="2000" spc="-1" strike="noStrike">
+            <a:endParaRPr b="0" lang="en-US" sz="2000" spc="-1" strike="noStrike">
+              <a:solidFill>
+                <a:srgbClr val="000000"/>
+              </a:solidFill>
               <a:latin typeface="Arial"/>
             </a:endParaRPr>
           </a:p>
@@ -6179,7 +7762,10 @@
               </a:rPr>
               <a:t> </a:t>
             </a:r>
-            <a:endParaRPr b="0" lang="en-IN" sz="2000" spc="-1" strike="noStrike">
+            <a:endParaRPr b="0" lang="en-US" sz="2000" spc="-1" strike="noStrike">
+              <a:solidFill>
+                <a:srgbClr val="000000"/>
+              </a:solidFill>
               <a:latin typeface="Arial"/>
             </a:endParaRPr>
           </a:p>
@@ -6214,7 +7800,10 @@
               </a:rPr>
               <a:t>Algorithm &amp; Deployment  </a:t>
             </a:r>
-            <a:endParaRPr b="0" lang="en-IN" sz="2000" spc="-1" strike="noStrike">
+            <a:endParaRPr b="0" lang="en-US" sz="2000" spc="-1" strike="noStrike">
+              <a:solidFill>
+                <a:srgbClr val="000000"/>
+              </a:solidFill>
               <a:latin typeface="Arial"/>
             </a:endParaRPr>
           </a:p>
@@ -6249,7 +7838,10 @@
               </a:rPr>
               <a:t>Result (Output Image)</a:t>
             </a:r>
-            <a:endParaRPr b="0" lang="en-IN" sz="2000" spc="-1" strike="noStrike">
+            <a:endParaRPr b="0" lang="en-US" sz="2000" spc="-1" strike="noStrike">
+              <a:solidFill>
+                <a:srgbClr val="000000"/>
+              </a:solidFill>
               <a:latin typeface="Arial"/>
             </a:endParaRPr>
           </a:p>
@@ -6284,7 +7876,10 @@
               </a:rPr>
               <a:t>Conclusion</a:t>
             </a:r>
-            <a:endParaRPr b="0" lang="en-IN" sz="2000" spc="-1" strike="noStrike">
+            <a:endParaRPr b="0" lang="en-US" sz="2000" spc="-1" strike="noStrike">
+              <a:solidFill>
+                <a:srgbClr val="000000"/>
+              </a:solidFill>
               <a:latin typeface="Arial"/>
             </a:endParaRPr>
           </a:p>
@@ -6319,7 +7914,10 @@
               </a:rPr>
               <a:t>Future Scope</a:t>
             </a:r>
-            <a:endParaRPr b="0" lang="en-IN" sz="2000" spc="-1" strike="noStrike">
+            <a:endParaRPr b="0" lang="en-US" sz="2000" spc="-1" strike="noStrike">
+              <a:solidFill>
+                <a:srgbClr val="000000"/>
+              </a:solidFill>
               <a:latin typeface="Arial"/>
             </a:endParaRPr>
           </a:p>
@@ -6354,7 +7952,10 @@
               </a:rPr>
               <a:t>References</a:t>
             </a:r>
-            <a:endParaRPr b="0" lang="en-IN" sz="2000" spc="-1" strike="noStrike">
+            <a:endParaRPr b="0" lang="en-US" sz="2000" spc="-1" strike="noStrike">
+              <a:solidFill>
+                <a:srgbClr val="000000"/>
+              </a:solidFill>
               <a:latin typeface="Arial"/>
             </a:endParaRPr>
           </a:p>
@@ -6373,7 +7974,10 @@
                 <a:tab algn="l" pos="0"/>
               </a:tabLst>
             </a:pPr>
-            <a:endParaRPr b="0" lang="en-IN" sz="2000" spc="-1" strike="noStrike">
+            <a:endParaRPr b="0" lang="en-US" sz="2000" spc="-1" strike="noStrike">
+              <a:solidFill>
+                <a:srgbClr val="000000"/>
+              </a:solidFill>
               <a:latin typeface="Arial"/>
             </a:endParaRPr>
           </a:p>
@@ -6418,13 +8022,13 @@
         <p:spPr>
           <a:xfrm>
             <a:off x="581040" y="910440"/>
-            <a:ext cx="11028960" cy="529560"/>
-          </a:xfrm>
-          <a:prstGeom prst="rect">
-            <a:avLst/>
-          </a:prstGeom>
-          <a:noFill/>
-          <a:ln>
+            <a:ext cx="11028600" cy="529200"/>
+          </a:xfrm>
+          <a:prstGeom prst="rect">
+            <a:avLst/>
+          </a:prstGeom>
+          <a:noFill/>
+          <a:ln w="0">
             <a:noFill/>
           </a:ln>
         </p:spPr>
@@ -6436,7 +8040,7 @@
         </p:style>
         <p:txBody>
           <a:bodyPr lIns="90000" rIns="90000" tIns="45000" bIns="45000" anchor="b">
-            <a:normAutofit fontScale="42000"/>
+            <a:normAutofit fontScale="56111"/>
           </a:bodyPr>
           <a:p>
             <a:pPr>
@@ -6450,10 +8054,14 @@
                   <a:srgbClr val="1cade4"/>
                 </a:solidFill>
                 <a:latin typeface="Arial"/>
+                <a:ea typeface="DejaVu Sans"/>
               </a:rPr>
               <a:t>Problem Statement</a:t>
             </a:r>
-            <a:endParaRPr b="0" lang="en-IN" sz="5400" spc="-1" strike="noStrike">
+            <a:endParaRPr b="0" lang="en-US" sz="5400" spc="-1" strike="noStrike">
+              <a:solidFill>
+                <a:srgbClr val="000000"/>
+              </a:solidFill>
               <a:latin typeface="Arial"/>
             </a:endParaRPr>
           </a:p>
@@ -6468,13 +8076,13 @@
         <p:spPr>
           <a:xfrm>
             <a:off x="648000" y="2736000"/>
-            <a:ext cx="11028960" cy="4672440"/>
-          </a:xfrm>
-          <a:prstGeom prst="rect">
-            <a:avLst/>
-          </a:prstGeom>
-          <a:noFill/>
-          <a:ln>
+            <a:ext cx="11028600" cy="4672080"/>
+          </a:xfrm>
+          <a:prstGeom prst="rect">
+            <a:avLst/>
+          </a:prstGeom>
+          <a:noFill/>
+          <a:ln w="0">
             <a:noFill/>
           </a:ln>
         </p:spPr>
@@ -6513,7 +8121,10 @@
               </a:rPr>
               <a:t>This project aims to create a Python script using OpenCV for steganography, allowing users to hide messages within image files. Users input an image and message, which are encrypted using a password. Decryption requires the correct password to reveal the hidden message. The script outputs the encrypted image, with an option to view it, and displays the original message upon decryption. Key tasks include algorithm design, user input handling, error management, and testing. Deliverables include the Python script and comprehensive documentation. Enhancements could include supporting additional file types, improving encryption security, adding a graphical interface, and implementing image compression.</a:t>
             </a:r>
-            <a:endParaRPr b="0" lang="en-IN" sz="2000" spc="-1" strike="noStrike">
+            <a:endParaRPr b="0" lang="en-US" sz="2000" spc="-1" strike="noStrike">
+              <a:solidFill>
+                <a:srgbClr val="000000"/>
+              </a:solidFill>
               <a:latin typeface="Arial"/>
             </a:endParaRPr>
           </a:p>
@@ -6532,7 +8143,10 @@
                 <a:tab algn="l" pos="0"/>
               </a:tabLst>
             </a:pPr>
-            <a:endParaRPr b="0" lang="en-IN" sz="2000" spc="-1" strike="noStrike">
+            <a:endParaRPr b="0" lang="en-US" sz="2000" spc="-1" strike="noStrike">
+              <a:solidFill>
+                <a:srgbClr val="000000"/>
+              </a:solidFill>
               <a:latin typeface="Arial"/>
             </a:endParaRPr>
           </a:p>
@@ -6551,7 +8165,10 @@
                 <a:tab algn="l" pos="0"/>
               </a:tabLst>
             </a:pPr>
-            <a:endParaRPr b="0" lang="en-IN" sz="2000" spc="-1" strike="noStrike">
+            <a:endParaRPr b="0" lang="en-US" sz="2000" spc="-1" strike="noStrike">
+              <a:solidFill>
+                <a:srgbClr val="000000"/>
+              </a:solidFill>
               <a:latin typeface="Arial"/>
             </a:endParaRPr>
           </a:p>
@@ -6570,7 +8187,10 @@
                 <a:tab algn="l" pos="0"/>
               </a:tabLst>
             </a:pPr>
-            <a:endParaRPr b="0" lang="en-IN" sz="2000" spc="-1" strike="noStrike">
+            <a:endParaRPr b="0" lang="en-US" sz="2000" spc="-1" strike="noStrike">
+              <a:solidFill>
+                <a:srgbClr val="000000"/>
+              </a:solidFill>
               <a:latin typeface="Arial"/>
             </a:endParaRPr>
           </a:p>
@@ -6589,7 +8209,10 @@
                 <a:tab algn="l" pos="0"/>
               </a:tabLst>
             </a:pPr>
-            <a:endParaRPr b="0" lang="en-IN" sz="2000" spc="-1" strike="noStrike">
+            <a:endParaRPr b="0" lang="en-US" sz="2000" spc="-1" strike="noStrike">
+              <a:solidFill>
+                <a:srgbClr val="000000"/>
+              </a:solidFill>
               <a:latin typeface="Arial"/>
             </a:endParaRPr>
           </a:p>
@@ -6608,7 +8231,10 @@
                 <a:tab algn="l" pos="0"/>
               </a:tabLst>
             </a:pPr>
-            <a:endParaRPr b="0" lang="en-IN" sz="2000" spc="-1" strike="noStrike">
+            <a:endParaRPr b="0" lang="en-US" sz="2000" spc="-1" strike="noStrike">
+              <a:solidFill>
+                <a:srgbClr val="000000"/>
+              </a:solidFill>
               <a:latin typeface="Arial"/>
             </a:endParaRPr>
           </a:p>
@@ -6627,7 +8253,10 @@
                 <a:tab algn="l" pos="0"/>
               </a:tabLst>
             </a:pPr>
-            <a:endParaRPr b="0" lang="en-IN" sz="2000" spc="-1" strike="noStrike">
+            <a:endParaRPr b="0" lang="en-US" sz="2000" spc="-1" strike="noStrike">
+              <a:solidFill>
+                <a:srgbClr val="000000"/>
+              </a:solidFill>
               <a:latin typeface="Arial"/>
             </a:endParaRPr>
           </a:p>
@@ -6672,13 +8301,13 @@
         <p:spPr>
           <a:xfrm>
             <a:off x="504000" y="504000"/>
-            <a:ext cx="11028960" cy="529560"/>
-          </a:xfrm>
-          <a:prstGeom prst="rect">
-            <a:avLst/>
-          </a:prstGeom>
-          <a:noFill/>
-          <a:ln>
+            <a:ext cx="11028600" cy="529200"/>
+          </a:xfrm>
+          <a:prstGeom prst="rect">
+            <a:avLst/>
+          </a:prstGeom>
+          <a:noFill/>
+          <a:ln w="0">
             <a:noFill/>
           </a:ln>
         </p:spPr>
@@ -6690,7 +8319,7 @@
         </p:style>
         <p:txBody>
           <a:bodyPr lIns="90000" rIns="90000" tIns="45000" bIns="45000" anchor="b">
-            <a:normAutofit fontScale="56000"/>
+            <a:normAutofit fontScale="68333"/>
           </a:bodyPr>
           <a:p>
             <a:pPr>
@@ -6704,10 +8333,14 @@
                   <a:srgbClr val="1cade4"/>
                 </a:solidFill>
                 <a:latin typeface="Arial"/>
+                <a:ea typeface="DejaVu Sans"/>
               </a:rPr>
               <a:t>Proposed Solution</a:t>
             </a:r>
-            <a:endParaRPr b="0" lang="en-IN" sz="4400" spc="-1" strike="noStrike">
+            <a:endParaRPr b="0" lang="en-US" sz="4400" spc="-1" strike="noStrike">
+              <a:solidFill>
+                <a:srgbClr val="000000"/>
+              </a:solidFill>
               <a:latin typeface="Arial"/>
             </a:endParaRPr>
           </a:p>
@@ -6722,13 +8355,13 @@
         <p:spPr>
           <a:xfrm>
             <a:off x="504000" y="1944000"/>
-            <a:ext cx="11612880" cy="5563080"/>
-          </a:xfrm>
-          <a:prstGeom prst="rect">
-            <a:avLst/>
-          </a:prstGeom>
-          <a:noFill/>
-          <a:ln>
+            <a:ext cx="11612520" cy="5562720"/>
+          </a:xfrm>
+          <a:prstGeom prst="rect">
+            <a:avLst/>
+          </a:prstGeom>
+          <a:noFill/>
+          <a:ln w="0">
             <a:noFill/>
           </a:ln>
         </p:spPr>
@@ -6764,7 +8397,10 @@
               </a:rPr>
               <a:t>The proposed solution involves creating a Python script named steganography.py using OpenCV for steganography with the following steps:</a:t>
             </a:r>
-            <a:endParaRPr b="0" lang="en-IN" sz="1700" spc="-1" strike="noStrike">
+            <a:endParaRPr b="0" lang="en-US" sz="1700" spc="-1" strike="noStrike">
+              <a:solidFill>
+                <a:srgbClr val="000000"/>
+              </a:solidFill>
               <a:latin typeface="Arial"/>
             </a:endParaRPr>
           </a:p>
@@ -6800,7 +8436,9 @@
               </a:rPr>
               <a:t>Prompt users for image file path, message, and encryption password.</a:t>
             </a:r>
-            <a:br/>
+            <a:br>
+              <a:rPr sz="1800"/>
+            </a:br>
             <a:r>
               <a:rPr b="0" lang="en-US" sz="1700" spc="-1" strike="noStrike">
                 <a:solidFill>
@@ -6811,7 +8449,10 @@
               </a:rPr>
               <a:t>Handle errors for invalid inputs.</a:t>
             </a:r>
-            <a:endParaRPr b="0" lang="en-IN" sz="1700" spc="-1" strike="noStrike">
+            <a:endParaRPr b="0" lang="en-US" sz="1700" spc="-1" strike="noStrike">
+              <a:solidFill>
+                <a:srgbClr val="000000"/>
+              </a:solidFill>
               <a:latin typeface="Arial"/>
             </a:endParaRPr>
           </a:p>
@@ -6847,7 +8488,9 @@
               </a:rPr>
               <a:t>Read the image with OpenCV.</a:t>
             </a:r>
-            <a:br/>
+            <a:br>
+              <a:rPr sz="1800"/>
+            </a:br>
             <a:r>
               <a:rPr b="0" lang="en-US" sz="1700" spc="-1" strike="noStrike">
                 <a:solidFill>
@@ -6858,7 +8501,10 @@
               </a:rPr>
               <a:t>Encode the message into the image's RGB pixels.</a:t>
             </a:r>
-            <a:endParaRPr b="0" lang="en-IN" sz="1700" spc="-1" strike="noStrike">
+            <a:endParaRPr b="0" lang="en-US" sz="1700" spc="-1" strike="noStrike">
+              <a:solidFill>
+                <a:srgbClr val="000000"/>
+              </a:solidFill>
               <a:latin typeface="Arial"/>
             </a:endParaRPr>
           </a:p>
@@ -6894,7 +8540,10 @@
               </a:rPr>
               <a:t>Retrieve the encrypted message from the image using the password.</a:t>
             </a:r>
-            <a:endParaRPr b="0" lang="en-IN" sz="1700" spc="-1" strike="noStrike">
+            <a:endParaRPr b="0" lang="en-US" sz="1700" spc="-1" strike="noStrike">
+              <a:solidFill>
+                <a:srgbClr val="000000"/>
+              </a:solidFill>
               <a:latin typeface="Arial"/>
             </a:endParaRPr>
           </a:p>
@@ -6928,9 +8577,12 @@
                 <a:latin typeface="Franklin Gothic Book"/>
                 <a:ea typeface="Franklin Gothic Book"/>
               </a:rPr>
-              <a:t>Save the encrypted image as Encryptedmsg.jpg.</a:t>
+              <a:t>Save the encrypted image as EncryptedImage.jpg.</a:t>
             </a:r>
-            <a:endParaRPr b="0" lang="en-IN" sz="1700" spc="-1" strike="noStrike">
+            <a:endParaRPr b="0" lang="en-US" sz="1700" spc="-1" strike="noStrike">
+              <a:solidFill>
+                <a:srgbClr val="000000"/>
+              </a:solidFill>
               <a:latin typeface="Arial"/>
             </a:endParaRPr>
           </a:p>
@@ -6966,7 +8618,10 @@
               </a:rPr>
               <a:t>Ensure graceful error handling and guide users in case of errors.</a:t>
             </a:r>
-            <a:endParaRPr b="0" lang="en-IN" sz="1700" spc="-1" strike="noStrike">
+            <a:endParaRPr b="0" lang="en-US" sz="1700" spc="-1" strike="noStrike">
+              <a:solidFill>
+                <a:srgbClr val="000000"/>
+              </a:solidFill>
               <a:latin typeface="Arial"/>
             </a:endParaRPr>
           </a:p>
@@ -7002,7 +8657,10 @@
               </a:rPr>
               <a:t>Test with various inputs to ensure functionality and security.</a:t>
             </a:r>
-            <a:endParaRPr b="0" lang="en-IN" sz="1700" spc="-1" strike="noStrike">
+            <a:endParaRPr b="0" lang="en-US" sz="1700" spc="-1" strike="noStrike">
+              <a:solidFill>
+                <a:srgbClr val="000000"/>
+              </a:solidFill>
               <a:latin typeface="Arial"/>
             </a:endParaRPr>
           </a:p>
@@ -7038,7 +8696,10 @@
               </a:rPr>
               <a:t>Provide detailed instructions, including installation steps and output interpretation.</a:t>
             </a:r>
-            <a:endParaRPr b="0" lang="en-IN" sz="1700" spc="-1" strike="noStrike">
+            <a:endParaRPr b="0" lang="en-US" sz="1700" spc="-1" strike="noStrike">
+              <a:solidFill>
+                <a:srgbClr val="000000"/>
+              </a:solidFill>
               <a:latin typeface="Arial"/>
             </a:endParaRPr>
           </a:p>
@@ -7074,7 +8735,10 @@
               </a:rPr>
               <a:t>Support different file formats.</a:t>
             </a:r>
-            <a:endParaRPr b="0" lang="en-IN" sz="1700" spc="-1" strike="noStrike">
+            <a:endParaRPr b="0" lang="en-US" sz="1700" spc="-1" strike="noStrike">
+              <a:solidFill>
+                <a:srgbClr val="000000"/>
+              </a:solidFill>
               <a:latin typeface="Arial"/>
             </a:endParaRPr>
           </a:p>
@@ -7100,7 +8764,10 @@
               </a:rPr>
               <a:t>Enhance encryption methods for better security.</a:t>
             </a:r>
-            <a:endParaRPr b="0" lang="en-IN" sz="1700" spc="-1" strike="noStrike">
+            <a:endParaRPr b="0" lang="en-US" sz="1700" spc="-1" strike="noStrike">
+              <a:solidFill>
+                <a:srgbClr val="000000"/>
+              </a:solidFill>
               <a:latin typeface="Arial"/>
             </a:endParaRPr>
           </a:p>
@@ -7126,7 +8793,10 @@
               </a:rPr>
               <a:t>Develop a user-friendly graphical interface.</a:t>
             </a:r>
-            <a:endParaRPr b="0" lang="en-IN" sz="1700" spc="-1" strike="noStrike">
+            <a:endParaRPr b="0" lang="en-US" sz="1700" spc="-1" strike="noStrike">
+              <a:solidFill>
+                <a:srgbClr val="000000"/>
+              </a:solidFill>
               <a:latin typeface="Arial"/>
             </a:endParaRPr>
           </a:p>
@@ -7152,7 +8822,10 @@
               </a:rPr>
               <a:t>Implement features like image compression.</a:t>
             </a:r>
-            <a:endParaRPr b="0" lang="en-IN" sz="1700" spc="-1" strike="noStrike">
+            <a:endParaRPr b="0" lang="en-US" sz="1700" spc="-1" strike="noStrike">
+              <a:solidFill>
+                <a:srgbClr val="000000"/>
+              </a:solidFill>
               <a:latin typeface="Arial"/>
             </a:endParaRPr>
           </a:p>
@@ -7168,7 +8841,10 @@
                 <a:spcPts val="601"/>
               </a:spcAft>
             </a:pPr>
-            <a:endParaRPr b="0" lang="en-IN" sz="1700" spc="-1" strike="noStrike">
+            <a:endParaRPr b="0" lang="en-US" sz="1700" spc="-1" strike="noStrike">
+              <a:solidFill>
+                <a:srgbClr val="000000"/>
+              </a:solidFill>
               <a:latin typeface="Arial"/>
             </a:endParaRPr>
           </a:p>
@@ -7184,7 +8860,10 @@
                 <a:spcPts val="601"/>
               </a:spcAft>
             </a:pPr>
-            <a:endParaRPr b="0" lang="en-IN" sz="1700" spc="-1" strike="noStrike">
+            <a:endParaRPr b="0" lang="en-US" sz="1700" spc="-1" strike="noStrike">
+              <a:solidFill>
+                <a:srgbClr val="000000"/>
+              </a:solidFill>
               <a:latin typeface="Arial"/>
             </a:endParaRPr>
           </a:p>
@@ -7200,7 +8879,10 @@
                 <a:spcPts val="601"/>
               </a:spcAft>
             </a:pPr>
-            <a:endParaRPr b="0" lang="en-IN" sz="1700" spc="-1" strike="noStrike">
+            <a:endParaRPr b="0" lang="en-US" sz="1700" spc="-1" strike="noStrike">
+              <a:solidFill>
+                <a:srgbClr val="000000"/>
+              </a:solidFill>
               <a:latin typeface="Arial"/>
             </a:endParaRPr>
           </a:p>
@@ -7216,7 +8898,10 @@
                 <a:spcPts val="601"/>
               </a:spcAft>
             </a:pPr>
-            <a:endParaRPr b="0" lang="en-IN" sz="1700" spc="-1" strike="noStrike">
+            <a:endParaRPr b="0" lang="en-US" sz="1700" spc="-1" strike="noStrike">
+              <a:solidFill>
+                <a:srgbClr val="000000"/>
+              </a:solidFill>
               <a:latin typeface="Arial"/>
             </a:endParaRPr>
           </a:p>
@@ -7232,7 +8917,10 @@
                 <a:spcPts val="601"/>
               </a:spcAft>
             </a:pPr>
-            <a:endParaRPr b="0" lang="en-IN" sz="1700" spc="-1" strike="noStrike">
+            <a:endParaRPr b="0" lang="en-US" sz="1700" spc="-1" strike="noStrike">
+              <a:solidFill>
+                <a:srgbClr val="000000"/>
+              </a:solidFill>
               <a:latin typeface="Arial"/>
             </a:endParaRPr>
           </a:p>
@@ -7277,13 +8965,13 @@
         <p:spPr>
           <a:xfrm>
             <a:off x="635040" y="720000"/>
-            <a:ext cx="11028960" cy="529560"/>
-          </a:xfrm>
-          <a:prstGeom prst="rect">
-            <a:avLst/>
-          </a:prstGeom>
-          <a:noFill/>
-          <a:ln>
+            <a:ext cx="11028600" cy="529200"/>
+          </a:xfrm>
+          <a:prstGeom prst="rect">
+            <a:avLst/>
+          </a:prstGeom>
+          <a:noFill/>
+          <a:ln w="0">
             <a:noFill/>
           </a:ln>
         </p:spPr>
@@ -7295,7 +8983,7 @@
         </p:style>
         <p:txBody>
           <a:bodyPr lIns="90000" rIns="90000" tIns="45000" bIns="45000" anchor="b">
-            <a:normAutofit fontScale="56000"/>
+            <a:normAutofit fontScale="68333"/>
           </a:bodyPr>
           <a:p>
             <a:pPr>
@@ -7313,7 +9001,10 @@
               </a:rPr>
               <a:t>System  Approach</a:t>
             </a:r>
-            <a:endParaRPr b="0" lang="en-IN" sz="4400" spc="-1" strike="noStrike">
+            <a:endParaRPr b="0" lang="en-US" sz="4400" spc="-1" strike="noStrike">
+              <a:solidFill>
+                <a:srgbClr val="000000"/>
+              </a:solidFill>
               <a:latin typeface="Arial"/>
             </a:endParaRPr>
           </a:p>
@@ -7328,13 +9019,13 @@
         <p:spPr>
           <a:xfrm>
             <a:off x="635040" y="1735560"/>
-            <a:ext cx="11028960" cy="4672440"/>
-          </a:xfrm>
-          <a:prstGeom prst="rect">
-            <a:avLst/>
-          </a:prstGeom>
-          <a:noFill/>
-          <a:ln>
+            <a:ext cx="11028600" cy="4672080"/>
+          </a:xfrm>
+          <a:prstGeom prst="rect">
+            <a:avLst/>
+          </a:prstGeom>
+          <a:noFill/>
+          <a:ln w="0">
             <a:noFill/>
           </a:ln>
         </p:spPr>
@@ -7373,7 +9064,10 @@
               </a:rPr>
               <a:t>The "System Approach" section outlines the steganography system's development strategy. Hardware requirements: dual-core processor, 4GB RAM, ample storage; GPU optional for faster processing. Software: Python 3.x, OpenCV (via pip), numpy, argparse. Supported image formats: JPEG, PNG, BMP. OpenCV (cv2) is the primary library, known for image manipulation. Integration is simple via pip or conda. Adherence to these requirements enables efficient development and deployment for concealing and retrieving secret messages within image files.</a:t>
             </a:r>
-            <a:endParaRPr b="0" lang="en-IN" sz="1800" spc="-1" strike="noStrike">
+            <a:endParaRPr b="0" lang="en-US" sz="1800" spc="-1" strike="noStrike">
+              <a:solidFill>
+                <a:srgbClr val="000000"/>
+              </a:solidFill>
               <a:latin typeface="Arial"/>
             </a:endParaRPr>
           </a:p>
@@ -7392,7 +9086,10 @@
                 <a:tab algn="l" pos="0"/>
               </a:tabLst>
             </a:pPr>
-            <a:endParaRPr b="0" lang="en-IN" sz="1800" spc="-1" strike="noStrike">
+            <a:endParaRPr b="0" lang="en-US" sz="1800" spc="-1" strike="noStrike">
+              <a:solidFill>
+                <a:srgbClr val="000000"/>
+              </a:solidFill>
               <a:latin typeface="Arial"/>
             </a:endParaRPr>
           </a:p>
@@ -7421,7 +9118,10 @@
               </a:rPr>
               <a:t>Hardware requirements: dual-core processor, 4GB RAM, ample storage space.</a:t>
             </a:r>
-            <a:endParaRPr b="0" lang="en-IN" sz="1800" spc="-1" strike="noStrike">
+            <a:endParaRPr b="0" lang="en-US" sz="1800" spc="-1" strike="noStrike">
+              <a:solidFill>
+                <a:srgbClr val="000000"/>
+              </a:solidFill>
               <a:latin typeface="Arial"/>
             </a:endParaRPr>
           </a:p>
@@ -7450,7 +9150,10 @@
               </a:rPr>
               <a:t>Optional GPU usage for accelerated processing.</a:t>
             </a:r>
-            <a:endParaRPr b="0" lang="en-IN" sz="1800" spc="-1" strike="noStrike">
+            <a:endParaRPr b="0" lang="en-US" sz="1800" spc="-1" strike="noStrike">
+              <a:solidFill>
+                <a:srgbClr val="000000"/>
+              </a:solidFill>
               <a:latin typeface="Arial"/>
             </a:endParaRPr>
           </a:p>
@@ -7479,7 +9182,10 @@
               </a:rPr>
               <a:t>Software requirements: Python 3.x, OpenCV (installable via pip), numpy, argparse.</a:t>
             </a:r>
-            <a:endParaRPr b="0" lang="en-IN" sz="1800" spc="-1" strike="noStrike">
+            <a:endParaRPr b="0" lang="en-US" sz="1800" spc="-1" strike="noStrike">
+              <a:solidFill>
+                <a:srgbClr val="000000"/>
+              </a:solidFill>
               <a:latin typeface="Arial"/>
             </a:endParaRPr>
           </a:p>
@@ -7508,7 +9214,10 @@
               </a:rPr>
               <a:t>Supported image formats: JPEG, PNG, BMP.</a:t>
             </a:r>
-            <a:endParaRPr b="0" lang="en-IN" sz="1800" spc="-1" strike="noStrike">
+            <a:endParaRPr b="0" lang="en-US" sz="1800" spc="-1" strike="noStrike">
+              <a:solidFill>
+                <a:srgbClr val="000000"/>
+              </a:solidFill>
               <a:latin typeface="Arial"/>
             </a:endParaRPr>
           </a:p>
@@ -7537,7 +9246,10 @@
               </a:rPr>
               <a:t>OpenCV (cv2) serves as the primary library, renowned for its image manipulation capabilities.</a:t>
             </a:r>
-            <a:endParaRPr b="0" lang="en-IN" sz="1800" spc="-1" strike="noStrike">
+            <a:endParaRPr b="0" lang="en-US" sz="1800" spc="-1" strike="noStrike">
+              <a:solidFill>
+                <a:srgbClr val="000000"/>
+              </a:solidFill>
               <a:latin typeface="Arial"/>
             </a:endParaRPr>
           </a:p>
@@ -7556,7 +9268,10 @@
                 <a:tab algn="l" pos="0"/>
               </a:tabLst>
             </a:pPr>
-            <a:endParaRPr b="0" lang="en-IN" sz="1800" spc="-1" strike="noStrike">
+            <a:endParaRPr b="0" lang="en-US" sz="1800" spc="-1" strike="noStrike">
+              <a:solidFill>
+                <a:srgbClr val="000000"/>
+              </a:solidFill>
               <a:latin typeface="Arial"/>
             </a:endParaRPr>
           </a:p>
@@ -7601,13 +9316,13 @@
         <p:spPr>
           <a:xfrm>
             <a:off x="581040" y="702000"/>
-            <a:ext cx="11028960" cy="529560"/>
-          </a:xfrm>
-          <a:prstGeom prst="rect">
-            <a:avLst/>
-          </a:prstGeom>
-          <a:noFill/>
-          <a:ln>
+            <a:ext cx="11028600" cy="529200"/>
+          </a:xfrm>
+          <a:prstGeom prst="rect">
+            <a:avLst/>
+          </a:prstGeom>
+          <a:noFill/>
+          <a:ln w="0">
             <a:noFill/>
           </a:ln>
         </p:spPr>
@@ -7619,7 +9334,7 @@
         </p:style>
         <p:txBody>
           <a:bodyPr lIns="90000" rIns="90000" tIns="45000" bIns="45000" anchor="b">
-            <a:normAutofit fontScale="56000"/>
+            <a:normAutofit fontScale="68333"/>
           </a:bodyPr>
           <a:p>
             <a:pPr>
@@ -7637,7 +9352,10 @@
               </a:rPr>
               <a:t>Algorithm &amp; Deployment</a:t>
             </a:r>
-            <a:endParaRPr b="0" lang="en-IN" sz="4400" spc="-1" strike="noStrike">
+            <a:endParaRPr b="0" lang="en-US" sz="4400" spc="-1" strike="noStrike">
+              <a:solidFill>
+                <a:srgbClr val="000000"/>
+              </a:solidFill>
               <a:latin typeface="Arial"/>
             </a:endParaRPr>
           </a:p>
@@ -7652,13 +9370,13 @@
         <p:spPr>
           <a:xfrm>
             <a:off x="616680" y="2052360"/>
-            <a:ext cx="11028960" cy="4672440"/>
-          </a:xfrm>
-          <a:prstGeom prst="rect">
-            <a:avLst/>
-          </a:prstGeom>
-          <a:noFill/>
-          <a:ln>
+            <a:ext cx="11028600" cy="4672080"/>
+          </a:xfrm>
+          <a:prstGeom prst="rect">
+            <a:avLst/>
+          </a:prstGeom>
+          <a:noFill/>
+          <a:ln w="0">
             <a:noFill/>
           </a:ln>
         </p:spPr>
@@ -7694,7 +9412,10 @@
               </a:rPr>
               <a:t>Algorithm:</a:t>
             </a:r>
-            <a:endParaRPr b="0" lang="en-IN" sz="1400" spc="-1" strike="noStrike">
+            <a:endParaRPr b="0" lang="en-US" sz="1400" spc="-1" strike="noStrike">
+              <a:solidFill>
+                <a:srgbClr val="000000"/>
+              </a:solidFill>
               <a:latin typeface="Arial"/>
             </a:endParaRPr>
           </a:p>
@@ -7730,7 +9451,10 @@
               </a:rPr>
               <a:t>Read image, convert message to binary, modify LSBs of RGB, scramble with password, save.</a:t>
             </a:r>
-            <a:endParaRPr b="0" lang="en-IN" sz="1400" spc="-1" strike="noStrike">
+            <a:endParaRPr b="0" lang="en-US" sz="1400" spc="-1" strike="noStrike">
+              <a:solidFill>
+                <a:srgbClr val="000000"/>
+              </a:solidFill>
               <a:latin typeface="Arial"/>
             </a:endParaRPr>
           </a:p>
@@ -7766,7 +9490,10 @@
               </a:rPr>
               <a:t> Read encrypted image, extract LSBs, decrypt with password, convert binary to original message.</a:t>
             </a:r>
-            <a:endParaRPr b="0" lang="en-IN" sz="1400" spc="-1" strike="noStrike">
+            <a:endParaRPr b="0" lang="en-US" sz="1400" spc="-1" strike="noStrike">
+              <a:solidFill>
+                <a:srgbClr val="000000"/>
+              </a:solidFill>
               <a:latin typeface="Arial"/>
             </a:endParaRPr>
           </a:p>
@@ -7782,7 +9509,10 @@
                 <a:spcPts val="601"/>
               </a:spcAft>
             </a:pPr>
-            <a:endParaRPr b="0" lang="en-IN" sz="1400" spc="-1" strike="noStrike">
+            <a:endParaRPr b="0" lang="en-US" sz="1400" spc="-1" strike="noStrike">
+              <a:solidFill>
+                <a:srgbClr val="000000"/>
+              </a:solidFill>
               <a:latin typeface="Arial"/>
             </a:endParaRPr>
           </a:p>
@@ -7808,7 +9538,10 @@
               </a:rPr>
               <a:t>Deployment:</a:t>
             </a:r>
-            <a:endParaRPr b="0" lang="en-IN" sz="1400" spc="-1" strike="noStrike">
+            <a:endParaRPr b="0" lang="en-US" sz="1400" spc="-1" strike="noStrike">
+              <a:solidFill>
+                <a:srgbClr val="000000"/>
+              </a:solidFill>
               <a:latin typeface="Arial"/>
             </a:endParaRPr>
           </a:p>
@@ -7844,7 +9577,10 @@
               </a:rPr>
               <a:t>Write Python script with OpenCV, ensure error handling and robustness. Consider modular design for scalability.</a:t>
             </a:r>
-            <a:endParaRPr b="0" lang="en-IN" sz="1400" spc="-1" strike="noStrike">
+            <a:endParaRPr b="0" lang="en-US" sz="1400" spc="-1" strike="noStrike">
+              <a:solidFill>
+                <a:srgbClr val="000000"/>
+              </a:solidFill>
               <a:latin typeface="Arial"/>
             </a:endParaRPr>
           </a:p>
@@ -7880,7 +9616,10 @@
               </a:rPr>
               <a:t>Install Python 3.x, OpenCV, numpy, argparse. Deploy on target system(s) meeting hardware and software requirements.</a:t>
             </a:r>
-            <a:endParaRPr b="0" lang="en-IN" sz="1400" spc="-1" strike="noStrike">
+            <a:endParaRPr b="0" lang="en-US" sz="1400" spc="-1" strike="noStrike">
+              <a:solidFill>
+                <a:srgbClr val="000000"/>
+              </a:solidFill>
               <a:latin typeface="Arial"/>
             </a:endParaRPr>
           </a:p>
@@ -7916,7 +9655,10 @@
               </a:rPr>
               <a:t> Provide clear instructions with examples, and consider developing a user-friendly GUI for enhanced usability.</a:t>
             </a:r>
-            <a:endParaRPr b="0" lang="en-IN" sz="1400" spc="-1" strike="noStrike">
+            <a:endParaRPr b="0" lang="en-US" sz="1400" spc="-1" strike="noStrike">
+              <a:solidFill>
+                <a:srgbClr val="000000"/>
+              </a:solidFill>
               <a:latin typeface="Arial"/>
             </a:endParaRPr>
           </a:p>
@@ -7952,7 +9694,10 @@
               </a:rPr>
               <a:t> Schedule regular updates, incorporate user feedback for feature enhancements, and stay informed about steganography advancements to ensure the system's effectiveness and security. Regularly update documentation for clarity and ease of use.</a:t>
             </a:r>
-            <a:endParaRPr b="0" lang="en-IN" sz="1400" spc="-1" strike="noStrike">
+            <a:endParaRPr b="0" lang="en-US" sz="1400" spc="-1" strike="noStrike">
+              <a:solidFill>
+                <a:srgbClr val="000000"/>
+              </a:solidFill>
               <a:latin typeface="Arial"/>
             </a:endParaRPr>
           </a:p>
@@ -7968,7 +9713,10 @@
                 <a:spcPts val="601"/>
               </a:spcAft>
             </a:pPr>
-            <a:endParaRPr b="0" lang="en-IN" sz="1400" spc="-1" strike="noStrike">
+            <a:endParaRPr b="0" lang="en-US" sz="1400" spc="-1" strike="noStrike">
+              <a:solidFill>
+                <a:srgbClr val="000000"/>
+              </a:solidFill>
               <a:latin typeface="Arial"/>
             </a:endParaRPr>
           </a:p>
@@ -7984,7 +9732,10 @@
                 <a:spcPts val="601"/>
               </a:spcAft>
             </a:pPr>
-            <a:endParaRPr b="0" lang="en-IN" sz="1400" spc="-1" strike="noStrike">
+            <a:endParaRPr b="0" lang="en-US" sz="1400" spc="-1" strike="noStrike">
+              <a:solidFill>
+                <a:srgbClr val="000000"/>
+              </a:solidFill>
               <a:latin typeface="Arial"/>
             </a:endParaRPr>
           </a:p>
@@ -8000,7 +9751,10 @@
                 <a:spcPts val="601"/>
               </a:spcAft>
             </a:pPr>
-            <a:endParaRPr b="0" lang="en-IN" sz="1400" spc="-1" strike="noStrike">
+            <a:endParaRPr b="0" lang="en-US" sz="1400" spc="-1" strike="noStrike">
+              <a:solidFill>
+                <a:srgbClr val="000000"/>
+              </a:solidFill>
               <a:latin typeface="Arial"/>
             </a:endParaRPr>
           </a:p>
@@ -8016,7 +9770,10 @@
                 <a:spcPts val="601"/>
               </a:spcAft>
             </a:pPr>
-            <a:endParaRPr b="0" lang="en-IN" sz="1400" spc="-1" strike="noStrike">
+            <a:endParaRPr b="0" lang="en-US" sz="1400" spc="-1" strike="noStrike">
+              <a:solidFill>
+                <a:srgbClr val="000000"/>
+              </a:solidFill>
               <a:latin typeface="Arial"/>
             </a:endParaRPr>
           </a:p>
@@ -8032,7 +9789,10 @@
                 <a:spcPts val="601"/>
               </a:spcAft>
             </a:pPr>
-            <a:endParaRPr b="0" lang="en-IN" sz="1400" spc="-1" strike="noStrike">
+            <a:endParaRPr b="0" lang="en-US" sz="1400" spc="-1" strike="noStrike">
+              <a:solidFill>
+                <a:srgbClr val="000000"/>
+              </a:solidFill>
               <a:latin typeface="Arial"/>
             </a:endParaRPr>
           </a:p>
@@ -8077,13 +9837,13 @@
         <p:spPr>
           <a:xfrm>
             <a:off x="581040" y="702000"/>
-            <a:ext cx="11028960" cy="529560"/>
-          </a:xfrm>
-          <a:prstGeom prst="rect">
-            <a:avLst/>
-          </a:prstGeom>
-          <a:noFill/>
-          <a:ln>
+            <a:ext cx="11028600" cy="529200"/>
+          </a:xfrm>
+          <a:prstGeom prst="rect">
+            <a:avLst/>
+          </a:prstGeom>
+          <a:noFill/>
+          <a:ln w="0">
             <a:noFill/>
           </a:ln>
         </p:spPr>
@@ -8095,7 +9855,7 @@
         </p:style>
         <p:txBody>
           <a:bodyPr lIns="90000" rIns="90000" tIns="45000" bIns="45000" anchor="b">
-            <a:normAutofit fontScale="56000"/>
+            <a:normAutofit fontScale="68333"/>
           </a:bodyPr>
           <a:p>
             <a:pPr>
@@ -8113,7 +9873,10 @@
               </a:rPr>
               <a:t>Result</a:t>
             </a:r>
-            <a:endParaRPr b="0" lang="en-IN" sz="4400" spc="-1" strike="noStrike">
+            <a:endParaRPr b="0" lang="en-US" sz="4400" spc="-1" strike="noStrike">
+              <a:solidFill>
+                <a:srgbClr val="000000"/>
+              </a:solidFill>
               <a:latin typeface="Arial"/>
             </a:endParaRPr>
           </a:p>
@@ -8128,13 +9891,13 @@
         <p:spPr>
           <a:xfrm>
             <a:off x="581040" y="1302120"/>
-            <a:ext cx="11028960" cy="4672440"/>
-          </a:xfrm>
-          <a:prstGeom prst="rect">
-            <a:avLst/>
-          </a:prstGeom>
-          <a:noFill/>
-          <a:ln>
+            <a:ext cx="11028600" cy="4672080"/>
+          </a:xfrm>
+          <a:prstGeom prst="rect">
+            <a:avLst/>
+          </a:prstGeom>
+          <a:noFill/>
+          <a:ln w="0">
             <a:noFill/>
           </a:ln>
         </p:spPr>
@@ -8163,22 +9926,38 @@
                 <a:tab algn="l" pos="0"/>
               </a:tabLst>
             </a:pPr>
-            <a:r>
-              <a:rPr b="0" lang="en-IN" sz="2400" spc="-1" strike="noStrike">
-                <a:solidFill>
-                  <a:srgbClr val="0f0f0f"/>
-                </a:solidFill>
-                <a:latin typeface="Franklin Gothic Book"/>
-                <a:ea typeface="Franklin Gothic Book"/>
-              </a:rPr>
-              <a:t>Present the results of the machine learning model in terms of its accuracy and effectiveness in predicting bike counts. Include visualizations and comparisons between predicted and actual counts to highlight the model's performance.</a:t>
-            </a:r>
-            <a:endParaRPr b="0" lang="en-IN" sz="2400" spc="-1" strike="noStrike">
-              <a:latin typeface="Arial"/>
-            </a:endParaRPr>
-          </a:p>
-        </p:txBody>
-      </p:sp>
+            <a:endParaRPr b="0" lang="en-US" sz="1800" spc="-1" strike="noStrike">
+              <a:solidFill>
+                <a:srgbClr val="000000"/>
+              </a:solidFill>
+              <a:latin typeface="Arial"/>
+            </a:endParaRPr>
+          </a:p>
+        </p:txBody>
+      </p:sp>
+      <p:pic>
+        <p:nvPicPr>
+          <p:cNvPr id="142" name="" descr=""/>
+          <p:cNvPicPr/>
+          <p:nvPr/>
+        </p:nvPicPr>
+        <p:blipFill>
+          <a:blip r:embed="rId1"/>
+          <a:stretch/>
+        </p:blipFill>
+        <p:spPr>
+          <a:xfrm>
+            <a:off x="685800" y="1231200"/>
+            <a:ext cx="10515600" cy="5257800"/>
+          </a:xfrm>
+          <a:prstGeom prst="rect">
+            <a:avLst/>
+          </a:prstGeom>
+          <a:ln w="0">
+            <a:noFill/>
+          </a:ln>
+        </p:spPr>
+      </p:pic>
     </p:spTree>
   </p:cSld>
   <mc:AlternateContent>
@@ -8211,20 +9990,20 @@
       </p:grpSpPr>
       <p:sp>
         <p:nvSpPr>
-          <p:cNvPr id="142" name="CustomShape 1"/>
+          <p:cNvPr id="143" name="CustomShape 1"/>
           <p:cNvSpPr/>
           <p:nvPr/>
         </p:nvSpPr>
         <p:spPr>
           <a:xfrm>
             <a:off x="581040" y="702000"/>
-            <a:ext cx="11028960" cy="529560"/>
-          </a:xfrm>
-          <a:prstGeom prst="rect">
-            <a:avLst/>
-          </a:prstGeom>
-          <a:noFill/>
-          <a:ln>
+            <a:ext cx="11028600" cy="529200"/>
+          </a:xfrm>
+          <a:prstGeom prst="rect">
+            <a:avLst/>
+          </a:prstGeom>
+          <a:noFill/>
+          <a:ln w="0">
             <a:noFill/>
           </a:ln>
         </p:spPr>
@@ -8236,7 +10015,7 @@
         </p:style>
         <p:txBody>
           <a:bodyPr lIns="90000" rIns="90000" tIns="45000" bIns="45000" anchor="b">
-            <a:normAutofit fontScale="56000"/>
+            <a:normAutofit fontScale="68333"/>
           </a:bodyPr>
           <a:p>
             <a:pPr>
@@ -8254,28 +10033,31 @@
               </a:rPr>
               <a:t>Conclusion</a:t>
             </a:r>
-            <a:endParaRPr b="0" lang="en-IN" sz="4400" spc="-1" strike="noStrike">
-              <a:latin typeface="Arial"/>
-            </a:endParaRPr>
-          </a:p>
-        </p:txBody>
-      </p:sp>
-      <p:sp>
-        <p:nvSpPr>
-          <p:cNvPr id="143" name="CustomShape 2"/>
+            <a:endParaRPr b="0" lang="en-US" sz="4400" spc="-1" strike="noStrike">
+              <a:solidFill>
+                <a:srgbClr val="000000"/>
+              </a:solidFill>
+              <a:latin typeface="Arial"/>
+            </a:endParaRPr>
+          </a:p>
+        </p:txBody>
+      </p:sp>
+      <p:sp>
+        <p:nvSpPr>
+          <p:cNvPr id="144" name="CustomShape 2"/>
           <p:cNvSpPr/>
           <p:nvPr/>
         </p:nvSpPr>
         <p:spPr>
           <a:xfrm>
             <a:off x="581040" y="1302120"/>
-            <a:ext cx="11028960" cy="4672440"/>
-          </a:xfrm>
-          <a:prstGeom prst="rect">
-            <a:avLst/>
-          </a:prstGeom>
-          <a:noFill/>
-          <a:ln>
+            <a:ext cx="11028600" cy="4672080"/>
+          </a:xfrm>
+          <a:prstGeom prst="rect">
+            <a:avLst/>
+          </a:prstGeom>
+          <a:noFill/>
+          <a:ln w="0">
             <a:noFill/>
           </a:ln>
         </p:spPr>
@@ -8311,7 +10093,10 @@
               </a:rPr>
               <a:t>In conclusion, the development and deployment of the steganography system present a robust solution for concealing and retrieving secret messages within image files. By adhering to the outlined algorithm and deployment strategy, users can efficiently encrypt and decrypt messages while maintaining security and usability. Leveraging Python with OpenCV and additional libraries ensures flexibility and scalability in implementing the system across different platforms. Regular maintenance, updates, and user feedback integration are essential for continuous improvement and adaptation to evolving steganography techniques. Overall, the steganography system offers a reliable and effective means of secure communication through hidden messages within images.</a:t>
             </a:r>
-            <a:endParaRPr b="0" lang="en-IN" sz="2000" spc="-1" strike="noStrike">
+            <a:endParaRPr b="0" lang="en-US" sz="2000" spc="-1" strike="noStrike">
+              <a:solidFill>
+                <a:srgbClr val="000000"/>
+              </a:solidFill>
               <a:latin typeface="Arial"/>
             </a:endParaRPr>
           </a:p>
@@ -8349,20 +10134,20 @@
       </p:grpSpPr>
       <p:sp>
         <p:nvSpPr>
-          <p:cNvPr id="144" name="CustomShape 1"/>
+          <p:cNvPr id="145" name="CustomShape 1"/>
           <p:cNvSpPr/>
           <p:nvPr/>
         </p:nvSpPr>
         <p:spPr>
           <a:xfrm>
             <a:off x="563040" y="2311560"/>
-            <a:ext cx="11028960" cy="4672440"/>
-          </a:xfrm>
-          <a:prstGeom prst="rect">
-            <a:avLst/>
-          </a:prstGeom>
-          <a:noFill/>
-          <a:ln>
+            <a:ext cx="11028600" cy="4672080"/>
+          </a:xfrm>
+          <a:prstGeom prst="rect">
+            <a:avLst/>
+          </a:prstGeom>
+          <a:noFill/>
+          <a:ln w="0">
             <a:noFill/>
           </a:ln>
         </p:spPr>
@@ -8391,7 +10176,10 @@
                 <a:tab algn="l" pos="0"/>
               </a:tabLst>
             </a:pPr>
-            <a:endParaRPr b="0" lang="en-IN" sz="1800" spc="-1" strike="noStrike">
+            <a:endParaRPr b="0" lang="en-US" sz="1800" spc="-1" strike="noStrike">
+              <a:solidFill>
+                <a:srgbClr val="000000"/>
+              </a:solidFill>
               <a:latin typeface="Arial"/>
             </a:endParaRPr>
           </a:p>
@@ -8420,7 +10208,10 @@
               </a:rPr>
               <a:t>In steganography, future development focuses on enhancing security through advanced encryption techniques and stronger cryptographic algorithms. Performance optimization is crucial, especially for handling large image files. Supporting various image formats and file types improves versatility. A user-friendly graphical interface and cross-platform compatibility enhance accessibility. Integration with communication tools streamlines secure message transmission. Automated key management simplifies encryption while ensuring security. Advanced image processing techniques bolster message hiding and resist detection. Cloud-based solutions offer scalable and distributed message storage and transmission. Continuous research and development drive innovation, ensuring ongoing enhancement of steganography system capabilities and security.</a:t>
             </a:r>
-            <a:endParaRPr b="0" lang="en-IN" sz="2000" spc="-1" strike="noStrike">
+            <a:endParaRPr b="0" lang="en-US" sz="2000" spc="-1" strike="noStrike">
+              <a:solidFill>
+                <a:srgbClr val="000000"/>
+              </a:solidFill>
               <a:latin typeface="Arial"/>
             </a:endParaRPr>
           </a:p>
@@ -8439,7 +10230,10 @@
                 <a:tab algn="l" pos="0"/>
               </a:tabLst>
             </a:pPr>
-            <a:endParaRPr b="0" lang="en-IN" sz="2000" spc="-1" strike="noStrike">
+            <a:endParaRPr b="0" lang="en-US" sz="2000" spc="-1" strike="noStrike">
+              <a:solidFill>
+                <a:srgbClr val="000000"/>
+              </a:solidFill>
               <a:latin typeface="Arial"/>
             </a:endParaRPr>
           </a:p>
@@ -8458,7 +10252,10 @@
                 <a:tab algn="l" pos="0"/>
               </a:tabLst>
             </a:pPr>
-            <a:endParaRPr b="0" lang="en-IN" sz="2000" spc="-1" strike="noStrike">
+            <a:endParaRPr b="0" lang="en-US" sz="2000" spc="-1" strike="noStrike">
+              <a:solidFill>
+                <a:srgbClr val="000000"/>
+              </a:solidFill>
               <a:latin typeface="Arial"/>
             </a:endParaRPr>
           </a:p>
@@ -8477,7 +10274,10 @@
                 <a:tab algn="l" pos="0"/>
               </a:tabLst>
             </a:pPr>
-            <a:endParaRPr b="0" lang="en-IN" sz="2000" spc="-1" strike="noStrike">
+            <a:endParaRPr b="0" lang="en-US" sz="2000" spc="-1" strike="noStrike">
+              <a:solidFill>
+                <a:srgbClr val="000000"/>
+              </a:solidFill>
               <a:latin typeface="Arial"/>
             </a:endParaRPr>
           </a:p>
@@ -8496,7 +10296,10 @@
                 <a:tab algn="l" pos="0"/>
               </a:tabLst>
             </a:pPr>
-            <a:endParaRPr b="0" lang="en-IN" sz="2000" spc="-1" strike="noStrike">
+            <a:endParaRPr b="0" lang="en-US" sz="2000" spc="-1" strike="noStrike">
+              <a:solidFill>
+                <a:srgbClr val="000000"/>
+              </a:solidFill>
               <a:latin typeface="Arial"/>
             </a:endParaRPr>
           </a:p>
@@ -8515,7 +10318,10 @@
                 <a:tab algn="l" pos="0"/>
               </a:tabLst>
             </a:pPr>
-            <a:endParaRPr b="0" lang="en-IN" sz="2000" spc="-1" strike="noStrike">
+            <a:endParaRPr b="0" lang="en-US" sz="2000" spc="-1" strike="noStrike">
+              <a:solidFill>
+                <a:srgbClr val="000000"/>
+              </a:solidFill>
               <a:latin typeface="Arial"/>
             </a:endParaRPr>
           </a:p>
@@ -8534,28 +10340,31 @@
                 <a:tab algn="l" pos="0"/>
               </a:tabLst>
             </a:pPr>
-            <a:endParaRPr b="0" lang="en-IN" sz="2000" spc="-1" strike="noStrike">
-              <a:latin typeface="Arial"/>
-            </a:endParaRPr>
-          </a:p>
-        </p:txBody>
-      </p:sp>
-      <p:sp>
-        <p:nvSpPr>
-          <p:cNvPr id="145" name="CustomShape 2"/>
+            <a:endParaRPr b="0" lang="en-US" sz="2000" spc="-1" strike="noStrike">
+              <a:solidFill>
+                <a:srgbClr val="000000"/>
+              </a:solidFill>
+              <a:latin typeface="Arial"/>
+            </a:endParaRPr>
+          </a:p>
+        </p:txBody>
+      </p:sp>
+      <p:sp>
+        <p:nvSpPr>
+          <p:cNvPr id="146" name="CustomShape 2"/>
           <p:cNvSpPr/>
           <p:nvPr/>
         </p:nvSpPr>
         <p:spPr>
           <a:xfrm>
             <a:off x="535680" y="844560"/>
-            <a:ext cx="11028960" cy="529560"/>
-          </a:xfrm>
-          <a:prstGeom prst="rect">
-            <a:avLst/>
-          </a:prstGeom>
-          <a:noFill/>
-          <a:ln>
+            <a:ext cx="11028600" cy="529200"/>
+          </a:xfrm>
+          <a:prstGeom prst="rect">
+            <a:avLst/>
+          </a:prstGeom>
+          <a:noFill/>
+          <a:ln w="0">
             <a:noFill/>
           </a:ln>
         </p:spPr>
@@ -8567,7 +10376,7 @@
         </p:style>
         <p:txBody>
           <a:bodyPr lIns="90000" rIns="90000" tIns="45000" bIns="45000" anchor="b">
-            <a:normAutofit fontScale="56000"/>
+            <a:normAutofit fontScale="68333"/>
           </a:bodyPr>
           <a:p>
             <a:pPr>
@@ -8585,7 +10394,10 @@
               </a:rPr>
               <a:t>Future scope</a:t>
             </a:r>
-            <a:endParaRPr b="0" lang="en-IN" sz="4400" spc="-1" strike="noStrike">
+            <a:endParaRPr b="0" lang="en-US" sz="4400" spc="-1" strike="noStrike">
+              <a:solidFill>
+                <a:srgbClr val="000000"/>
+              </a:solidFill>
               <a:latin typeface="Arial"/>
             </a:endParaRPr>
           </a:p>
@@ -8605,14 +10417,14 @@
 </file>
 
 <file path=ppt/theme/theme1.xml><?xml version="1.0" encoding="utf-8"?>
-<a:theme xmlns:a="http://schemas.openxmlformats.org/drawingml/2006/main" name="Office Theme">
+<a:theme xmlns:a="http://schemas.openxmlformats.org/drawingml/2006/main" xmlns:r="http://schemas.openxmlformats.org/officeDocument/2006/relationships" name="Office Theme">
   <a:themeElements>
     <a:clrScheme name="Office">
       <a:dk1>
-        <a:sysClr val="windowText" lastClr="000000"/>
+        <a:srgbClr val="000000"/>
       </a:dk1>
       <a:lt1>
-        <a:sysClr val="window" lastClr="FFFFFF"/>
+        <a:srgbClr val="ffffff"/>
       </a:lt1>
       <a:dk2>
         <a:srgbClr val="335b74"/>
@@ -8647,182 +10459,134 @@
     </a:clrScheme>
     <a:fontScheme name="Office">
       <a:majorFont>
-        <a:latin typeface="Arial"/>
-        <a:ea typeface="DejaVu Sans"/>
-        <a:cs typeface="DejaVu Sans"/>
+        <a:latin typeface="Arial" pitchFamily="0" charset="1"/>
+        <a:ea typeface="DejaVu Sans" pitchFamily="0" charset="1"/>
+        <a:cs typeface="DejaVu Sans" pitchFamily="0" charset="1"/>
       </a:majorFont>
       <a:minorFont>
-        <a:latin typeface="Arial"/>
-        <a:ea typeface="DejaVu Sans"/>
-        <a:cs typeface="DejaVu Sans"/>
+        <a:latin typeface="Arial" pitchFamily="0" charset="1"/>
+        <a:ea typeface="DejaVu Sans" pitchFamily="0" charset="1"/>
+        <a:cs typeface="DejaVu Sans" pitchFamily="0" charset="1"/>
       </a:minorFont>
     </a:fontScheme>
-    <a:fmtScheme name="Office">
+    <a:fmtScheme>
       <a:fillStyleLst>
         <a:solidFill>
           <a:schemeClr val="phClr"/>
         </a:solidFill>
-        <a:gradFill rotWithShape="1">
+        <a:gradFill>
           <a:gsLst>
             <a:gs pos="0">
               <a:schemeClr val="phClr">
                 <a:tint val="50000"/>
-                <a:satMod val="300000"/>
               </a:schemeClr>
             </a:gs>
             <a:gs pos="35000">
               <a:schemeClr val="phClr">
                 <a:tint val="37000"/>
-                <a:satMod val="300000"/>
               </a:schemeClr>
             </a:gs>
             <a:gs pos="100000">
               <a:schemeClr val="phClr">
                 <a:tint val="15000"/>
-                <a:satMod val="350000"/>
               </a:schemeClr>
             </a:gs>
           </a:gsLst>
           <a:lin ang="16200000" scaled="1"/>
+          <a:tileRect l="0" t="0" r="0" b="0"/>
         </a:gradFill>
-        <a:gradFill rotWithShape="1">
+        <a:gradFill>
           <a:gsLst>
             <a:gs pos="0">
               <a:schemeClr val="phClr">
                 <a:shade val="51000"/>
-                <a:satMod val="130000"/>
               </a:schemeClr>
             </a:gs>
             <a:gs pos="80000">
               <a:schemeClr val="phClr">
                 <a:shade val="93000"/>
-                <a:satMod val="130000"/>
               </a:schemeClr>
             </a:gs>
             <a:gs pos="100000">
               <a:schemeClr val="phClr">
                 <a:shade val="94000"/>
-                <a:satMod val="135000"/>
               </a:schemeClr>
             </a:gs>
           </a:gsLst>
           <a:lin ang="16200000" scaled="0"/>
+          <a:tileRect l="0" t="0" r="0" b="0"/>
         </a:gradFill>
       </a:fillStyleLst>
       <a:lnStyleLst>
         <a:ln w="9525" cap="flat" cmpd="sng" algn="ctr">
-          <a:solidFill>
-            <a:schemeClr val="phClr">
-              <a:shade val="95000"/>
-              <a:satMod val="105000"/>
-            </a:schemeClr>
-          </a:solidFill>
           <a:prstDash val="solid"/>
           <a:miter/>
         </a:ln>
         <a:ln w="25400" cap="flat" cmpd="sng" algn="ctr">
-          <a:solidFill>
-            <a:schemeClr val="phClr"/>
-          </a:solidFill>
           <a:prstDash val="solid"/>
           <a:miter/>
         </a:ln>
         <a:ln w="38100" cap="flat" cmpd="sng" algn="ctr">
-          <a:solidFill>
-            <a:schemeClr val="phClr"/>
-          </a:solidFill>
           <a:prstDash val="solid"/>
           <a:miter/>
         </a:ln>
       </a:lnStyleLst>
       <a:effectStyleLst>
         <a:effectStyle>
-          <a:effectLst>
-            <a:outerShdw blurRad="40000" dist="20000" dir="5400000" rotWithShape="0">
-              <a:srgbClr val="000000">
-                <a:alpha val="38000"/>
-              </a:srgbClr>
-            </a:outerShdw>
-          </a:effectLst>
+          <a:effectLst/>
         </a:effectStyle>
         <a:effectStyle>
-          <a:effectLst>
-            <a:outerShdw blurRad="40000" dist="23000" dir="5400000" rotWithShape="0">
-              <a:srgbClr val="000000">
-                <a:alpha val="35000"/>
-              </a:srgbClr>
-            </a:outerShdw>
-          </a:effectLst>
+          <a:effectLst/>
         </a:effectStyle>
         <a:effectStyle>
-          <a:effectLst>
-            <a:outerShdw blurRad="40000" dist="23000" dir="5400000" rotWithShape="0">
-              <a:srgbClr val="000000">
-                <a:alpha val="35000"/>
-              </a:srgbClr>
-            </a:outerShdw>
-          </a:effectLst>
-          <a:scene3d>
-            <a:camera prst="orthographicFront">
-              <a:rot lat="0" lon="0" rev="0"/>
-            </a:camera>
-            <a:lightRig rig="threePt" dir="t">
-              <a:rot lat="0" lon="0" rev="1200000"/>
-            </a:lightRig>
-          </a:scene3d>
-          <a:sp3d>
-            <a:bevelT w="63500" h="25400"/>
-          </a:sp3d>
+          <a:effectLst/>
         </a:effectStyle>
       </a:effectStyleLst>
       <a:bgFillStyleLst>
         <a:solidFill>
           <a:schemeClr val="phClr"/>
         </a:solidFill>
-        <a:gradFill rotWithShape="1">
+        <a:gradFill>
           <a:gsLst>
             <a:gs pos="0">
               <a:schemeClr val="phClr">
                 <a:tint val="40000"/>
-                <a:satMod val="350000"/>
               </a:schemeClr>
             </a:gs>
             <a:gs pos="40000">
               <a:schemeClr val="phClr">
                 <a:tint val="45000"/>
                 <a:shade val="99000"/>
-                <a:satMod val="350000"/>
               </a:schemeClr>
             </a:gs>
             <a:gs pos="100000">
               <a:schemeClr val="phClr">
                 <a:shade val="20000"/>
-                <a:satMod val="255000"/>
               </a:schemeClr>
             </a:gs>
           </a:gsLst>
           <a:path path="circle">
             <a:fillToRect l="50000" t="-80000" r="50000" b="180000"/>
           </a:path>
+          <a:tileRect l="0" t="0" r="0" b="0"/>
         </a:gradFill>
-        <a:gradFill rotWithShape="1">
+        <a:gradFill>
           <a:gsLst>
             <a:gs pos="0">
               <a:schemeClr val="phClr">
                 <a:tint val="80000"/>
-                <a:satMod val="300000"/>
               </a:schemeClr>
             </a:gs>
             <a:gs pos="100000">
               <a:schemeClr val="phClr">
                 <a:shade val="30000"/>
-                <a:satMod val="200000"/>
               </a:schemeClr>
             </a:gs>
           </a:gsLst>
           <a:path path="circle">
             <a:fillToRect l="50000" t="50000" r="50000" b="50000"/>
           </a:path>
+          <a:tileRect l="0" t="0" r="0" b="0"/>
         </a:gradFill>
       </a:bgFillStyleLst>
     </a:fmtScheme>
@@ -8831,14 +10595,14 @@
 </file>
 
 <file path=ppt/theme/theme2.xml><?xml version="1.0" encoding="utf-8"?>
-<a:theme xmlns:a="http://schemas.openxmlformats.org/drawingml/2006/main" name="Office Theme">
+<a:theme xmlns:a="http://schemas.openxmlformats.org/drawingml/2006/main" xmlns:r="http://schemas.openxmlformats.org/officeDocument/2006/relationships" name="Office Theme">
   <a:themeElements>
     <a:clrScheme name="Office">
       <a:dk1>
-        <a:sysClr val="windowText" lastClr="000000"/>
+        <a:srgbClr val="000000"/>
       </a:dk1>
       <a:lt1>
-        <a:sysClr val="window" lastClr="FFFFFF"/>
+        <a:srgbClr val="ffffff"/>
       </a:lt1>
       <a:dk2>
         <a:srgbClr val="335b74"/>
@@ -8873,182 +10637,134 @@
     </a:clrScheme>
     <a:fontScheme name="Office">
       <a:majorFont>
-        <a:latin typeface="Arial"/>
-        <a:ea typeface="DejaVu Sans"/>
-        <a:cs typeface="DejaVu Sans"/>
+        <a:latin typeface="Arial" pitchFamily="0" charset="1"/>
+        <a:ea typeface="DejaVu Sans" pitchFamily="0" charset="1"/>
+        <a:cs typeface="DejaVu Sans" pitchFamily="0" charset="1"/>
       </a:majorFont>
       <a:minorFont>
-        <a:latin typeface="Arial"/>
-        <a:ea typeface="DejaVu Sans"/>
-        <a:cs typeface="DejaVu Sans"/>
+        <a:latin typeface="Arial" pitchFamily="0" charset="1"/>
+        <a:ea typeface="DejaVu Sans" pitchFamily="0" charset="1"/>
+        <a:cs typeface="DejaVu Sans" pitchFamily="0" charset="1"/>
       </a:minorFont>
     </a:fontScheme>
-    <a:fmtScheme name="Office">
+    <a:fmtScheme>
       <a:fillStyleLst>
         <a:solidFill>
           <a:schemeClr val="phClr"/>
         </a:solidFill>
-        <a:gradFill rotWithShape="1">
+        <a:gradFill>
           <a:gsLst>
             <a:gs pos="0">
               <a:schemeClr val="phClr">
                 <a:tint val="50000"/>
-                <a:satMod val="300000"/>
               </a:schemeClr>
             </a:gs>
             <a:gs pos="35000">
               <a:schemeClr val="phClr">
                 <a:tint val="37000"/>
-                <a:satMod val="300000"/>
               </a:schemeClr>
             </a:gs>
             <a:gs pos="100000">
               <a:schemeClr val="phClr">
                 <a:tint val="15000"/>
-                <a:satMod val="350000"/>
               </a:schemeClr>
             </a:gs>
           </a:gsLst>
           <a:lin ang="16200000" scaled="1"/>
+          <a:tileRect l="0" t="0" r="0" b="0"/>
         </a:gradFill>
-        <a:gradFill rotWithShape="1">
+        <a:gradFill>
           <a:gsLst>
             <a:gs pos="0">
               <a:schemeClr val="phClr">
                 <a:shade val="51000"/>
-                <a:satMod val="130000"/>
               </a:schemeClr>
             </a:gs>
             <a:gs pos="80000">
               <a:schemeClr val="phClr">
                 <a:shade val="93000"/>
-                <a:satMod val="130000"/>
               </a:schemeClr>
             </a:gs>
             <a:gs pos="100000">
               <a:schemeClr val="phClr">
                 <a:shade val="94000"/>
-                <a:satMod val="135000"/>
               </a:schemeClr>
             </a:gs>
           </a:gsLst>
           <a:lin ang="16200000" scaled="0"/>
+          <a:tileRect l="0" t="0" r="0" b="0"/>
         </a:gradFill>
       </a:fillStyleLst>
       <a:lnStyleLst>
         <a:ln w="9525" cap="flat" cmpd="sng" algn="ctr">
-          <a:solidFill>
-            <a:schemeClr val="phClr">
-              <a:shade val="95000"/>
-              <a:satMod val="105000"/>
-            </a:schemeClr>
-          </a:solidFill>
           <a:prstDash val="solid"/>
           <a:miter/>
         </a:ln>
         <a:ln w="25400" cap="flat" cmpd="sng" algn="ctr">
-          <a:solidFill>
-            <a:schemeClr val="phClr"/>
-          </a:solidFill>
           <a:prstDash val="solid"/>
           <a:miter/>
         </a:ln>
         <a:ln w="38100" cap="flat" cmpd="sng" algn="ctr">
-          <a:solidFill>
-            <a:schemeClr val="phClr"/>
-          </a:solidFill>
           <a:prstDash val="solid"/>
           <a:miter/>
         </a:ln>
       </a:lnStyleLst>
       <a:effectStyleLst>
         <a:effectStyle>
-          <a:effectLst>
-            <a:outerShdw blurRad="40000" dist="20000" dir="5400000" rotWithShape="0">
-              <a:srgbClr val="000000">
-                <a:alpha val="38000"/>
-              </a:srgbClr>
-            </a:outerShdw>
-          </a:effectLst>
+          <a:effectLst/>
         </a:effectStyle>
         <a:effectStyle>
-          <a:effectLst>
-            <a:outerShdw blurRad="40000" dist="23000" dir="5400000" rotWithShape="0">
-              <a:srgbClr val="000000">
-                <a:alpha val="35000"/>
-              </a:srgbClr>
-            </a:outerShdw>
-          </a:effectLst>
+          <a:effectLst/>
         </a:effectStyle>
         <a:effectStyle>
-          <a:effectLst>
-            <a:outerShdw blurRad="40000" dist="23000" dir="5400000" rotWithShape="0">
-              <a:srgbClr val="000000">
-                <a:alpha val="35000"/>
-              </a:srgbClr>
-            </a:outerShdw>
-          </a:effectLst>
-          <a:scene3d>
-            <a:camera prst="orthographicFront">
-              <a:rot lat="0" lon="0" rev="0"/>
-            </a:camera>
-            <a:lightRig rig="threePt" dir="t">
-              <a:rot lat="0" lon="0" rev="1200000"/>
-            </a:lightRig>
-          </a:scene3d>
-          <a:sp3d>
-            <a:bevelT w="63500" h="25400"/>
-          </a:sp3d>
+          <a:effectLst/>
         </a:effectStyle>
       </a:effectStyleLst>
       <a:bgFillStyleLst>
         <a:solidFill>
           <a:schemeClr val="phClr"/>
         </a:solidFill>
-        <a:gradFill rotWithShape="1">
+        <a:gradFill>
           <a:gsLst>
             <a:gs pos="0">
               <a:schemeClr val="phClr">
                 <a:tint val="40000"/>
-                <a:satMod val="350000"/>
               </a:schemeClr>
             </a:gs>
             <a:gs pos="40000">
               <a:schemeClr val="phClr">
                 <a:tint val="45000"/>
                 <a:shade val="99000"/>
-                <a:satMod val="350000"/>
               </a:schemeClr>
             </a:gs>
             <a:gs pos="100000">
               <a:schemeClr val="phClr">
                 <a:shade val="20000"/>
-                <a:satMod val="255000"/>
               </a:schemeClr>
             </a:gs>
           </a:gsLst>
           <a:path path="circle">
             <a:fillToRect l="50000" t="-80000" r="50000" b="180000"/>
           </a:path>
+          <a:tileRect l="0" t="0" r="0" b="0"/>
         </a:gradFill>
-        <a:gradFill rotWithShape="1">
+        <a:gradFill>
           <a:gsLst>
             <a:gs pos="0">
               <a:schemeClr val="phClr">
                 <a:tint val="80000"/>
-                <a:satMod val="300000"/>
               </a:schemeClr>
             </a:gs>
             <a:gs pos="100000">
               <a:schemeClr val="phClr">
                 <a:shade val="30000"/>
-                <a:satMod val="200000"/>
               </a:schemeClr>
             </a:gs>
           </a:gsLst>
           <a:path path="circle">
             <a:fillToRect l="50000" t="50000" r="50000" b="50000"/>
           </a:path>
+          <a:tileRect l="0" t="0" r="0" b="0"/>
         </a:gradFill>
       </a:bgFillStyleLst>
     </a:fmtScheme>
@@ -9057,14 +10773,14 @@
 </file>
 
 <file path=ppt/theme/theme3.xml><?xml version="1.0" encoding="utf-8"?>
-<a:theme xmlns:a="http://schemas.openxmlformats.org/drawingml/2006/main" name="Office Theme">
+<a:theme xmlns:a="http://schemas.openxmlformats.org/drawingml/2006/main" xmlns:r="http://schemas.openxmlformats.org/officeDocument/2006/relationships" name="Office Theme">
   <a:themeElements>
     <a:clrScheme name="Office">
       <a:dk1>
-        <a:sysClr val="windowText" lastClr="000000"/>
+        <a:srgbClr val="000000"/>
       </a:dk1>
       <a:lt1>
-        <a:sysClr val="window" lastClr="FFFFFF"/>
+        <a:srgbClr val="ffffff"/>
       </a:lt1>
       <a:dk2>
         <a:srgbClr val="335b74"/>
@@ -9099,182 +10815,134 @@
     </a:clrScheme>
     <a:fontScheme name="Office">
       <a:majorFont>
-        <a:latin typeface="Arial"/>
-        <a:ea typeface="DejaVu Sans"/>
-        <a:cs typeface="DejaVu Sans"/>
+        <a:latin typeface="Arial" pitchFamily="0" charset="1"/>
+        <a:ea typeface="DejaVu Sans" pitchFamily="0" charset="1"/>
+        <a:cs typeface="DejaVu Sans" pitchFamily="0" charset="1"/>
       </a:majorFont>
       <a:minorFont>
-        <a:latin typeface="Arial"/>
-        <a:ea typeface="DejaVu Sans"/>
-        <a:cs typeface="DejaVu Sans"/>
+        <a:latin typeface="Arial" pitchFamily="0" charset="1"/>
+        <a:ea typeface="DejaVu Sans" pitchFamily="0" charset="1"/>
+        <a:cs typeface="DejaVu Sans" pitchFamily="0" charset="1"/>
       </a:minorFont>
     </a:fontScheme>
-    <a:fmtScheme name="Office">
+    <a:fmtScheme>
       <a:fillStyleLst>
         <a:solidFill>
           <a:schemeClr val="phClr"/>
         </a:solidFill>
-        <a:gradFill rotWithShape="1">
+        <a:gradFill>
           <a:gsLst>
             <a:gs pos="0">
               <a:schemeClr val="phClr">
                 <a:tint val="50000"/>
-                <a:satMod val="300000"/>
               </a:schemeClr>
             </a:gs>
             <a:gs pos="35000">
               <a:schemeClr val="phClr">
                 <a:tint val="37000"/>
-                <a:satMod val="300000"/>
               </a:schemeClr>
             </a:gs>
             <a:gs pos="100000">
               <a:schemeClr val="phClr">
                 <a:tint val="15000"/>
-                <a:satMod val="350000"/>
               </a:schemeClr>
             </a:gs>
           </a:gsLst>
           <a:lin ang="16200000" scaled="1"/>
+          <a:tileRect l="0" t="0" r="0" b="0"/>
         </a:gradFill>
-        <a:gradFill rotWithShape="1">
+        <a:gradFill>
           <a:gsLst>
             <a:gs pos="0">
               <a:schemeClr val="phClr">
                 <a:shade val="51000"/>
-                <a:satMod val="130000"/>
               </a:schemeClr>
             </a:gs>
             <a:gs pos="80000">
               <a:schemeClr val="phClr">
                 <a:shade val="93000"/>
-                <a:satMod val="130000"/>
               </a:schemeClr>
             </a:gs>
             <a:gs pos="100000">
               <a:schemeClr val="phClr">
                 <a:shade val="94000"/>
-                <a:satMod val="135000"/>
               </a:schemeClr>
             </a:gs>
           </a:gsLst>
           <a:lin ang="16200000" scaled="0"/>
+          <a:tileRect l="0" t="0" r="0" b="0"/>
         </a:gradFill>
       </a:fillStyleLst>
       <a:lnStyleLst>
         <a:ln w="9525" cap="flat" cmpd="sng" algn="ctr">
-          <a:solidFill>
-            <a:schemeClr val="phClr">
-              <a:shade val="95000"/>
-              <a:satMod val="105000"/>
-            </a:schemeClr>
-          </a:solidFill>
           <a:prstDash val="solid"/>
           <a:miter/>
         </a:ln>
         <a:ln w="25400" cap="flat" cmpd="sng" algn="ctr">
-          <a:solidFill>
-            <a:schemeClr val="phClr"/>
-          </a:solidFill>
           <a:prstDash val="solid"/>
           <a:miter/>
         </a:ln>
         <a:ln w="38100" cap="flat" cmpd="sng" algn="ctr">
-          <a:solidFill>
-            <a:schemeClr val="phClr"/>
-          </a:solidFill>
           <a:prstDash val="solid"/>
           <a:miter/>
         </a:ln>
       </a:lnStyleLst>
       <a:effectStyleLst>
         <a:effectStyle>
-          <a:effectLst>
-            <a:outerShdw blurRad="40000" dist="20000" dir="5400000" rotWithShape="0">
-              <a:srgbClr val="000000">
-                <a:alpha val="38000"/>
-              </a:srgbClr>
-            </a:outerShdw>
-          </a:effectLst>
+          <a:effectLst/>
         </a:effectStyle>
         <a:effectStyle>
-          <a:effectLst>
-            <a:outerShdw blurRad="40000" dist="23000" dir="5400000" rotWithShape="0">
-              <a:srgbClr val="000000">
-                <a:alpha val="35000"/>
-              </a:srgbClr>
-            </a:outerShdw>
-          </a:effectLst>
+          <a:effectLst/>
         </a:effectStyle>
         <a:effectStyle>
-          <a:effectLst>
-            <a:outerShdw blurRad="40000" dist="23000" dir="5400000" rotWithShape="0">
-              <a:srgbClr val="000000">
-                <a:alpha val="35000"/>
-              </a:srgbClr>
-            </a:outerShdw>
-          </a:effectLst>
-          <a:scene3d>
-            <a:camera prst="orthographicFront">
-              <a:rot lat="0" lon="0" rev="0"/>
-            </a:camera>
-            <a:lightRig rig="threePt" dir="t">
-              <a:rot lat="0" lon="0" rev="1200000"/>
-            </a:lightRig>
-          </a:scene3d>
-          <a:sp3d>
-            <a:bevelT w="63500" h="25400"/>
-          </a:sp3d>
+          <a:effectLst/>
         </a:effectStyle>
       </a:effectStyleLst>
       <a:bgFillStyleLst>
         <a:solidFill>
           <a:schemeClr val="phClr"/>
         </a:solidFill>
-        <a:gradFill rotWithShape="1">
+        <a:gradFill>
           <a:gsLst>
             <a:gs pos="0">
               <a:schemeClr val="phClr">
                 <a:tint val="40000"/>
-                <a:satMod val="350000"/>
               </a:schemeClr>
             </a:gs>
             <a:gs pos="40000">
               <a:schemeClr val="phClr">
                 <a:tint val="45000"/>
                 <a:shade val="99000"/>
-                <a:satMod val="350000"/>
               </a:schemeClr>
             </a:gs>
             <a:gs pos="100000">
               <a:schemeClr val="phClr">
                 <a:shade val="20000"/>
-                <a:satMod val="255000"/>
               </a:schemeClr>
             </a:gs>
           </a:gsLst>
           <a:path path="circle">
             <a:fillToRect l="50000" t="-80000" r="50000" b="180000"/>
           </a:path>
+          <a:tileRect l="0" t="0" r="0" b="0"/>
         </a:gradFill>
-        <a:gradFill rotWithShape="1">
+        <a:gradFill>
           <a:gsLst>
             <a:gs pos="0">
               <a:schemeClr val="phClr">
                 <a:tint val="80000"/>
-                <a:satMod val="300000"/>
               </a:schemeClr>
             </a:gs>
             <a:gs pos="100000">
               <a:schemeClr val="phClr">
                 <a:shade val="30000"/>
-                <a:satMod val="200000"/>
               </a:schemeClr>
             </a:gs>
           </a:gsLst>
           <a:path path="circle">
             <a:fillToRect l="50000" t="50000" r="50000" b="50000"/>
           </a:path>
+          <a:tileRect l="0" t="0" r="0" b="0"/>
         </a:gradFill>
       </a:bgFillStyleLst>
     </a:fmtScheme>
